--- a/实习/新建 Microsoft PowerPoint 演示文稿.pptx
+++ b/实习/新建 Microsoft PowerPoint 演示文稿.pptx
@@ -5,11 +5,19 @@
     <p:sldMasterId id="2147483648" r:id="rId1"/>
   </p:sldMasterIdLst>
   <p:sldIdLst>
-    <p:sldId id="256" r:id="rId2"/>
-    <p:sldId id="257" r:id="rId3"/>
-    <p:sldId id="258" r:id="rId4"/>
-    <p:sldId id="259" r:id="rId5"/>
-    <p:sldId id="260" r:id="rId6"/>
+    <p:sldId id="265" r:id="rId2"/>
+    <p:sldId id="262" r:id="rId3"/>
+    <p:sldId id="263" r:id="rId4"/>
+    <p:sldId id="264" r:id="rId5"/>
+    <p:sldId id="268" r:id="rId6"/>
+    <p:sldId id="256" r:id="rId7"/>
+    <p:sldId id="261" r:id="rId8"/>
+    <p:sldId id="257" r:id="rId9"/>
+    <p:sldId id="258" r:id="rId10"/>
+    <p:sldId id="259" r:id="rId11"/>
+    <p:sldId id="260" r:id="rId12"/>
+    <p:sldId id="267" r:id="rId13"/>
+    <p:sldId id="266" r:id="rId14"/>
   </p:sldIdLst>
   <p:sldSz cx="12192000" cy="6858000"/>
   <p:notesSz cx="6858000" cy="9144000"/>
@@ -108,6 +116,11 @@
       </a:defRPr>
     </a:lvl9pPr>
   </p:defaultTextStyle>
+  <p:extLst>
+    <p:ext uri="{EFAFB233-063F-42B5-8137-9DF3F51BA10A}">
+      <p15:sldGuideLst xmlns:p15="http://schemas.microsoft.com/office/powerpoint/2012/main"/>
+    </p:ext>
+  </p:extLst>
 </p:presentation>
 </file>
 
@@ -3327,6 +3340,4717 @@
       </p:grpSpPr>
       <p:sp>
         <p:nvSpPr>
+          <p:cNvPr id="5" name="文本框 4">
+            <a:extLst>
+              <a:ext uri="{FF2B5EF4-FFF2-40B4-BE49-F238E27FC236}">
+                <a16:creationId xmlns:a16="http://schemas.microsoft.com/office/drawing/2014/main" id="{FB08F594-2EF2-4AD3-A185-6A4B6E63F6A1}"/>
+              </a:ext>
+            </a:extLst>
+          </p:cNvPr>
+          <p:cNvSpPr txBox="1"/>
+          <p:nvPr/>
+        </p:nvSpPr>
+        <p:spPr>
+          <a:xfrm>
+            <a:off x="1624853" y="148295"/>
+            <a:ext cx="8942294" cy="6740307"/>
+          </a:xfrm>
+          <a:prstGeom prst="rect">
+            <a:avLst/>
+          </a:prstGeom>
+          <a:noFill/>
+        </p:spPr>
+        <p:txBody>
+          <a:bodyPr wrap="square">
+            <a:spAutoFit/>
+          </a:bodyPr>
+          <a:lstStyle/>
+          <a:p>
+            <a:r>
+              <a:rPr lang="zh-CN" altLang="en-US" sz="2400" b="1" dirty="0"/>
+              <a:t>面试官你好，我叫罗河君，目前是南京理工大学研二的在读研究生。</a:t>
+            </a:r>
+          </a:p>
+          <a:p>
+            <a:r>
+              <a:rPr lang="zh-CN" altLang="en-US" sz="2400" b="1" dirty="0"/>
+              <a:t>我本科也是就读于南京理工大学计算机学院，专业是计算机科学与技术。</a:t>
+            </a:r>
+          </a:p>
+          <a:p>
+            <a:r>
+              <a:rPr lang="zh-CN" altLang="en-US" sz="2400" b="1" dirty="0"/>
+              <a:t>我是在</a:t>
+            </a:r>
+            <a:r>
+              <a:rPr lang="en-US" altLang="zh-CN" sz="2400" b="1" dirty="0"/>
+              <a:t>2022</a:t>
+            </a:r>
+            <a:r>
+              <a:rPr lang="zh-CN" altLang="en-US" sz="2400" b="1" dirty="0"/>
+              <a:t>年的时候保研到本校读研究生。然后我研究生阶段的计算机视觉领域里面的基于深度学习的遥感变化检测这一方面。</a:t>
+            </a:r>
+          </a:p>
+          <a:p>
+            <a:r>
+              <a:rPr lang="zh-CN" altLang="en-US" sz="2400" b="1" dirty="0"/>
+              <a:t>我目前的科研成果的话是发表了一篇</a:t>
+            </a:r>
+            <a:r>
+              <a:rPr lang="en-US" altLang="zh-CN" sz="2400" b="1" dirty="0" err="1"/>
+              <a:t>igarss</a:t>
+            </a:r>
+            <a:r>
+              <a:rPr lang="zh-CN" altLang="en-US" sz="2400" b="1" dirty="0"/>
+              <a:t>，然后还有两篇论文目前是在投的状态。</a:t>
+            </a:r>
+          </a:p>
+          <a:p>
+            <a:r>
+              <a:rPr lang="zh-CN" altLang="en-US" sz="2400" b="1" dirty="0"/>
+              <a:t>我的获奖情况的话首先是在本科和研究生阶段多次获得学校的奖学金，然后竞赛获奖主要是蓝桥杯大赛的一次省赛一等奖和国赛三等奖。</a:t>
+            </a:r>
+          </a:p>
+          <a:p>
+            <a:endParaRPr lang="zh-CN" altLang="en-US" sz="2400" b="1" dirty="0"/>
+          </a:p>
+          <a:p>
+            <a:r>
+              <a:rPr lang="zh-CN" altLang="en-US" sz="2400" b="1" dirty="0"/>
+              <a:t>然后我简历上写的两个项目</a:t>
+            </a:r>
+          </a:p>
+          <a:p>
+            <a:r>
+              <a:rPr lang="zh-CN" altLang="en-US" sz="2400" b="1" dirty="0"/>
+              <a:t>首先是一个</a:t>
+            </a:r>
+            <a:r>
+              <a:rPr lang="en-US" altLang="zh-CN" sz="2400" b="1" dirty="0"/>
+              <a:t>Linux</a:t>
+            </a:r>
+            <a:r>
+              <a:rPr lang="zh-CN" altLang="en-US" sz="2400" b="1" dirty="0"/>
+              <a:t>高并发服务器开发的项目，这个项目应该算是我为了了解网络编程和多线程编程做的一个练手项目。</a:t>
+            </a:r>
+          </a:p>
+          <a:p>
+            <a:r>
+              <a:rPr lang="zh-CN" altLang="en-US" sz="2400" b="1" dirty="0"/>
+              <a:t>然后我本科阶段做的一个基于微信小程序的图像风格转换器开发的项目，包括微信小程序的前端界面和后端的一些风格转换的业务逻辑。</a:t>
+            </a:r>
+          </a:p>
+        </p:txBody>
+      </p:sp>
+    </p:spTree>
+    <p:extLst>
+      <p:ext uri="{BB962C8B-B14F-4D97-AF65-F5344CB8AC3E}">
+        <p14:creationId xmlns:p14="http://schemas.microsoft.com/office/powerpoint/2010/main" val="848243723"/>
+      </p:ext>
+    </p:extLst>
+  </p:cSld>
+  <p:clrMapOvr>
+    <a:masterClrMapping/>
+  </p:clrMapOvr>
+</p:sld>
+</file>
+
+<file path=ppt/slides/slide10.xml><?xml version="1.0" encoding="utf-8"?>
+<p:sld xmlns:a="http://schemas.openxmlformats.org/drawingml/2006/main" xmlns:r="http://schemas.openxmlformats.org/officeDocument/2006/relationships" xmlns:p="http://schemas.openxmlformats.org/presentationml/2006/main">
+  <p:cSld>
+    <p:spTree>
+      <p:nvGrpSpPr>
+        <p:cNvPr id="1" name=""/>
+        <p:cNvGrpSpPr/>
+        <p:nvPr/>
+      </p:nvGrpSpPr>
+      <p:grpSpPr>
+        <a:xfrm>
+          <a:off x="0" y="0"/>
+          <a:ext cx="0" cy="0"/>
+          <a:chOff x="0" y="0"/>
+          <a:chExt cx="0" cy="0"/>
+        </a:xfrm>
+      </p:grpSpPr>
+      <p:sp>
+        <p:nvSpPr>
+          <p:cNvPr id="4" name="文本框 3">
+            <a:extLst>
+              <a:ext uri="{FF2B5EF4-FFF2-40B4-BE49-F238E27FC236}">
+                <a16:creationId xmlns:a16="http://schemas.microsoft.com/office/drawing/2014/main" id="{5311D689-FFF3-4BCE-7E45-F13D038ED366}"/>
+              </a:ext>
+            </a:extLst>
+          </p:cNvPr>
+          <p:cNvSpPr txBox="1"/>
+          <p:nvPr/>
+        </p:nvSpPr>
+        <p:spPr>
+          <a:xfrm>
+            <a:off x="0" y="0"/>
+            <a:ext cx="3683637" cy="1200329"/>
+          </a:xfrm>
+          <a:prstGeom prst="rect">
+            <a:avLst/>
+          </a:prstGeom>
+          <a:noFill/>
+        </p:spPr>
+        <p:txBody>
+          <a:bodyPr wrap="none" rtlCol="0">
+            <a:spAutoFit/>
+          </a:bodyPr>
+          <a:lstStyle/>
+          <a:p>
+            <a:r>
+              <a:rPr lang="en-US" altLang="zh-CN" sz="7200" b="1" kern="100" dirty="0">
+                <a:solidFill>
+                  <a:srgbClr val="2C3E50"/>
+                </a:solidFill>
+                <a:effectLst/>
+                <a:latin typeface="Segoe UI" panose="020B0502040204020203" pitchFamily="34" charset="0"/>
+                <a:ea typeface="等线 Light" panose="02010600030101010101" pitchFamily="2" charset="-122"/>
+                <a:cs typeface="Segoe UI" panose="020B0502040204020203" pitchFamily="34" charset="0"/>
+              </a:rPr>
+              <a:t>TCP</a:t>
+            </a:r>
+            <a:r>
+              <a:rPr lang="zh-CN" altLang="en-US" sz="7200" b="1" kern="100" dirty="0">
+                <a:solidFill>
+                  <a:srgbClr val="2C3E50"/>
+                </a:solidFill>
+                <a:effectLst/>
+                <a:latin typeface="Segoe UI" panose="020B0502040204020203" pitchFamily="34" charset="0"/>
+                <a:ea typeface="等线 Light" panose="02010600030101010101" pitchFamily="2" charset="-122"/>
+                <a:cs typeface="Segoe UI" panose="020B0502040204020203" pitchFamily="34" charset="0"/>
+              </a:rPr>
+              <a:t>握手</a:t>
+            </a:r>
+            <a:endParaRPr lang="zh-CN" altLang="zh-CN" sz="7200" b="1" kern="100" dirty="0">
+              <a:effectLst/>
+              <a:latin typeface="等线 Light" panose="02010600030101010101" pitchFamily="2" charset="-122"/>
+              <a:ea typeface="等线 Light" panose="02010600030101010101" pitchFamily="2" charset="-122"/>
+              <a:cs typeface="Times New Roman" panose="02020603050405020304" pitchFamily="18" charset="0"/>
+            </a:endParaRPr>
+          </a:p>
+        </p:txBody>
+      </p:sp>
+      <p:pic>
+        <p:nvPicPr>
+          <p:cNvPr id="5" name="图片 4" descr="TCP 三次握手">
+            <a:extLst>
+              <a:ext uri="{FF2B5EF4-FFF2-40B4-BE49-F238E27FC236}">
+                <a16:creationId xmlns:a16="http://schemas.microsoft.com/office/drawing/2014/main" id="{4DDE699E-91E9-168F-E7C2-4C21CFCDAAE9}"/>
+              </a:ext>
+            </a:extLst>
+          </p:cNvPr>
+          <p:cNvPicPr>
+            <a:picLocks noChangeAspect="1"/>
+          </p:cNvPicPr>
+          <p:nvPr/>
+        </p:nvPicPr>
+        <p:blipFill>
+          <a:blip r:embed="rId2" cstate="print">
+            <a:extLst>
+              <a:ext uri="{28A0092B-C50C-407E-A947-70E740481C1C}">
+                <a14:useLocalDpi xmlns:a14="http://schemas.microsoft.com/office/drawing/2010/main" val="0"/>
+              </a:ext>
+            </a:extLst>
+          </a:blip>
+          <a:srcRect/>
+          <a:stretch>
+            <a:fillRect/>
+          </a:stretch>
+        </p:blipFill>
+        <p:spPr bwMode="auto">
+          <a:xfrm>
+            <a:off x="238125" y="1514654"/>
+            <a:ext cx="5492420" cy="4581346"/>
+          </a:xfrm>
+          <a:prstGeom prst="rect">
+            <a:avLst/>
+          </a:prstGeom>
+          <a:noFill/>
+          <a:ln>
+            <a:noFill/>
+          </a:ln>
+        </p:spPr>
+      </p:pic>
+      <p:sp>
+        <p:nvSpPr>
+          <p:cNvPr id="6" name="文本框 5">
+            <a:extLst>
+              <a:ext uri="{FF2B5EF4-FFF2-40B4-BE49-F238E27FC236}">
+                <a16:creationId xmlns:a16="http://schemas.microsoft.com/office/drawing/2014/main" id="{6CC82442-9E3F-C331-491A-C3FEBC20E6EC}"/>
+              </a:ext>
+            </a:extLst>
+          </p:cNvPr>
+          <p:cNvSpPr txBox="1"/>
+          <p:nvPr/>
+        </p:nvSpPr>
+        <p:spPr>
+          <a:xfrm>
+            <a:off x="7734300" y="0"/>
+            <a:ext cx="3683637" cy="1200329"/>
+          </a:xfrm>
+          <a:prstGeom prst="rect">
+            <a:avLst/>
+          </a:prstGeom>
+          <a:noFill/>
+        </p:spPr>
+        <p:txBody>
+          <a:bodyPr wrap="none" rtlCol="0">
+            <a:spAutoFit/>
+          </a:bodyPr>
+          <a:lstStyle/>
+          <a:p>
+            <a:r>
+              <a:rPr lang="en-US" altLang="zh-CN" sz="7200" b="1" kern="100" dirty="0">
+                <a:solidFill>
+                  <a:srgbClr val="2C3E50"/>
+                </a:solidFill>
+                <a:effectLst/>
+                <a:latin typeface="Segoe UI" panose="020B0502040204020203" pitchFamily="34" charset="0"/>
+                <a:ea typeface="等线 Light" panose="02010600030101010101" pitchFamily="2" charset="-122"/>
+                <a:cs typeface="Segoe UI" panose="020B0502040204020203" pitchFamily="34" charset="0"/>
+              </a:rPr>
+              <a:t>TCP</a:t>
+            </a:r>
+            <a:r>
+              <a:rPr lang="zh-CN" altLang="en-US" sz="7200" b="1" kern="100" dirty="0">
+                <a:solidFill>
+                  <a:srgbClr val="2C3E50"/>
+                </a:solidFill>
+                <a:effectLst/>
+                <a:latin typeface="Segoe UI" panose="020B0502040204020203" pitchFamily="34" charset="0"/>
+                <a:ea typeface="等线 Light" panose="02010600030101010101" pitchFamily="2" charset="-122"/>
+                <a:cs typeface="Segoe UI" panose="020B0502040204020203" pitchFamily="34" charset="0"/>
+              </a:rPr>
+              <a:t>挥手</a:t>
+            </a:r>
+            <a:endParaRPr lang="zh-CN" altLang="zh-CN" sz="7200" b="1" kern="100" dirty="0">
+              <a:effectLst/>
+              <a:latin typeface="等线 Light" panose="02010600030101010101" pitchFamily="2" charset="-122"/>
+              <a:ea typeface="等线 Light" panose="02010600030101010101" pitchFamily="2" charset="-122"/>
+              <a:cs typeface="Times New Roman" panose="02020603050405020304" pitchFamily="18" charset="0"/>
+            </a:endParaRPr>
+          </a:p>
+        </p:txBody>
+      </p:sp>
+      <p:pic>
+        <p:nvPicPr>
+          <p:cNvPr id="7" name="图片 6" descr="客户端主动关闭连接 —— TCP 四次挥手">
+            <a:extLst>
+              <a:ext uri="{FF2B5EF4-FFF2-40B4-BE49-F238E27FC236}">
+                <a16:creationId xmlns:a16="http://schemas.microsoft.com/office/drawing/2014/main" id="{C60CFA4E-491D-BC17-12E0-5448CCD673B3}"/>
+              </a:ext>
+            </a:extLst>
+          </p:cNvPr>
+          <p:cNvPicPr>
+            <a:picLocks noChangeAspect="1"/>
+          </p:cNvPicPr>
+          <p:nvPr/>
+        </p:nvPicPr>
+        <p:blipFill>
+          <a:blip r:embed="rId3" cstate="print">
+            <a:extLst>
+              <a:ext uri="{28A0092B-C50C-407E-A947-70E740481C1C}">
+                <a14:useLocalDpi xmlns:a14="http://schemas.microsoft.com/office/drawing/2010/main" val="0"/>
+              </a:ext>
+            </a:extLst>
+          </a:blip>
+          <a:srcRect/>
+          <a:stretch>
+            <a:fillRect/>
+          </a:stretch>
+        </p:blipFill>
+        <p:spPr bwMode="auto">
+          <a:xfrm>
+            <a:off x="6905625" y="1224243"/>
+            <a:ext cx="4895850" cy="5162168"/>
+          </a:xfrm>
+          <a:prstGeom prst="rect">
+            <a:avLst/>
+          </a:prstGeom>
+          <a:noFill/>
+          <a:ln>
+            <a:noFill/>
+          </a:ln>
+        </p:spPr>
+      </p:pic>
+    </p:spTree>
+    <p:extLst>
+      <p:ext uri="{BB962C8B-B14F-4D97-AF65-F5344CB8AC3E}">
+        <p14:creationId xmlns:p14="http://schemas.microsoft.com/office/powerpoint/2010/main" val="3162184158"/>
+      </p:ext>
+    </p:extLst>
+  </p:cSld>
+  <p:clrMapOvr>
+    <a:masterClrMapping/>
+  </p:clrMapOvr>
+</p:sld>
+</file>
+
+<file path=ppt/slides/slide11.xml><?xml version="1.0" encoding="utf-8"?>
+<p:sld xmlns:a="http://schemas.openxmlformats.org/drawingml/2006/main" xmlns:r="http://schemas.openxmlformats.org/officeDocument/2006/relationships" xmlns:p="http://schemas.openxmlformats.org/presentationml/2006/main">
+  <p:cSld>
+    <p:spTree>
+      <p:nvGrpSpPr>
+        <p:cNvPr id="1" name=""/>
+        <p:cNvGrpSpPr/>
+        <p:nvPr/>
+      </p:nvGrpSpPr>
+      <p:grpSpPr>
+        <a:xfrm>
+          <a:off x="0" y="0"/>
+          <a:ext cx="0" cy="0"/>
+          <a:chOff x="0" y="0"/>
+          <a:chExt cx="0" cy="0"/>
+        </a:xfrm>
+      </p:grpSpPr>
+      <p:sp>
+        <p:nvSpPr>
+          <p:cNvPr id="4" name="文本框 3">
+            <a:extLst>
+              <a:ext uri="{FF2B5EF4-FFF2-40B4-BE49-F238E27FC236}">
+                <a16:creationId xmlns:a16="http://schemas.microsoft.com/office/drawing/2014/main" id="{6ADABC66-9042-0D0B-7C98-FFAA73B72D76}"/>
+              </a:ext>
+            </a:extLst>
+          </p:cNvPr>
+          <p:cNvSpPr txBox="1"/>
+          <p:nvPr/>
+        </p:nvSpPr>
+        <p:spPr>
+          <a:xfrm>
+            <a:off x="0" y="0"/>
+            <a:ext cx="3078920" cy="1200329"/>
+          </a:xfrm>
+          <a:prstGeom prst="rect">
+            <a:avLst/>
+          </a:prstGeom>
+          <a:noFill/>
+        </p:spPr>
+        <p:txBody>
+          <a:bodyPr wrap="none" rtlCol="0">
+            <a:spAutoFit/>
+          </a:bodyPr>
+          <a:lstStyle/>
+          <a:p>
+            <a:r>
+              <a:rPr lang="en-US" altLang="zh-CN" sz="7200" b="1" kern="100" dirty="0">
+                <a:solidFill>
+                  <a:srgbClr val="2C3E50"/>
+                </a:solidFill>
+                <a:effectLst/>
+                <a:latin typeface="Segoe UI" panose="020B0502040204020203" pitchFamily="34" charset="0"/>
+                <a:ea typeface="等线 Light" panose="02010600030101010101" pitchFamily="2" charset="-122"/>
+                <a:cs typeface="Segoe UI" panose="020B0502040204020203" pitchFamily="34" charset="0"/>
+              </a:rPr>
+              <a:t>HTTPS</a:t>
+            </a:r>
+            <a:endParaRPr lang="zh-CN" altLang="zh-CN" sz="7200" b="1" kern="100" dirty="0">
+              <a:effectLst/>
+              <a:latin typeface="等线 Light" panose="02010600030101010101" pitchFamily="2" charset="-122"/>
+              <a:ea typeface="等线 Light" panose="02010600030101010101" pitchFamily="2" charset="-122"/>
+              <a:cs typeface="Times New Roman" panose="02020603050405020304" pitchFamily="18" charset="0"/>
+            </a:endParaRPr>
+          </a:p>
+        </p:txBody>
+      </p:sp>
+      <p:sp>
+        <p:nvSpPr>
+          <p:cNvPr id="6" name="文本框 5">
+            <a:extLst>
+              <a:ext uri="{FF2B5EF4-FFF2-40B4-BE49-F238E27FC236}">
+                <a16:creationId xmlns:a16="http://schemas.microsoft.com/office/drawing/2014/main" id="{FF160A5A-97CB-B91F-D505-9B08AEED53AC}"/>
+              </a:ext>
+            </a:extLst>
+          </p:cNvPr>
+          <p:cNvSpPr txBox="1"/>
+          <p:nvPr/>
+        </p:nvSpPr>
+        <p:spPr>
+          <a:xfrm>
+            <a:off x="0" y="1095672"/>
+            <a:ext cx="4210050" cy="1384995"/>
+          </a:xfrm>
+          <a:prstGeom prst="rect">
+            <a:avLst/>
+          </a:prstGeom>
+          <a:noFill/>
+        </p:spPr>
+        <p:txBody>
+          <a:bodyPr wrap="square">
+            <a:spAutoFit/>
+          </a:bodyPr>
+          <a:lstStyle/>
+          <a:p>
+            <a:pPr algn="just"/>
+            <a:r>
+              <a:rPr lang="zh-CN" altLang="zh-CN" sz="2800" b="1" kern="100" dirty="0">
+                <a:solidFill>
+                  <a:srgbClr val="304FFE"/>
+                </a:solidFill>
+                <a:effectLst/>
+                <a:highlight>
+                  <a:srgbClr val="FFFFFF"/>
+                </a:highlight>
+                <a:latin typeface="Segoe UI" panose="020B0502040204020203" pitchFamily="34" charset="0"/>
+                <a:ea typeface="等线" panose="02010600030101010101" pitchFamily="2" charset="-122"/>
+                <a:cs typeface="Segoe UI" panose="020B0502040204020203" pitchFamily="34" charset="0"/>
+              </a:rPr>
+              <a:t>窃听风险</a:t>
+            </a:r>
+            <a:r>
+              <a:rPr lang="zh-CN" altLang="zh-CN" sz="2800" b="1" kern="100" dirty="0">
+                <a:solidFill>
+                  <a:srgbClr val="000000"/>
+                </a:solidFill>
+                <a:effectLst/>
+                <a:highlight>
+                  <a:srgbClr val="FFFFFF"/>
+                </a:highlight>
+                <a:latin typeface="Segoe UI" panose="020B0502040204020203" pitchFamily="34" charset="0"/>
+                <a:ea typeface="等线" panose="02010600030101010101" pitchFamily="2" charset="-122"/>
+                <a:cs typeface="Segoe UI" panose="020B0502040204020203" pitchFamily="34" charset="0"/>
+              </a:rPr>
+              <a:t>：通过</a:t>
+            </a:r>
+            <a:r>
+              <a:rPr lang="zh-CN" altLang="zh-CN" sz="2800" b="1" kern="100" dirty="0">
+                <a:solidFill>
+                  <a:srgbClr val="304FFE"/>
+                </a:solidFill>
+                <a:effectLst/>
+                <a:highlight>
+                  <a:srgbClr val="FFFFFF"/>
+                </a:highlight>
+                <a:latin typeface="Segoe UI" panose="020B0502040204020203" pitchFamily="34" charset="0"/>
+                <a:ea typeface="等线" panose="02010600030101010101" pitchFamily="2" charset="-122"/>
+                <a:cs typeface="Segoe UI" panose="020B0502040204020203" pitchFamily="34" charset="0"/>
+              </a:rPr>
+              <a:t>信息加密</a:t>
+            </a:r>
+            <a:endParaRPr lang="zh-CN" altLang="zh-CN" sz="2800" kern="100" dirty="0">
+              <a:effectLst/>
+              <a:latin typeface="等线" panose="02010600030101010101" pitchFamily="2" charset="-122"/>
+              <a:ea typeface="等线" panose="02010600030101010101" pitchFamily="2" charset="-122"/>
+              <a:cs typeface="Times New Roman" panose="02020603050405020304" pitchFamily="18" charset="0"/>
+            </a:endParaRPr>
+          </a:p>
+          <a:p>
+            <a:pPr algn="just"/>
+            <a:r>
+              <a:rPr lang="zh-CN" altLang="zh-CN" sz="2800" b="1" kern="100" dirty="0">
+                <a:solidFill>
+                  <a:srgbClr val="304FFE"/>
+                </a:solidFill>
+                <a:effectLst/>
+                <a:highlight>
+                  <a:srgbClr val="FFFFFF"/>
+                </a:highlight>
+                <a:latin typeface="Segoe UI" panose="020B0502040204020203" pitchFamily="34" charset="0"/>
+                <a:ea typeface="等线" panose="02010600030101010101" pitchFamily="2" charset="-122"/>
+                <a:cs typeface="Segoe UI" panose="020B0502040204020203" pitchFamily="34" charset="0"/>
+              </a:rPr>
+              <a:t>篡改风险</a:t>
+            </a:r>
+            <a:r>
+              <a:rPr lang="zh-CN" altLang="zh-CN" sz="2800" b="1" kern="100" dirty="0">
+                <a:solidFill>
+                  <a:srgbClr val="000000"/>
+                </a:solidFill>
+                <a:effectLst/>
+                <a:highlight>
+                  <a:srgbClr val="FFFFFF"/>
+                </a:highlight>
+                <a:latin typeface="Segoe UI" panose="020B0502040204020203" pitchFamily="34" charset="0"/>
+                <a:ea typeface="等线" panose="02010600030101010101" pitchFamily="2" charset="-122"/>
+                <a:cs typeface="Segoe UI" panose="020B0502040204020203" pitchFamily="34" charset="0"/>
+              </a:rPr>
+              <a:t>：通过</a:t>
+            </a:r>
+            <a:r>
+              <a:rPr lang="zh-CN" altLang="zh-CN" sz="2800" b="1" kern="100" dirty="0">
+                <a:solidFill>
+                  <a:srgbClr val="304FFE"/>
+                </a:solidFill>
+                <a:effectLst/>
+                <a:highlight>
+                  <a:srgbClr val="FFFFFF"/>
+                </a:highlight>
+                <a:latin typeface="Segoe UI" panose="020B0502040204020203" pitchFamily="34" charset="0"/>
+                <a:ea typeface="等线" panose="02010600030101010101" pitchFamily="2" charset="-122"/>
+                <a:cs typeface="Segoe UI" panose="020B0502040204020203" pitchFamily="34" charset="0"/>
+              </a:rPr>
+              <a:t>校验机制</a:t>
+            </a:r>
+            <a:endParaRPr lang="zh-CN" altLang="zh-CN" sz="2800" kern="100" dirty="0">
+              <a:effectLst/>
+              <a:latin typeface="等线" panose="02010600030101010101" pitchFamily="2" charset="-122"/>
+              <a:ea typeface="等线" panose="02010600030101010101" pitchFamily="2" charset="-122"/>
+              <a:cs typeface="Times New Roman" panose="02020603050405020304" pitchFamily="18" charset="0"/>
+            </a:endParaRPr>
+          </a:p>
+          <a:p>
+            <a:pPr algn="just"/>
+            <a:r>
+              <a:rPr lang="zh-CN" altLang="zh-CN" sz="2800" b="1" kern="100" dirty="0">
+                <a:solidFill>
+                  <a:srgbClr val="304FFE"/>
+                </a:solidFill>
+                <a:effectLst/>
+                <a:highlight>
+                  <a:srgbClr val="FFFFFF"/>
+                </a:highlight>
+                <a:latin typeface="Segoe UI" panose="020B0502040204020203" pitchFamily="34" charset="0"/>
+                <a:ea typeface="等线" panose="02010600030101010101" pitchFamily="2" charset="-122"/>
+                <a:cs typeface="Segoe UI" panose="020B0502040204020203" pitchFamily="34" charset="0"/>
+              </a:rPr>
+              <a:t>冒充风险</a:t>
+            </a:r>
+            <a:r>
+              <a:rPr lang="zh-CN" altLang="zh-CN" sz="2800" b="1" kern="100" dirty="0">
+                <a:solidFill>
+                  <a:srgbClr val="000000"/>
+                </a:solidFill>
+                <a:effectLst/>
+                <a:highlight>
+                  <a:srgbClr val="FFFFFF"/>
+                </a:highlight>
+                <a:latin typeface="Segoe UI" panose="020B0502040204020203" pitchFamily="34" charset="0"/>
+                <a:ea typeface="等线" panose="02010600030101010101" pitchFamily="2" charset="-122"/>
+                <a:cs typeface="Segoe UI" panose="020B0502040204020203" pitchFamily="34" charset="0"/>
+              </a:rPr>
+              <a:t>：通过</a:t>
+            </a:r>
+            <a:r>
+              <a:rPr lang="zh-CN" altLang="zh-CN" sz="2800" b="1" kern="100" dirty="0">
+                <a:solidFill>
+                  <a:srgbClr val="304FFE"/>
+                </a:solidFill>
+                <a:effectLst/>
+                <a:highlight>
+                  <a:srgbClr val="FFFFFF"/>
+                </a:highlight>
+                <a:latin typeface="Segoe UI" panose="020B0502040204020203" pitchFamily="34" charset="0"/>
+                <a:ea typeface="等线" panose="02010600030101010101" pitchFamily="2" charset="-122"/>
+                <a:cs typeface="Segoe UI" panose="020B0502040204020203" pitchFamily="34" charset="0"/>
+              </a:rPr>
+              <a:t>身份证书</a:t>
+            </a:r>
+            <a:endParaRPr lang="zh-CN" altLang="zh-CN" sz="2800" kern="100" dirty="0">
+              <a:effectLst/>
+              <a:latin typeface="等线" panose="02010600030101010101" pitchFamily="2" charset="-122"/>
+              <a:ea typeface="等线" panose="02010600030101010101" pitchFamily="2" charset="-122"/>
+              <a:cs typeface="Times New Roman" panose="02020603050405020304" pitchFamily="18" charset="0"/>
+            </a:endParaRPr>
+          </a:p>
+        </p:txBody>
+      </p:sp>
+      <p:sp>
+        <p:nvSpPr>
+          <p:cNvPr id="5" name="文本框 4">
+            <a:extLst>
+              <a:ext uri="{FF2B5EF4-FFF2-40B4-BE49-F238E27FC236}">
+                <a16:creationId xmlns:a16="http://schemas.microsoft.com/office/drawing/2014/main" id="{121C0F64-AA49-4C2A-B433-BEAB4562B27B}"/>
+              </a:ext>
+            </a:extLst>
+          </p:cNvPr>
+          <p:cNvSpPr txBox="1"/>
+          <p:nvPr/>
+        </p:nvSpPr>
+        <p:spPr>
+          <a:xfrm>
+            <a:off x="0" y="2713547"/>
+            <a:ext cx="3562194" cy="1200329"/>
+          </a:xfrm>
+          <a:prstGeom prst="rect">
+            <a:avLst/>
+          </a:prstGeom>
+          <a:noFill/>
+        </p:spPr>
+        <p:txBody>
+          <a:bodyPr wrap="none" rtlCol="0">
+            <a:spAutoFit/>
+          </a:bodyPr>
+          <a:lstStyle/>
+          <a:p>
+            <a:r>
+              <a:rPr lang="en-US" altLang="zh-CN" sz="7200" b="1" kern="100" dirty="0">
+                <a:solidFill>
+                  <a:srgbClr val="2C3E50"/>
+                </a:solidFill>
+                <a:effectLst/>
+                <a:latin typeface="Segoe UI" panose="020B0502040204020203" pitchFamily="34" charset="0"/>
+                <a:ea typeface="等线 Light" panose="02010600030101010101" pitchFamily="2" charset="-122"/>
+                <a:cs typeface="Segoe UI" panose="020B0502040204020203" pitchFamily="34" charset="0"/>
+              </a:rPr>
+              <a:t>TLS</a:t>
+            </a:r>
+            <a:r>
+              <a:rPr lang="zh-CN" altLang="en-US" sz="7200" b="1" kern="100" dirty="0">
+                <a:solidFill>
+                  <a:srgbClr val="2C3E50"/>
+                </a:solidFill>
+                <a:effectLst/>
+                <a:latin typeface="Segoe UI" panose="020B0502040204020203" pitchFamily="34" charset="0"/>
+                <a:ea typeface="等线 Light" panose="02010600030101010101" pitchFamily="2" charset="-122"/>
+                <a:cs typeface="Segoe UI" panose="020B0502040204020203" pitchFamily="34" charset="0"/>
+              </a:rPr>
+              <a:t>握手</a:t>
+            </a:r>
+            <a:endParaRPr lang="zh-CN" altLang="zh-CN" sz="7200" b="1" kern="100" dirty="0">
+              <a:effectLst/>
+              <a:latin typeface="等线 Light" panose="02010600030101010101" pitchFamily="2" charset="-122"/>
+              <a:ea typeface="等线 Light" panose="02010600030101010101" pitchFamily="2" charset="-122"/>
+              <a:cs typeface="Times New Roman" panose="02020603050405020304" pitchFamily="18" charset="0"/>
+            </a:endParaRPr>
+          </a:p>
+        </p:txBody>
+      </p:sp>
+      <p:sp>
+        <p:nvSpPr>
+          <p:cNvPr id="7" name="文本框 6">
+            <a:extLst>
+              <a:ext uri="{FF2B5EF4-FFF2-40B4-BE49-F238E27FC236}">
+                <a16:creationId xmlns:a16="http://schemas.microsoft.com/office/drawing/2014/main" id="{A4322FB4-73F1-4209-B733-2A8D7B5A4A70}"/>
+              </a:ext>
+            </a:extLst>
+          </p:cNvPr>
+          <p:cNvSpPr txBox="1"/>
+          <p:nvPr/>
+        </p:nvSpPr>
+        <p:spPr>
+          <a:xfrm>
+            <a:off x="0" y="3844228"/>
+            <a:ext cx="5593976" cy="3046988"/>
+          </a:xfrm>
+          <a:prstGeom prst="rect">
+            <a:avLst/>
+          </a:prstGeom>
+          <a:noFill/>
+        </p:spPr>
+        <p:txBody>
+          <a:bodyPr wrap="square">
+            <a:spAutoFit/>
+          </a:bodyPr>
+          <a:lstStyle/>
+          <a:p>
+            <a:pPr marL="457200" indent="-457200" algn="just">
+              <a:buAutoNum type="arabicPeriod"/>
+            </a:pPr>
+            <a:r>
+              <a:rPr lang="zh-CN" altLang="en-US" sz="2400" b="1" kern="100" dirty="0">
+                <a:solidFill>
+                  <a:srgbClr val="2C3E50"/>
+                </a:solidFill>
+                <a:effectLst/>
+                <a:latin typeface="等线" panose="02010600030101010101" pitchFamily="2" charset="-122"/>
+                <a:ea typeface="等线" panose="02010600030101010101" pitchFamily="2" charset="-122"/>
+                <a:cs typeface="Times New Roman" panose="02020603050405020304" pitchFamily="18" charset="0"/>
+              </a:rPr>
+              <a:t>客户端</a:t>
+            </a:r>
+            <a:r>
+              <a:rPr lang="zh-CN" altLang="en-US" sz="2400" kern="100" dirty="0">
+                <a:solidFill>
+                  <a:srgbClr val="2C3E50"/>
+                </a:solidFill>
+                <a:effectLst/>
+                <a:latin typeface="等线" panose="02010600030101010101" pitchFamily="2" charset="-122"/>
+                <a:ea typeface="等线" panose="02010600030101010101" pitchFamily="2" charset="-122"/>
+                <a:cs typeface="Times New Roman" panose="02020603050405020304" pitchFamily="18" charset="0"/>
+              </a:rPr>
+              <a:t>：随机数、</a:t>
+            </a:r>
+            <a:r>
+              <a:rPr lang="en-US" altLang="zh-CN" sz="2400" kern="100" dirty="0">
+                <a:solidFill>
+                  <a:srgbClr val="2C3E50"/>
+                </a:solidFill>
+                <a:effectLst/>
+                <a:latin typeface="等线" panose="02010600030101010101" pitchFamily="2" charset="-122"/>
+                <a:ea typeface="等线" panose="02010600030101010101" pitchFamily="2" charset="-122"/>
+                <a:cs typeface="Times New Roman" panose="02020603050405020304" pitchFamily="18" charset="0"/>
+              </a:rPr>
+              <a:t>TLS</a:t>
+            </a:r>
+            <a:r>
+              <a:rPr lang="zh-CN" altLang="en-US" sz="2400" kern="100" dirty="0">
+                <a:solidFill>
+                  <a:srgbClr val="2C3E50"/>
+                </a:solidFill>
+                <a:effectLst/>
+                <a:latin typeface="等线" panose="02010600030101010101" pitchFamily="2" charset="-122"/>
+                <a:ea typeface="等线" panose="02010600030101010101" pitchFamily="2" charset="-122"/>
+                <a:cs typeface="Times New Roman" panose="02020603050405020304" pitchFamily="18" charset="0"/>
+              </a:rPr>
+              <a:t>版本、密码套件</a:t>
+            </a:r>
+            <a:endParaRPr lang="en-US" altLang="zh-CN" sz="2400" kern="100" dirty="0">
+              <a:solidFill>
+                <a:srgbClr val="2C3E50"/>
+              </a:solidFill>
+              <a:effectLst/>
+              <a:latin typeface="等线" panose="02010600030101010101" pitchFamily="2" charset="-122"/>
+              <a:ea typeface="等线" panose="02010600030101010101" pitchFamily="2" charset="-122"/>
+              <a:cs typeface="Times New Roman" panose="02020603050405020304" pitchFamily="18" charset="0"/>
+            </a:endParaRPr>
+          </a:p>
+          <a:p>
+            <a:pPr marL="457200" indent="-457200" algn="just">
+              <a:buAutoNum type="arabicPeriod"/>
+            </a:pPr>
+            <a:r>
+              <a:rPr lang="zh-CN" altLang="en-US" sz="2400" b="1" kern="100" dirty="0">
+                <a:solidFill>
+                  <a:srgbClr val="2C3E50"/>
+                </a:solidFill>
+                <a:effectLst/>
+                <a:latin typeface="等线" panose="02010600030101010101" pitchFamily="2" charset="-122"/>
+                <a:ea typeface="等线" panose="02010600030101010101" pitchFamily="2" charset="-122"/>
+                <a:cs typeface="Times New Roman" panose="02020603050405020304" pitchFamily="18" charset="0"/>
+              </a:rPr>
+              <a:t>服务器</a:t>
+            </a:r>
+            <a:r>
+              <a:rPr lang="zh-CN" altLang="en-US" sz="2400" kern="100" dirty="0">
+                <a:solidFill>
+                  <a:srgbClr val="2C3E50"/>
+                </a:solidFill>
+                <a:effectLst/>
+                <a:latin typeface="等线" panose="02010600030101010101" pitchFamily="2" charset="-122"/>
+                <a:ea typeface="等线" panose="02010600030101010101" pitchFamily="2" charset="-122"/>
+                <a:cs typeface="Times New Roman" panose="02020603050405020304" pitchFamily="18" charset="0"/>
+              </a:rPr>
+              <a:t>：确认 </a:t>
+            </a:r>
+            <a:r>
+              <a:rPr lang="en-US" altLang="zh-CN" sz="2400" kern="100" dirty="0">
+                <a:solidFill>
+                  <a:srgbClr val="2C3E50"/>
+                </a:solidFill>
+                <a:effectLst/>
+                <a:latin typeface="等线" panose="02010600030101010101" pitchFamily="2" charset="-122"/>
+                <a:ea typeface="等线" panose="02010600030101010101" pitchFamily="2" charset="-122"/>
+                <a:cs typeface="Times New Roman" panose="02020603050405020304" pitchFamily="18" charset="0"/>
+              </a:rPr>
+              <a:t>TLS/</a:t>
+            </a:r>
+            <a:r>
+              <a:rPr lang="zh-CN" altLang="en-US" sz="2400" kern="100" dirty="0">
+                <a:solidFill>
+                  <a:srgbClr val="2C3E50"/>
+                </a:solidFill>
+                <a:effectLst/>
+                <a:latin typeface="等线" panose="02010600030101010101" pitchFamily="2" charset="-122"/>
+                <a:ea typeface="等线" panose="02010600030101010101" pitchFamily="2" charset="-122"/>
+                <a:cs typeface="Times New Roman" panose="02020603050405020304" pitchFamily="18" charset="0"/>
+              </a:rPr>
+              <a:t>密码</a:t>
+            </a:r>
+            <a:r>
+              <a:rPr lang="zh-CN" altLang="en-US" sz="2400" kern="100" dirty="0">
+                <a:solidFill>
+                  <a:srgbClr val="2C3E50"/>
+                </a:solidFill>
+                <a:latin typeface="等线" panose="02010600030101010101" pitchFamily="2" charset="-122"/>
+                <a:ea typeface="等线" panose="02010600030101010101" pitchFamily="2" charset="-122"/>
+                <a:cs typeface="Times New Roman" panose="02020603050405020304" pitchFamily="18" charset="0"/>
+              </a:rPr>
+              <a:t>、随机数、数字证书</a:t>
+            </a:r>
+            <a:endParaRPr lang="en-US" altLang="zh-CN" sz="2400" kern="100" dirty="0">
+              <a:solidFill>
+                <a:srgbClr val="2C3E50"/>
+              </a:solidFill>
+              <a:latin typeface="等线" panose="02010600030101010101" pitchFamily="2" charset="-122"/>
+              <a:ea typeface="等线" panose="02010600030101010101" pitchFamily="2" charset="-122"/>
+              <a:cs typeface="Times New Roman" panose="02020603050405020304" pitchFamily="18" charset="0"/>
+            </a:endParaRPr>
+          </a:p>
+          <a:p>
+            <a:pPr marL="457200" indent="-457200" algn="just">
+              <a:buAutoNum type="arabicPeriod"/>
+            </a:pPr>
+            <a:r>
+              <a:rPr lang="zh-CN" altLang="en-US" sz="2400" b="1" kern="100" dirty="0">
+                <a:solidFill>
+                  <a:srgbClr val="2C3E50"/>
+                </a:solidFill>
+                <a:effectLst/>
+                <a:latin typeface="等线" panose="02010600030101010101" pitchFamily="2" charset="-122"/>
+                <a:ea typeface="等线" panose="02010600030101010101" pitchFamily="2" charset="-122"/>
+                <a:cs typeface="Times New Roman" panose="02020603050405020304" pitchFamily="18" charset="0"/>
+              </a:rPr>
+              <a:t>客户端</a:t>
+            </a:r>
+            <a:r>
+              <a:rPr lang="zh-CN" altLang="en-US" sz="2400" kern="100" dirty="0">
+                <a:solidFill>
+                  <a:srgbClr val="2C3E50"/>
+                </a:solidFill>
+                <a:effectLst/>
+                <a:latin typeface="等线" panose="02010600030101010101" pitchFamily="2" charset="-122"/>
+                <a:ea typeface="等线" panose="02010600030101010101" pitchFamily="2" charset="-122"/>
+                <a:cs typeface="Times New Roman" panose="02020603050405020304" pitchFamily="18" charset="0"/>
+              </a:rPr>
+              <a:t>：随机数、加密算法改变通知、握手结束通知</a:t>
+            </a:r>
+            <a:endParaRPr lang="en-US" altLang="zh-CN" sz="2400" kern="100" dirty="0">
+              <a:solidFill>
+                <a:srgbClr val="2C3E50"/>
+              </a:solidFill>
+              <a:effectLst/>
+              <a:latin typeface="等线" panose="02010600030101010101" pitchFamily="2" charset="-122"/>
+              <a:ea typeface="等线" panose="02010600030101010101" pitchFamily="2" charset="-122"/>
+              <a:cs typeface="Times New Roman" panose="02020603050405020304" pitchFamily="18" charset="0"/>
+            </a:endParaRPr>
+          </a:p>
+          <a:p>
+            <a:pPr marL="457200" indent="-457200" algn="just">
+              <a:buAutoNum type="arabicPeriod"/>
+            </a:pPr>
+            <a:r>
+              <a:rPr lang="zh-CN" altLang="en-US" sz="2400" b="1" kern="100" dirty="0">
+                <a:solidFill>
+                  <a:srgbClr val="2C3E50"/>
+                </a:solidFill>
+                <a:latin typeface="等线" panose="02010600030101010101" pitchFamily="2" charset="-122"/>
+                <a:ea typeface="等线" panose="02010600030101010101" pitchFamily="2" charset="-122"/>
+                <a:cs typeface="Times New Roman" panose="02020603050405020304" pitchFamily="18" charset="0"/>
+              </a:rPr>
+              <a:t>服务器</a:t>
+            </a:r>
+            <a:r>
+              <a:rPr lang="zh-CN" altLang="en-US" sz="2400" kern="100" dirty="0">
+                <a:solidFill>
+                  <a:srgbClr val="2C3E50"/>
+                </a:solidFill>
+                <a:latin typeface="等线" panose="02010600030101010101" pitchFamily="2" charset="-122"/>
+                <a:ea typeface="等线" panose="02010600030101010101" pitchFamily="2" charset="-122"/>
+                <a:cs typeface="Times New Roman" panose="02020603050405020304" pitchFamily="18" charset="0"/>
+              </a:rPr>
+              <a:t>：</a:t>
+            </a:r>
+            <a:r>
+              <a:rPr lang="zh-CN" altLang="en-US" sz="2400" kern="100" dirty="0">
+                <a:solidFill>
+                  <a:srgbClr val="2C3E50"/>
+                </a:solidFill>
+                <a:effectLst/>
+                <a:latin typeface="等线" panose="02010600030101010101" pitchFamily="2" charset="-122"/>
+                <a:ea typeface="等线" panose="02010600030101010101" pitchFamily="2" charset="-122"/>
+                <a:cs typeface="Times New Roman" panose="02020603050405020304" pitchFamily="18" charset="0"/>
+              </a:rPr>
+              <a:t>加密改变通知、握手结束通知</a:t>
+            </a:r>
+            <a:endParaRPr lang="zh-CN" altLang="zh-CN" sz="2400" kern="100" dirty="0">
+              <a:solidFill>
+                <a:srgbClr val="2C3E50"/>
+              </a:solidFill>
+              <a:effectLst/>
+              <a:latin typeface="等线" panose="02010600030101010101" pitchFamily="2" charset="-122"/>
+              <a:ea typeface="等线" panose="02010600030101010101" pitchFamily="2" charset="-122"/>
+              <a:cs typeface="Times New Roman" panose="02020603050405020304" pitchFamily="18" charset="0"/>
+            </a:endParaRPr>
+          </a:p>
+        </p:txBody>
+      </p:sp>
+      <p:sp>
+        <p:nvSpPr>
+          <p:cNvPr id="8" name="文本框 7">
+            <a:extLst>
+              <a:ext uri="{FF2B5EF4-FFF2-40B4-BE49-F238E27FC236}">
+                <a16:creationId xmlns:a16="http://schemas.microsoft.com/office/drawing/2014/main" id="{5DDBE7B5-29A3-420C-A41A-9BA384D0BAD2}"/>
+              </a:ext>
+            </a:extLst>
+          </p:cNvPr>
+          <p:cNvSpPr txBox="1"/>
+          <p:nvPr/>
+        </p:nvSpPr>
+        <p:spPr>
+          <a:xfrm>
+            <a:off x="6789041" y="-62753"/>
+            <a:ext cx="3877985" cy="1200329"/>
+          </a:xfrm>
+          <a:prstGeom prst="rect">
+            <a:avLst/>
+          </a:prstGeom>
+          <a:noFill/>
+        </p:spPr>
+        <p:txBody>
+          <a:bodyPr wrap="none" rtlCol="0">
+            <a:spAutoFit/>
+          </a:bodyPr>
+          <a:lstStyle/>
+          <a:p>
+            <a:r>
+              <a:rPr lang="zh-CN" altLang="en-US" sz="7200" b="1" kern="100" dirty="0">
+                <a:solidFill>
+                  <a:srgbClr val="2C3E50"/>
+                </a:solidFill>
+                <a:effectLst/>
+                <a:latin typeface="Segoe UI" panose="020B0502040204020203" pitchFamily="34" charset="0"/>
+                <a:ea typeface="等线 Light" panose="02010600030101010101" pitchFamily="2" charset="-122"/>
+                <a:cs typeface="Segoe UI" panose="020B0502040204020203" pitchFamily="34" charset="0"/>
+              </a:rPr>
+              <a:t>加密算法</a:t>
+            </a:r>
+            <a:endParaRPr lang="zh-CN" altLang="zh-CN" sz="7200" b="1" kern="100" dirty="0">
+              <a:effectLst/>
+              <a:latin typeface="等线 Light" panose="02010600030101010101" pitchFamily="2" charset="-122"/>
+              <a:ea typeface="等线 Light" panose="02010600030101010101" pitchFamily="2" charset="-122"/>
+              <a:cs typeface="Times New Roman" panose="02020603050405020304" pitchFamily="18" charset="0"/>
+            </a:endParaRPr>
+          </a:p>
+        </p:txBody>
+      </p:sp>
+      <p:sp>
+        <p:nvSpPr>
+          <p:cNvPr id="10" name="文本框 9">
+            <a:extLst>
+              <a:ext uri="{FF2B5EF4-FFF2-40B4-BE49-F238E27FC236}">
+                <a16:creationId xmlns:a16="http://schemas.microsoft.com/office/drawing/2014/main" id="{9F5ED8B6-1EC4-4DF5-AF71-C7AD08EE88E6}"/>
+              </a:ext>
+            </a:extLst>
+          </p:cNvPr>
+          <p:cNvSpPr txBox="1"/>
+          <p:nvPr/>
+        </p:nvSpPr>
+        <p:spPr>
+          <a:xfrm>
+            <a:off x="6859379" y="1289447"/>
+            <a:ext cx="4210050" cy="954107"/>
+          </a:xfrm>
+          <a:prstGeom prst="rect">
+            <a:avLst/>
+          </a:prstGeom>
+          <a:noFill/>
+        </p:spPr>
+        <p:txBody>
+          <a:bodyPr wrap="square">
+            <a:spAutoFit/>
+          </a:bodyPr>
+          <a:lstStyle/>
+          <a:p>
+            <a:pPr algn="just"/>
+            <a:r>
+              <a:rPr lang="en-US" altLang="zh-CN" sz="2800" b="1" kern="100" dirty="0">
+                <a:solidFill>
+                  <a:srgbClr val="304FFE"/>
+                </a:solidFill>
+                <a:effectLst/>
+                <a:highlight>
+                  <a:srgbClr val="FFFFFF"/>
+                </a:highlight>
+                <a:latin typeface="Segoe UI" panose="020B0502040204020203" pitchFamily="34" charset="0"/>
+                <a:ea typeface="等线" panose="02010600030101010101" pitchFamily="2" charset="-122"/>
+                <a:cs typeface="Segoe UI" panose="020B0502040204020203" pitchFamily="34" charset="0"/>
+              </a:rPr>
+              <a:t>RSA</a:t>
+            </a:r>
+            <a:r>
+              <a:rPr lang="zh-CN" altLang="zh-CN" sz="2800" b="1" kern="100" dirty="0">
+                <a:solidFill>
+                  <a:srgbClr val="000000"/>
+                </a:solidFill>
+                <a:effectLst/>
+                <a:highlight>
+                  <a:srgbClr val="FFFFFF"/>
+                </a:highlight>
+                <a:latin typeface="Segoe UI" panose="020B0502040204020203" pitchFamily="34" charset="0"/>
+                <a:ea typeface="等线" panose="02010600030101010101" pitchFamily="2" charset="-122"/>
+                <a:cs typeface="Segoe UI" panose="020B0502040204020203" pitchFamily="34" charset="0"/>
+              </a:rPr>
+              <a:t>：</a:t>
+            </a:r>
+            <a:r>
+              <a:rPr lang="zh-CN" altLang="en-US" sz="2800" b="1" kern="100" dirty="0">
+                <a:solidFill>
+                  <a:srgbClr val="000000"/>
+                </a:solidFill>
+                <a:effectLst/>
+                <a:highlight>
+                  <a:srgbClr val="FFFFFF"/>
+                </a:highlight>
+                <a:latin typeface="Segoe UI" panose="020B0502040204020203" pitchFamily="34" charset="0"/>
+                <a:ea typeface="等线" panose="02010600030101010101" pitchFamily="2" charset="-122"/>
+                <a:cs typeface="Segoe UI" panose="020B0502040204020203" pitchFamily="34" charset="0"/>
+              </a:rPr>
+              <a:t>不支持前向保密</a:t>
+            </a:r>
+            <a:endParaRPr lang="zh-CN" altLang="zh-CN" sz="2800" kern="100" dirty="0">
+              <a:effectLst/>
+              <a:latin typeface="等线" panose="02010600030101010101" pitchFamily="2" charset="-122"/>
+              <a:ea typeface="等线" panose="02010600030101010101" pitchFamily="2" charset="-122"/>
+              <a:cs typeface="Times New Roman" panose="02020603050405020304" pitchFamily="18" charset="0"/>
+            </a:endParaRPr>
+          </a:p>
+          <a:p>
+            <a:pPr algn="just"/>
+            <a:r>
+              <a:rPr lang="en-US" altLang="zh-CN" sz="2800" b="1" kern="100" dirty="0">
+                <a:solidFill>
+                  <a:srgbClr val="304FFE"/>
+                </a:solidFill>
+                <a:effectLst/>
+                <a:highlight>
+                  <a:srgbClr val="FFFFFF"/>
+                </a:highlight>
+                <a:latin typeface="Segoe UI" panose="020B0502040204020203" pitchFamily="34" charset="0"/>
+                <a:ea typeface="等线" panose="02010600030101010101" pitchFamily="2" charset="-122"/>
+                <a:cs typeface="Segoe UI" panose="020B0502040204020203" pitchFamily="34" charset="0"/>
+              </a:rPr>
+              <a:t>ECDHE</a:t>
+            </a:r>
+            <a:r>
+              <a:rPr lang="zh-CN" altLang="zh-CN" sz="2800" b="1" kern="100" dirty="0">
+                <a:solidFill>
+                  <a:srgbClr val="000000"/>
+                </a:solidFill>
+                <a:effectLst/>
+                <a:highlight>
+                  <a:srgbClr val="FFFFFF"/>
+                </a:highlight>
+                <a:latin typeface="Segoe UI" panose="020B0502040204020203" pitchFamily="34" charset="0"/>
+                <a:ea typeface="等线" panose="02010600030101010101" pitchFamily="2" charset="-122"/>
+                <a:cs typeface="Segoe UI" panose="020B0502040204020203" pitchFamily="34" charset="0"/>
+              </a:rPr>
+              <a:t> ：</a:t>
+            </a:r>
+            <a:r>
+              <a:rPr lang="zh-CN" altLang="en-US" sz="2800" b="1" kern="100" dirty="0">
+                <a:solidFill>
+                  <a:srgbClr val="000000"/>
+                </a:solidFill>
+                <a:effectLst/>
+                <a:highlight>
+                  <a:srgbClr val="FFFFFF"/>
+                </a:highlight>
+                <a:latin typeface="Segoe UI" panose="020B0502040204020203" pitchFamily="34" charset="0"/>
+                <a:ea typeface="等线" panose="02010600030101010101" pitchFamily="2" charset="-122"/>
+                <a:cs typeface="Segoe UI" panose="020B0502040204020203" pitchFamily="34" charset="0"/>
+              </a:rPr>
+              <a:t>前向保密</a:t>
+            </a:r>
+            <a:endParaRPr lang="zh-CN" altLang="zh-CN" sz="2800" kern="100" dirty="0">
+              <a:effectLst/>
+              <a:latin typeface="等线" panose="02010600030101010101" pitchFamily="2" charset="-122"/>
+              <a:ea typeface="等线" panose="02010600030101010101" pitchFamily="2" charset="-122"/>
+              <a:cs typeface="Times New Roman" panose="02020603050405020304" pitchFamily="18" charset="0"/>
+            </a:endParaRPr>
+          </a:p>
+        </p:txBody>
+      </p:sp>
+    </p:spTree>
+    <p:extLst>
+      <p:ext uri="{BB962C8B-B14F-4D97-AF65-F5344CB8AC3E}">
+        <p14:creationId xmlns:p14="http://schemas.microsoft.com/office/powerpoint/2010/main" val="3109401557"/>
+      </p:ext>
+    </p:extLst>
+  </p:cSld>
+  <p:clrMapOvr>
+    <a:masterClrMapping/>
+  </p:clrMapOvr>
+</p:sld>
+</file>
+
+<file path=ppt/slides/slide12.xml><?xml version="1.0" encoding="utf-8"?>
+<p:sld xmlns:a="http://schemas.openxmlformats.org/drawingml/2006/main" xmlns:r="http://schemas.openxmlformats.org/officeDocument/2006/relationships" xmlns:p="http://schemas.openxmlformats.org/presentationml/2006/main">
+  <p:cSld>
+    <p:spTree>
+      <p:nvGrpSpPr>
+        <p:cNvPr id="1" name=""/>
+        <p:cNvGrpSpPr/>
+        <p:nvPr/>
+      </p:nvGrpSpPr>
+      <p:grpSpPr>
+        <a:xfrm>
+          <a:off x="0" y="0"/>
+          <a:ext cx="0" cy="0"/>
+          <a:chOff x="0" y="0"/>
+          <a:chExt cx="0" cy="0"/>
+        </a:xfrm>
+      </p:grpSpPr>
+      <p:sp>
+        <p:nvSpPr>
+          <p:cNvPr id="4" name="文本框 3">
+            <a:extLst>
+              <a:ext uri="{FF2B5EF4-FFF2-40B4-BE49-F238E27FC236}">
+                <a16:creationId xmlns:a16="http://schemas.microsoft.com/office/drawing/2014/main" id="{F2F753C6-F4BE-4774-BE60-3D8A1594EE5B}"/>
+              </a:ext>
+            </a:extLst>
+          </p:cNvPr>
+          <p:cNvSpPr txBox="1"/>
+          <p:nvPr/>
+        </p:nvSpPr>
+        <p:spPr>
+          <a:xfrm>
+            <a:off x="4014809" y="2497976"/>
+            <a:ext cx="4162382" cy="1862048"/>
+          </a:xfrm>
+          <a:prstGeom prst="rect">
+            <a:avLst/>
+          </a:prstGeom>
+          <a:noFill/>
+        </p:spPr>
+        <p:txBody>
+          <a:bodyPr wrap="square" rtlCol="0">
+            <a:spAutoFit/>
+          </a:bodyPr>
+          <a:lstStyle/>
+          <a:p>
+            <a:r>
+              <a:rPr lang="en-US" altLang="zh-CN" sz="11500" b="1" kern="100" dirty="0">
+                <a:solidFill>
+                  <a:srgbClr val="2C3E50"/>
+                </a:solidFill>
+                <a:effectLst/>
+                <a:latin typeface="Segoe UI" panose="020B0502040204020203" pitchFamily="34" charset="0"/>
+                <a:ea typeface="等线 Light" panose="02010600030101010101" pitchFamily="2" charset="-122"/>
+                <a:cs typeface="Segoe UI" panose="020B0502040204020203" pitchFamily="34" charset="0"/>
+              </a:rPr>
+              <a:t>Linux</a:t>
+            </a:r>
+            <a:endParaRPr lang="zh-CN" altLang="zh-CN" sz="11500" b="1" kern="100" dirty="0">
+              <a:effectLst/>
+              <a:latin typeface="等线 Light" panose="02010600030101010101" pitchFamily="2" charset="-122"/>
+              <a:ea typeface="等线 Light" panose="02010600030101010101" pitchFamily="2" charset="-122"/>
+              <a:cs typeface="Times New Roman" panose="02020603050405020304" pitchFamily="18" charset="0"/>
+            </a:endParaRPr>
+          </a:p>
+        </p:txBody>
+      </p:sp>
+    </p:spTree>
+    <p:extLst>
+      <p:ext uri="{BB962C8B-B14F-4D97-AF65-F5344CB8AC3E}">
+        <p14:creationId xmlns:p14="http://schemas.microsoft.com/office/powerpoint/2010/main" val="1606495863"/>
+      </p:ext>
+    </p:extLst>
+  </p:cSld>
+  <p:clrMapOvr>
+    <a:masterClrMapping/>
+  </p:clrMapOvr>
+</p:sld>
+</file>
+
+<file path=ppt/slides/slide13.xml><?xml version="1.0" encoding="utf-8"?>
+<p:sld xmlns:a="http://schemas.openxmlformats.org/drawingml/2006/main" xmlns:r="http://schemas.openxmlformats.org/officeDocument/2006/relationships" xmlns:p="http://schemas.openxmlformats.org/presentationml/2006/main">
+  <p:cSld>
+    <p:spTree>
+      <p:nvGrpSpPr>
+        <p:cNvPr id="1" name=""/>
+        <p:cNvGrpSpPr/>
+        <p:nvPr/>
+      </p:nvGrpSpPr>
+      <p:grpSpPr>
+        <a:xfrm>
+          <a:off x="0" y="0"/>
+          <a:ext cx="0" cy="0"/>
+          <a:chOff x="0" y="0"/>
+          <a:chExt cx="0" cy="0"/>
+        </a:xfrm>
+      </p:grpSpPr>
+      <p:sp>
+        <p:nvSpPr>
+          <p:cNvPr id="5" name="文本框 4">
+            <a:extLst>
+              <a:ext uri="{FF2B5EF4-FFF2-40B4-BE49-F238E27FC236}">
+                <a16:creationId xmlns:a16="http://schemas.microsoft.com/office/drawing/2014/main" id="{D220776C-E13B-46A8-815E-045F73AC1DD3}"/>
+              </a:ext>
+            </a:extLst>
+          </p:cNvPr>
+          <p:cNvSpPr txBox="1"/>
+          <p:nvPr/>
+        </p:nvSpPr>
+        <p:spPr>
+          <a:xfrm>
+            <a:off x="218256" y="288968"/>
+            <a:ext cx="5575702" cy="6186309"/>
+          </a:xfrm>
+          <a:prstGeom prst="rect">
+            <a:avLst/>
+          </a:prstGeom>
+          <a:noFill/>
+        </p:spPr>
+        <p:txBody>
+          <a:bodyPr wrap="square">
+            <a:spAutoFit/>
+          </a:bodyPr>
+          <a:lstStyle/>
+          <a:p>
+            <a:pPr algn="just"/>
+            <a:r>
+              <a:rPr lang="en-US" altLang="zh-CN" sz="1800" kern="100" dirty="0" err="1">
+                <a:effectLst/>
+                <a:latin typeface="等线" panose="02010600030101010101" pitchFamily="2" charset="-122"/>
+                <a:ea typeface="等线" panose="02010600030101010101" pitchFamily="2" charset="-122"/>
+                <a:cs typeface="Times New Roman" panose="02020603050405020304" pitchFamily="18" charset="0"/>
+              </a:rPr>
+              <a:t>pwd</a:t>
+            </a:r>
+            <a:r>
+              <a:rPr lang="zh-CN" altLang="zh-CN" sz="1800" kern="100" dirty="0">
+                <a:effectLst/>
+                <a:latin typeface="等线" panose="02010600030101010101" pitchFamily="2" charset="-122"/>
+                <a:ea typeface="等线" panose="02010600030101010101" pitchFamily="2" charset="-122"/>
+                <a:cs typeface="Times New Roman" panose="02020603050405020304" pitchFamily="18" charset="0"/>
+              </a:rPr>
+              <a:t>：打印当前工作目录的路径</a:t>
+            </a:r>
+          </a:p>
+          <a:p>
+            <a:pPr algn="just"/>
+            <a:r>
+              <a:rPr lang="en-US" altLang="zh-CN" sz="1800" kern="100" dirty="0">
+                <a:effectLst/>
+                <a:latin typeface="等线" panose="02010600030101010101" pitchFamily="2" charset="-122"/>
+                <a:ea typeface="等线" panose="02010600030101010101" pitchFamily="2" charset="-122"/>
+                <a:cs typeface="Times New Roman" panose="02020603050405020304" pitchFamily="18" charset="0"/>
+              </a:rPr>
+              <a:t>touch</a:t>
+            </a:r>
+            <a:r>
+              <a:rPr lang="zh-CN" altLang="zh-CN" sz="1800" kern="100" dirty="0">
+                <a:effectLst/>
+                <a:latin typeface="等线" panose="02010600030101010101" pitchFamily="2" charset="-122"/>
+                <a:ea typeface="等线" panose="02010600030101010101" pitchFamily="2" charset="-122"/>
+                <a:cs typeface="Times New Roman" panose="02020603050405020304" pitchFamily="18" charset="0"/>
+              </a:rPr>
+              <a:t>：创建文件</a:t>
+            </a:r>
+          </a:p>
+          <a:p>
+            <a:pPr algn="just"/>
+            <a:r>
+              <a:rPr lang="en-US" altLang="zh-CN" sz="1800" kern="100" dirty="0">
+                <a:effectLst/>
+                <a:latin typeface="等线" panose="02010600030101010101" pitchFamily="2" charset="-122"/>
+                <a:ea typeface="等线" panose="02010600030101010101" pitchFamily="2" charset="-122"/>
+                <a:cs typeface="Times New Roman" panose="02020603050405020304" pitchFamily="18" charset="0"/>
+              </a:rPr>
+              <a:t>cat</a:t>
+            </a:r>
+            <a:r>
+              <a:rPr lang="zh-CN" altLang="zh-CN" sz="1800" kern="100" dirty="0">
+                <a:effectLst/>
+                <a:latin typeface="等线" panose="02010600030101010101" pitchFamily="2" charset="-122"/>
+                <a:ea typeface="等线" panose="02010600030101010101" pitchFamily="2" charset="-122"/>
+                <a:cs typeface="Times New Roman" panose="02020603050405020304" pitchFamily="18" charset="0"/>
+              </a:rPr>
+              <a:t>：显示全部内容</a:t>
+            </a:r>
+            <a:r>
+              <a:rPr lang="en-US" altLang="zh-CN" sz="1800" kern="100" dirty="0">
+                <a:effectLst/>
+                <a:latin typeface="等线" panose="02010600030101010101" pitchFamily="2" charset="-122"/>
+                <a:ea typeface="等线" panose="02010600030101010101" pitchFamily="2" charset="-122"/>
+                <a:cs typeface="Times New Roman" panose="02020603050405020304" pitchFamily="18" charset="0"/>
+              </a:rPr>
+              <a:t>  more</a:t>
+            </a:r>
+            <a:r>
+              <a:rPr lang="zh-CN" altLang="zh-CN" sz="1800" kern="100" dirty="0">
+                <a:effectLst/>
+                <a:latin typeface="等线" panose="02010600030101010101" pitchFamily="2" charset="-122"/>
+                <a:ea typeface="等线" panose="02010600030101010101" pitchFamily="2" charset="-122"/>
+                <a:cs typeface="Times New Roman" panose="02020603050405020304" pitchFamily="18" charset="0"/>
+              </a:rPr>
+              <a:t>：支持翻页</a:t>
+            </a:r>
+          </a:p>
+          <a:p>
+            <a:pPr algn="just"/>
+            <a:r>
+              <a:rPr lang="en-US" altLang="zh-CN" sz="1800" kern="100" dirty="0">
+                <a:effectLst/>
+                <a:latin typeface="等线" panose="02010600030101010101" pitchFamily="2" charset="-122"/>
+                <a:ea typeface="等线" panose="02010600030101010101" pitchFamily="2" charset="-122"/>
+                <a:cs typeface="Times New Roman" panose="02020603050405020304" pitchFamily="18" charset="0"/>
+              </a:rPr>
+              <a:t>which</a:t>
+            </a:r>
+            <a:r>
+              <a:rPr lang="zh-CN" altLang="zh-CN" sz="1800" kern="100" dirty="0">
+                <a:effectLst/>
+                <a:latin typeface="等线" panose="02010600030101010101" pitchFamily="2" charset="-122"/>
+                <a:ea typeface="等线" panose="02010600030101010101" pitchFamily="2" charset="-122"/>
+                <a:cs typeface="Times New Roman" panose="02020603050405020304" pitchFamily="18" charset="0"/>
+              </a:rPr>
+              <a:t>：查看某个命令对应的程序的位置</a:t>
+            </a:r>
+          </a:p>
+          <a:p>
+            <a:pPr algn="just"/>
+            <a:r>
+              <a:rPr lang="en-US" altLang="zh-CN" sz="1800" kern="100" dirty="0">
+                <a:effectLst/>
+                <a:latin typeface="等线" panose="02010600030101010101" pitchFamily="2" charset="-122"/>
+                <a:ea typeface="等线" panose="02010600030101010101" pitchFamily="2" charset="-122"/>
+                <a:cs typeface="Times New Roman" panose="02020603050405020304" pitchFamily="18" charset="0"/>
+              </a:rPr>
+              <a:t> </a:t>
+            </a:r>
+            <a:endParaRPr lang="zh-CN" altLang="zh-CN" sz="1800" kern="100" dirty="0">
+              <a:effectLst/>
+              <a:latin typeface="等线" panose="02010600030101010101" pitchFamily="2" charset="-122"/>
+              <a:ea typeface="等线" panose="02010600030101010101" pitchFamily="2" charset="-122"/>
+              <a:cs typeface="Times New Roman" panose="02020603050405020304" pitchFamily="18" charset="0"/>
+            </a:endParaRPr>
+          </a:p>
+          <a:p>
+            <a:pPr algn="just"/>
+            <a:r>
+              <a:rPr lang="en-US" altLang="zh-CN" sz="1800" kern="100" dirty="0">
+                <a:effectLst/>
+                <a:latin typeface="等线" panose="02010600030101010101" pitchFamily="2" charset="-122"/>
+                <a:ea typeface="等线" panose="02010600030101010101" pitchFamily="2" charset="-122"/>
+                <a:cs typeface="Times New Roman" panose="02020603050405020304" pitchFamily="18" charset="0"/>
+              </a:rPr>
+              <a:t>find</a:t>
+            </a:r>
+            <a:r>
+              <a:rPr lang="zh-CN" altLang="zh-CN" sz="1800" kern="100" dirty="0">
+                <a:effectLst/>
+                <a:latin typeface="等线" panose="02010600030101010101" pitchFamily="2" charset="-122"/>
+                <a:ea typeface="等线" panose="02010600030101010101" pitchFamily="2" charset="-122"/>
+                <a:cs typeface="Times New Roman" panose="02020603050405020304" pitchFamily="18" charset="0"/>
+              </a:rPr>
+              <a:t>：查找文件</a:t>
+            </a:r>
+          </a:p>
+          <a:p>
+            <a:pPr algn="just"/>
+            <a:r>
+              <a:rPr lang="en-US" altLang="zh-CN" sz="1800" kern="100" dirty="0">
+                <a:effectLst/>
+                <a:latin typeface="等线" panose="02010600030101010101" pitchFamily="2" charset="-122"/>
+                <a:ea typeface="等线" panose="02010600030101010101" pitchFamily="2" charset="-122"/>
+                <a:cs typeface="Times New Roman" panose="02020603050405020304" pitchFamily="18" charset="0"/>
+              </a:rPr>
+              <a:t>	</a:t>
+            </a:r>
+            <a:r>
+              <a:rPr lang="zh-CN" altLang="zh-CN" sz="1800" kern="100" dirty="0">
+                <a:effectLst/>
+                <a:latin typeface="等线" panose="02010600030101010101" pitchFamily="2" charset="-122"/>
+                <a:ea typeface="等线" panose="02010600030101010101" pitchFamily="2" charset="-122"/>
+                <a:cs typeface="Times New Roman" panose="02020603050405020304" pitchFamily="18" charset="0"/>
+              </a:rPr>
+              <a:t>语法</a:t>
+            </a:r>
+            <a:r>
+              <a:rPr lang="en-US" altLang="zh-CN" sz="1800" kern="100" dirty="0">
+                <a:effectLst/>
+                <a:latin typeface="等线" panose="02010600030101010101" pitchFamily="2" charset="-122"/>
+                <a:ea typeface="等线" panose="02010600030101010101" pitchFamily="2" charset="-122"/>
+                <a:cs typeface="Times New Roman" panose="02020603050405020304" pitchFamily="18" charset="0"/>
+              </a:rPr>
+              <a:t>1</a:t>
+            </a:r>
+            <a:r>
+              <a:rPr lang="zh-CN" altLang="zh-CN" sz="1800" kern="100" dirty="0">
+                <a:effectLst/>
+                <a:latin typeface="等线" panose="02010600030101010101" pitchFamily="2" charset="-122"/>
+                <a:ea typeface="等线" panose="02010600030101010101" pitchFamily="2" charset="-122"/>
+                <a:cs typeface="Times New Roman" panose="02020603050405020304" pitchFamily="18" charset="0"/>
+              </a:rPr>
+              <a:t>：</a:t>
+            </a:r>
+            <a:r>
+              <a:rPr lang="en-US" altLang="zh-CN" sz="1800" kern="100" dirty="0">
+                <a:effectLst/>
+                <a:latin typeface="等线" panose="02010600030101010101" pitchFamily="2" charset="-122"/>
+                <a:ea typeface="等线" panose="02010600030101010101" pitchFamily="2" charset="-122"/>
+                <a:cs typeface="Times New Roman" panose="02020603050405020304" pitchFamily="18" charset="0"/>
+              </a:rPr>
+              <a:t>find  [</a:t>
+            </a:r>
+            <a:r>
+              <a:rPr lang="zh-CN" altLang="zh-CN" sz="1800" kern="100" dirty="0">
+                <a:effectLst/>
+                <a:latin typeface="等线" panose="02010600030101010101" pitchFamily="2" charset="-122"/>
+                <a:ea typeface="等线" panose="02010600030101010101" pitchFamily="2" charset="-122"/>
+                <a:cs typeface="Times New Roman" panose="02020603050405020304" pitchFamily="18" charset="0"/>
+              </a:rPr>
+              <a:t>目录</a:t>
+            </a:r>
+            <a:r>
+              <a:rPr lang="en-US" altLang="zh-CN" sz="1800" kern="100" dirty="0">
+                <a:effectLst/>
+                <a:latin typeface="等线" panose="02010600030101010101" pitchFamily="2" charset="-122"/>
+                <a:ea typeface="等线" panose="02010600030101010101" pitchFamily="2" charset="-122"/>
+                <a:cs typeface="Times New Roman" panose="02020603050405020304" pitchFamily="18" charset="0"/>
+              </a:rPr>
+              <a:t>]  –name  “</a:t>
+            </a:r>
+            <a:r>
+              <a:rPr lang="zh-CN" altLang="zh-CN" sz="1800" kern="100" dirty="0">
+                <a:effectLst/>
+                <a:latin typeface="等线" panose="02010600030101010101" pitchFamily="2" charset="-122"/>
+                <a:ea typeface="等线" panose="02010600030101010101" pitchFamily="2" charset="-122"/>
+                <a:cs typeface="Times New Roman" panose="02020603050405020304" pitchFamily="18" charset="0"/>
+              </a:rPr>
+              <a:t>文件名</a:t>
+            </a:r>
+            <a:r>
+              <a:rPr lang="en-US" altLang="zh-CN" sz="1800" kern="100" dirty="0">
+                <a:effectLst/>
+                <a:latin typeface="等线" panose="02010600030101010101" pitchFamily="2" charset="-122"/>
+                <a:ea typeface="等线" panose="02010600030101010101" pitchFamily="2" charset="-122"/>
+                <a:cs typeface="Times New Roman" panose="02020603050405020304" pitchFamily="18" charset="0"/>
+              </a:rPr>
+              <a:t>(</a:t>
+            </a:r>
+            <a:r>
+              <a:rPr lang="zh-CN" altLang="zh-CN" sz="1800" kern="100" dirty="0">
+                <a:effectLst/>
+                <a:latin typeface="等线" panose="02010600030101010101" pitchFamily="2" charset="-122"/>
+                <a:ea typeface="等线" panose="02010600030101010101" pitchFamily="2" charset="-122"/>
+                <a:cs typeface="Times New Roman" panose="02020603050405020304" pitchFamily="18" charset="0"/>
+              </a:rPr>
+              <a:t>可以用</a:t>
+            </a:r>
+            <a:r>
+              <a:rPr lang="en-US" altLang="zh-CN" sz="1800" kern="100" dirty="0">
+                <a:effectLst/>
+                <a:latin typeface="等线" panose="02010600030101010101" pitchFamily="2" charset="-122"/>
+                <a:ea typeface="等线" panose="02010600030101010101" pitchFamily="2" charset="-122"/>
+                <a:cs typeface="Times New Roman" panose="02020603050405020304" pitchFamily="18" charset="0"/>
+              </a:rPr>
+              <a:t>*</a:t>
+            </a:r>
+            <a:r>
+              <a:rPr lang="zh-CN" altLang="zh-CN" sz="1800" kern="100" dirty="0">
+                <a:effectLst/>
+                <a:latin typeface="等线" panose="02010600030101010101" pitchFamily="2" charset="-122"/>
+                <a:ea typeface="等线" panose="02010600030101010101" pitchFamily="2" charset="-122"/>
+                <a:cs typeface="Times New Roman" panose="02020603050405020304" pitchFamily="18" charset="0"/>
+              </a:rPr>
+              <a:t>模糊匹配</a:t>
+            </a:r>
+            <a:r>
+              <a:rPr lang="en-US" altLang="zh-CN" sz="1800" kern="100" dirty="0">
+                <a:effectLst/>
+                <a:latin typeface="等线" panose="02010600030101010101" pitchFamily="2" charset="-122"/>
+                <a:ea typeface="等线" panose="02010600030101010101" pitchFamily="2" charset="-122"/>
+                <a:cs typeface="Times New Roman" panose="02020603050405020304" pitchFamily="18" charset="0"/>
+              </a:rPr>
+              <a:t>)”</a:t>
+            </a:r>
+            <a:endParaRPr lang="zh-CN" altLang="zh-CN" sz="1800" kern="100" dirty="0">
+              <a:effectLst/>
+              <a:latin typeface="等线" panose="02010600030101010101" pitchFamily="2" charset="-122"/>
+              <a:ea typeface="等线" panose="02010600030101010101" pitchFamily="2" charset="-122"/>
+              <a:cs typeface="Times New Roman" panose="02020603050405020304" pitchFamily="18" charset="0"/>
+            </a:endParaRPr>
+          </a:p>
+          <a:p>
+            <a:pPr algn="just"/>
+            <a:r>
+              <a:rPr lang="en-US" altLang="zh-CN" sz="1800" kern="100" dirty="0">
+                <a:effectLst/>
+                <a:latin typeface="等线" panose="02010600030101010101" pitchFamily="2" charset="-122"/>
+                <a:ea typeface="等线" panose="02010600030101010101" pitchFamily="2" charset="-122"/>
+                <a:cs typeface="Times New Roman" panose="02020603050405020304" pitchFamily="18" charset="0"/>
+              </a:rPr>
+              <a:t>	</a:t>
+            </a:r>
+            <a:r>
+              <a:rPr lang="zh-CN" altLang="zh-CN" sz="1800" kern="100" dirty="0">
+                <a:effectLst/>
+                <a:latin typeface="等线" panose="02010600030101010101" pitchFamily="2" charset="-122"/>
+                <a:ea typeface="等线" panose="02010600030101010101" pitchFamily="2" charset="-122"/>
+                <a:cs typeface="Times New Roman" panose="02020603050405020304" pitchFamily="18" charset="0"/>
+              </a:rPr>
+              <a:t>语法</a:t>
+            </a:r>
+            <a:r>
+              <a:rPr lang="en-US" altLang="zh-CN" sz="1800" kern="100" dirty="0">
+                <a:effectLst/>
+                <a:latin typeface="等线" panose="02010600030101010101" pitchFamily="2" charset="-122"/>
+                <a:ea typeface="等线" panose="02010600030101010101" pitchFamily="2" charset="-122"/>
+                <a:cs typeface="Times New Roman" panose="02020603050405020304" pitchFamily="18" charset="0"/>
+              </a:rPr>
+              <a:t>2</a:t>
+            </a:r>
+            <a:r>
+              <a:rPr lang="zh-CN" altLang="zh-CN" sz="1800" kern="100" dirty="0">
+                <a:effectLst/>
+                <a:latin typeface="等线" panose="02010600030101010101" pitchFamily="2" charset="-122"/>
+                <a:ea typeface="等线" panose="02010600030101010101" pitchFamily="2" charset="-122"/>
+                <a:cs typeface="Times New Roman" panose="02020603050405020304" pitchFamily="18" charset="0"/>
+              </a:rPr>
+              <a:t>：</a:t>
+            </a:r>
+            <a:r>
+              <a:rPr lang="en-US" altLang="zh-CN" sz="1800" kern="100" dirty="0">
+                <a:effectLst/>
+                <a:latin typeface="等线" panose="02010600030101010101" pitchFamily="2" charset="-122"/>
+                <a:ea typeface="等线" panose="02010600030101010101" pitchFamily="2" charset="-122"/>
+                <a:cs typeface="Times New Roman" panose="02020603050405020304" pitchFamily="18" charset="0"/>
+              </a:rPr>
+              <a:t>find  [</a:t>
+            </a:r>
+            <a:r>
+              <a:rPr lang="zh-CN" altLang="zh-CN" sz="1800" kern="100" dirty="0">
+                <a:effectLst/>
+                <a:latin typeface="等线" panose="02010600030101010101" pitchFamily="2" charset="-122"/>
+                <a:ea typeface="等线" panose="02010600030101010101" pitchFamily="2" charset="-122"/>
+                <a:cs typeface="Times New Roman" panose="02020603050405020304" pitchFamily="18" charset="0"/>
+              </a:rPr>
+              <a:t>目录</a:t>
+            </a:r>
+            <a:r>
+              <a:rPr lang="en-US" altLang="zh-CN" sz="1800" kern="100" dirty="0">
+                <a:effectLst/>
+                <a:latin typeface="等线" panose="02010600030101010101" pitchFamily="2" charset="-122"/>
+                <a:ea typeface="等线" panose="02010600030101010101" pitchFamily="2" charset="-122"/>
+                <a:cs typeface="Times New Roman" panose="02020603050405020304" pitchFamily="18" charset="0"/>
+              </a:rPr>
+              <a:t>]  –size  +/- n k/M/G</a:t>
+            </a:r>
+            <a:endParaRPr lang="zh-CN" altLang="zh-CN" sz="1800" kern="100" dirty="0">
+              <a:effectLst/>
+              <a:latin typeface="等线" panose="02010600030101010101" pitchFamily="2" charset="-122"/>
+              <a:ea typeface="等线" panose="02010600030101010101" pitchFamily="2" charset="-122"/>
+              <a:cs typeface="Times New Roman" panose="02020603050405020304" pitchFamily="18" charset="0"/>
+            </a:endParaRPr>
+          </a:p>
+          <a:p>
+            <a:pPr algn="just"/>
+            <a:r>
+              <a:rPr lang="en-US" altLang="zh-CN" sz="1800" kern="100" dirty="0">
+                <a:effectLst/>
+                <a:latin typeface="等线" panose="02010600030101010101" pitchFamily="2" charset="-122"/>
+                <a:ea typeface="等线" panose="02010600030101010101" pitchFamily="2" charset="-122"/>
+                <a:cs typeface="Times New Roman" panose="02020603050405020304" pitchFamily="18" charset="0"/>
+              </a:rPr>
+              <a:t> </a:t>
+            </a:r>
+            <a:endParaRPr lang="zh-CN" altLang="zh-CN" sz="1800" kern="100" dirty="0">
+              <a:effectLst/>
+              <a:latin typeface="等线" panose="02010600030101010101" pitchFamily="2" charset="-122"/>
+              <a:ea typeface="等线" panose="02010600030101010101" pitchFamily="2" charset="-122"/>
+              <a:cs typeface="Times New Roman" panose="02020603050405020304" pitchFamily="18" charset="0"/>
+            </a:endParaRPr>
+          </a:p>
+          <a:p>
+            <a:pPr algn="just"/>
+            <a:r>
+              <a:rPr lang="en-US" altLang="zh-CN" sz="1800" kern="100" dirty="0">
+                <a:effectLst/>
+                <a:latin typeface="等线" panose="02010600030101010101" pitchFamily="2" charset="-122"/>
+                <a:ea typeface="等线" panose="02010600030101010101" pitchFamily="2" charset="-122"/>
+                <a:cs typeface="Times New Roman" panose="02020603050405020304" pitchFamily="18" charset="0"/>
+              </a:rPr>
+              <a:t>grep</a:t>
+            </a:r>
+            <a:r>
+              <a:rPr lang="zh-CN" altLang="zh-CN" sz="1800" kern="100" dirty="0">
+                <a:effectLst/>
+                <a:latin typeface="等线" panose="02010600030101010101" pitchFamily="2" charset="-122"/>
+                <a:ea typeface="等线" panose="02010600030101010101" pitchFamily="2" charset="-122"/>
+                <a:cs typeface="Times New Roman" panose="02020603050405020304" pitchFamily="18" charset="0"/>
+              </a:rPr>
+              <a:t>：行过滤</a:t>
+            </a:r>
+          </a:p>
+          <a:p>
+            <a:pPr algn="just"/>
+            <a:r>
+              <a:rPr lang="en-US" altLang="zh-CN" sz="1800" kern="100" dirty="0">
+                <a:effectLst/>
+                <a:latin typeface="等线" panose="02010600030101010101" pitchFamily="2" charset="-122"/>
+                <a:ea typeface="等线" panose="02010600030101010101" pitchFamily="2" charset="-122"/>
+                <a:cs typeface="Times New Roman" panose="02020603050405020304" pitchFamily="18" charset="0"/>
+              </a:rPr>
+              <a:t>	</a:t>
+            </a:r>
+            <a:r>
+              <a:rPr lang="zh-CN" altLang="zh-CN" sz="1800" kern="100" dirty="0">
+                <a:effectLst/>
+                <a:latin typeface="等线" panose="02010600030101010101" pitchFamily="2" charset="-122"/>
+                <a:ea typeface="等线" panose="02010600030101010101" pitchFamily="2" charset="-122"/>
+                <a:cs typeface="Times New Roman" panose="02020603050405020304" pitchFamily="18" charset="0"/>
+              </a:rPr>
+              <a:t>语法：</a:t>
+            </a:r>
+            <a:r>
+              <a:rPr lang="en-US" altLang="zh-CN" sz="1800" kern="100" dirty="0">
+                <a:effectLst/>
+                <a:latin typeface="等线" panose="02010600030101010101" pitchFamily="2" charset="-122"/>
+                <a:ea typeface="等线" panose="02010600030101010101" pitchFamily="2" charset="-122"/>
+                <a:cs typeface="Times New Roman" panose="02020603050405020304" pitchFamily="18" charset="0"/>
+              </a:rPr>
+              <a:t>grep [-n </a:t>
+            </a:r>
+            <a:r>
+              <a:rPr lang="zh-CN" altLang="zh-CN" sz="1800" kern="100" dirty="0">
+                <a:effectLst/>
+                <a:latin typeface="等线" panose="02010600030101010101" pitchFamily="2" charset="-122"/>
+                <a:ea typeface="等线" panose="02010600030101010101" pitchFamily="2" charset="-122"/>
+                <a:cs typeface="Times New Roman" panose="02020603050405020304" pitchFamily="18" charset="0"/>
+              </a:rPr>
+              <a:t>显示行号</a:t>
+            </a:r>
+            <a:r>
+              <a:rPr lang="en-US" altLang="zh-CN" sz="1800" kern="100" dirty="0">
+                <a:effectLst/>
+                <a:latin typeface="等线" panose="02010600030101010101" pitchFamily="2" charset="-122"/>
+                <a:ea typeface="等线" panose="02010600030101010101" pitchFamily="2" charset="-122"/>
+                <a:cs typeface="Times New Roman" panose="02020603050405020304" pitchFamily="18" charset="0"/>
+              </a:rPr>
+              <a:t>] “</a:t>
+            </a:r>
+            <a:r>
+              <a:rPr lang="zh-CN" altLang="zh-CN" sz="1800" kern="100" dirty="0">
+                <a:effectLst/>
+                <a:latin typeface="等线" panose="02010600030101010101" pitchFamily="2" charset="-122"/>
+                <a:ea typeface="等线" panose="02010600030101010101" pitchFamily="2" charset="-122"/>
+                <a:cs typeface="Times New Roman" panose="02020603050405020304" pitchFamily="18" charset="0"/>
+              </a:rPr>
+              <a:t>关键字</a:t>
+            </a:r>
+            <a:r>
+              <a:rPr lang="en-US" altLang="zh-CN" sz="1800" kern="100" dirty="0">
+                <a:effectLst/>
+                <a:latin typeface="等线" panose="02010600030101010101" pitchFamily="2" charset="-122"/>
+                <a:ea typeface="等线" panose="02010600030101010101" pitchFamily="2" charset="-122"/>
+                <a:cs typeface="Times New Roman" panose="02020603050405020304" pitchFamily="18" charset="0"/>
+              </a:rPr>
+              <a:t>” </a:t>
+            </a:r>
+            <a:r>
+              <a:rPr lang="zh-CN" altLang="zh-CN" sz="1800" kern="100" dirty="0">
+                <a:effectLst/>
+                <a:latin typeface="等线" panose="02010600030101010101" pitchFamily="2" charset="-122"/>
+                <a:ea typeface="等线" panose="02010600030101010101" pitchFamily="2" charset="-122"/>
+                <a:cs typeface="Times New Roman" panose="02020603050405020304" pitchFamily="18" charset="0"/>
+              </a:rPr>
+              <a:t>文件路径</a:t>
+            </a:r>
+          </a:p>
+          <a:p>
+            <a:pPr algn="just"/>
+            <a:r>
+              <a:rPr lang="en-US" altLang="zh-CN" sz="1800" kern="100" dirty="0">
+                <a:effectLst/>
+                <a:latin typeface="等线" panose="02010600030101010101" pitchFamily="2" charset="-122"/>
+                <a:ea typeface="等线" panose="02010600030101010101" pitchFamily="2" charset="-122"/>
+                <a:cs typeface="Times New Roman" panose="02020603050405020304" pitchFamily="18" charset="0"/>
+              </a:rPr>
+              <a:t> </a:t>
+            </a:r>
+            <a:endParaRPr lang="zh-CN" altLang="zh-CN" sz="1800" kern="100" dirty="0">
+              <a:effectLst/>
+              <a:latin typeface="等线" panose="02010600030101010101" pitchFamily="2" charset="-122"/>
+              <a:ea typeface="等线" panose="02010600030101010101" pitchFamily="2" charset="-122"/>
+              <a:cs typeface="Times New Roman" panose="02020603050405020304" pitchFamily="18" charset="0"/>
+            </a:endParaRPr>
+          </a:p>
+          <a:p>
+            <a:pPr algn="just"/>
+            <a:r>
+              <a:rPr lang="en-US" altLang="zh-CN" sz="1800" kern="100" dirty="0" err="1">
+                <a:effectLst/>
+                <a:latin typeface="等线" panose="02010600030101010101" pitchFamily="2" charset="-122"/>
+                <a:ea typeface="等线" panose="02010600030101010101" pitchFamily="2" charset="-122"/>
+                <a:cs typeface="Times New Roman" panose="02020603050405020304" pitchFamily="18" charset="0"/>
+              </a:rPr>
+              <a:t>wc</a:t>
+            </a:r>
+            <a:r>
+              <a:rPr lang="zh-CN" altLang="zh-CN" sz="1800" kern="100" dirty="0">
+                <a:effectLst/>
+                <a:latin typeface="等线" panose="02010600030101010101" pitchFamily="2" charset="-122"/>
+                <a:ea typeface="等线" panose="02010600030101010101" pitchFamily="2" charset="-122"/>
+                <a:cs typeface="Times New Roman" panose="02020603050405020304" pitchFamily="18" charset="0"/>
+              </a:rPr>
+              <a:t>：文件内容统计</a:t>
+            </a:r>
+          </a:p>
+          <a:p>
+            <a:pPr algn="just"/>
+            <a:r>
+              <a:rPr lang="en-US" altLang="zh-CN" sz="1800" kern="100" dirty="0">
+                <a:effectLst/>
+                <a:latin typeface="等线" panose="02010600030101010101" pitchFamily="2" charset="-122"/>
+                <a:ea typeface="等线" panose="02010600030101010101" pitchFamily="2" charset="-122"/>
+                <a:cs typeface="Times New Roman" panose="02020603050405020304" pitchFamily="18" charset="0"/>
+              </a:rPr>
+              <a:t>	</a:t>
+            </a:r>
+            <a:r>
+              <a:rPr lang="zh-CN" altLang="zh-CN" sz="1800" kern="100" dirty="0">
+                <a:effectLst/>
+                <a:latin typeface="等线" panose="02010600030101010101" pitchFamily="2" charset="-122"/>
+                <a:ea typeface="等线" panose="02010600030101010101" pitchFamily="2" charset="-122"/>
+                <a:cs typeface="Times New Roman" panose="02020603050405020304" pitchFamily="18" charset="0"/>
+              </a:rPr>
+              <a:t>语法：</a:t>
+            </a:r>
+            <a:r>
+              <a:rPr lang="en-US" altLang="zh-CN" sz="1800" kern="100" dirty="0" err="1">
+                <a:effectLst/>
+                <a:latin typeface="等线" panose="02010600030101010101" pitchFamily="2" charset="-122"/>
+                <a:ea typeface="等线" panose="02010600030101010101" pitchFamily="2" charset="-122"/>
+                <a:cs typeface="Times New Roman" panose="02020603050405020304" pitchFamily="18" charset="0"/>
+              </a:rPr>
+              <a:t>wc</a:t>
+            </a:r>
+            <a:r>
+              <a:rPr lang="en-US" altLang="zh-CN" sz="1800" kern="100" dirty="0">
+                <a:effectLst/>
+                <a:latin typeface="等线" panose="02010600030101010101" pitchFamily="2" charset="-122"/>
+                <a:ea typeface="等线" panose="02010600030101010101" pitchFamily="2" charset="-122"/>
+                <a:cs typeface="Times New Roman" panose="02020603050405020304" pitchFamily="18" charset="0"/>
+              </a:rPr>
+              <a:t> [-</a:t>
+            </a:r>
+            <a:r>
+              <a:rPr lang="en-US" altLang="zh-CN" sz="1800" kern="100" dirty="0" err="1">
+                <a:effectLst/>
+                <a:latin typeface="等线" panose="02010600030101010101" pitchFamily="2" charset="-122"/>
+                <a:ea typeface="等线" panose="02010600030101010101" pitchFamily="2" charset="-122"/>
+                <a:cs typeface="Times New Roman" panose="02020603050405020304" pitchFamily="18" charset="0"/>
+              </a:rPr>
+              <a:t>cmlw</a:t>
+            </a:r>
+            <a:r>
+              <a:rPr lang="en-US" altLang="zh-CN" sz="1800" kern="100" dirty="0">
+                <a:effectLst/>
+                <a:latin typeface="等线" panose="02010600030101010101" pitchFamily="2" charset="-122"/>
+                <a:ea typeface="等线" panose="02010600030101010101" pitchFamily="2" charset="-122"/>
+                <a:cs typeface="Times New Roman" panose="02020603050405020304" pitchFamily="18" charset="0"/>
+              </a:rPr>
+              <a:t>] </a:t>
+            </a:r>
+            <a:r>
+              <a:rPr lang="zh-CN" altLang="zh-CN" sz="1800" kern="100" dirty="0">
+                <a:effectLst/>
+                <a:latin typeface="等线" panose="02010600030101010101" pitchFamily="2" charset="-122"/>
+                <a:ea typeface="等线" panose="02010600030101010101" pitchFamily="2" charset="-122"/>
+                <a:cs typeface="Times New Roman" panose="02020603050405020304" pitchFamily="18" charset="0"/>
+              </a:rPr>
+              <a:t>文件路径</a:t>
+            </a:r>
+          </a:p>
+          <a:p>
+            <a:pPr algn="just"/>
+            <a:r>
+              <a:rPr lang="en-US" altLang="zh-CN" sz="1800" kern="100" dirty="0">
+                <a:effectLst/>
+                <a:latin typeface="等线" panose="02010600030101010101" pitchFamily="2" charset="-122"/>
+                <a:ea typeface="等线" panose="02010600030101010101" pitchFamily="2" charset="-122"/>
+                <a:cs typeface="Times New Roman" panose="02020603050405020304" pitchFamily="18" charset="0"/>
+              </a:rPr>
+              <a:t>	</a:t>
+            </a:r>
+            <a:r>
+              <a:rPr lang="en-US" altLang="zh-CN" sz="1800" kern="100" dirty="0" err="1">
+                <a:effectLst/>
+                <a:latin typeface="等线" panose="02010600030101010101" pitchFamily="2" charset="-122"/>
+                <a:ea typeface="等线" panose="02010600030101010101" pitchFamily="2" charset="-122"/>
+                <a:cs typeface="Times New Roman" panose="02020603050405020304" pitchFamily="18" charset="0"/>
+              </a:rPr>
+              <a:t>wc</a:t>
+            </a:r>
+            <a:r>
+              <a:rPr lang="en-US" altLang="zh-CN" sz="1800" kern="100" dirty="0">
+                <a:effectLst/>
+                <a:latin typeface="等线" panose="02010600030101010101" pitchFamily="2" charset="-122"/>
+                <a:ea typeface="等线" panose="02010600030101010101" pitchFamily="2" charset="-122"/>
+                <a:cs typeface="Times New Roman" panose="02020603050405020304" pitchFamily="18" charset="0"/>
+              </a:rPr>
+              <a:t> -c </a:t>
+            </a:r>
+            <a:r>
+              <a:rPr lang="zh-CN" altLang="zh-CN" sz="1800" kern="100" dirty="0">
+                <a:effectLst/>
+                <a:latin typeface="等线" panose="02010600030101010101" pitchFamily="2" charset="-122"/>
+                <a:ea typeface="等线" panose="02010600030101010101" pitchFamily="2" charset="-122"/>
+                <a:cs typeface="Times New Roman" panose="02020603050405020304" pitchFamily="18" charset="0"/>
+              </a:rPr>
+              <a:t>统计字节数量</a:t>
+            </a:r>
+          </a:p>
+          <a:p>
+            <a:pPr algn="just"/>
+            <a:r>
+              <a:rPr lang="en-US" altLang="zh-CN" sz="1800" kern="100" dirty="0">
+                <a:effectLst/>
+                <a:latin typeface="等线" panose="02010600030101010101" pitchFamily="2" charset="-122"/>
+                <a:ea typeface="等线" panose="02010600030101010101" pitchFamily="2" charset="-122"/>
+                <a:cs typeface="Times New Roman" panose="02020603050405020304" pitchFamily="18" charset="0"/>
+              </a:rPr>
+              <a:t>	</a:t>
+            </a:r>
+            <a:r>
+              <a:rPr lang="en-US" altLang="zh-CN" sz="1800" kern="100" dirty="0" err="1">
+                <a:effectLst/>
+                <a:latin typeface="等线" panose="02010600030101010101" pitchFamily="2" charset="-122"/>
+                <a:ea typeface="等线" panose="02010600030101010101" pitchFamily="2" charset="-122"/>
+                <a:cs typeface="Times New Roman" panose="02020603050405020304" pitchFamily="18" charset="0"/>
+              </a:rPr>
+              <a:t>wc</a:t>
+            </a:r>
+            <a:r>
+              <a:rPr lang="en-US" altLang="zh-CN" sz="1800" kern="100" dirty="0">
+                <a:effectLst/>
+                <a:latin typeface="等线" panose="02010600030101010101" pitchFamily="2" charset="-122"/>
+                <a:ea typeface="等线" panose="02010600030101010101" pitchFamily="2" charset="-122"/>
+                <a:cs typeface="Times New Roman" panose="02020603050405020304" pitchFamily="18" charset="0"/>
+              </a:rPr>
+              <a:t> -m </a:t>
+            </a:r>
+            <a:r>
+              <a:rPr lang="zh-CN" altLang="zh-CN" sz="1800" kern="100" dirty="0">
+                <a:effectLst/>
+                <a:latin typeface="等线" panose="02010600030101010101" pitchFamily="2" charset="-122"/>
+                <a:ea typeface="等线" panose="02010600030101010101" pitchFamily="2" charset="-122"/>
+                <a:cs typeface="Times New Roman" panose="02020603050405020304" pitchFamily="18" charset="0"/>
+              </a:rPr>
+              <a:t>统计字符数量</a:t>
+            </a:r>
+          </a:p>
+          <a:p>
+            <a:pPr algn="just"/>
+            <a:r>
+              <a:rPr lang="en-US" altLang="zh-CN" sz="1800" kern="100" dirty="0">
+                <a:effectLst/>
+                <a:latin typeface="等线" panose="02010600030101010101" pitchFamily="2" charset="-122"/>
+                <a:ea typeface="等线" panose="02010600030101010101" pitchFamily="2" charset="-122"/>
+                <a:cs typeface="Times New Roman" panose="02020603050405020304" pitchFamily="18" charset="0"/>
+              </a:rPr>
+              <a:t>	</a:t>
+            </a:r>
+            <a:r>
+              <a:rPr lang="en-US" altLang="zh-CN" sz="1800" kern="100" dirty="0" err="1">
+                <a:effectLst/>
+                <a:latin typeface="等线" panose="02010600030101010101" pitchFamily="2" charset="-122"/>
+                <a:ea typeface="等线" panose="02010600030101010101" pitchFamily="2" charset="-122"/>
+                <a:cs typeface="Times New Roman" panose="02020603050405020304" pitchFamily="18" charset="0"/>
+              </a:rPr>
+              <a:t>wc</a:t>
+            </a:r>
+            <a:r>
+              <a:rPr lang="en-US" altLang="zh-CN" sz="1800" kern="100" dirty="0">
+                <a:effectLst/>
+                <a:latin typeface="等线" panose="02010600030101010101" pitchFamily="2" charset="-122"/>
+                <a:ea typeface="等线" panose="02010600030101010101" pitchFamily="2" charset="-122"/>
+                <a:cs typeface="Times New Roman" panose="02020603050405020304" pitchFamily="18" charset="0"/>
+              </a:rPr>
+              <a:t> -l </a:t>
+            </a:r>
+            <a:r>
+              <a:rPr lang="zh-CN" altLang="zh-CN" sz="1800" kern="100" dirty="0">
+                <a:effectLst/>
+                <a:latin typeface="等线" panose="02010600030101010101" pitchFamily="2" charset="-122"/>
+                <a:ea typeface="等线" panose="02010600030101010101" pitchFamily="2" charset="-122"/>
+                <a:cs typeface="Times New Roman" panose="02020603050405020304" pitchFamily="18" charset="0"/>
+              </a:rPr>
+              <a:t>统计行数</a:t>
+            </a:r>
+          </a:p>
+          <a:p>
+            <a:pPr algn="just"/>
+            <a:r>
+              <a:rPr lang="en-US" altLang="zh-CN" sz="1800" kern="100" dirty="0">
+                <a:effectLst/>
+                <a:latin typeface="等线" panose="02010600030101010101" pitchFamily="2" charset="-122"/>
+                <a:ea typeface="等线" panose="02010600030101010101" pitchFamily="2" charset="-122"/>
+                <a:cs typeface="Times New Roman" panose="02020603050405020304" pitchFamily="18" charset="0"/>
+              </a:rPr>
+              <a:t>	</a:t>
+            </a:r>
+            <a:r>
+              <a:rPr lang="en-US" altLang="zh-CN" sz="1800" kern="100" dirty="0" err="1">
+                <a:effectLst/>
+                <a:latin typeface="等线" panose="02010600030101010101" pitchFamily="2" charset="-122"/>
+                <a:ea typeface="等线" panose="02010600030101010101" pitchFamily="2" charset="-122"/>
+                <a:cs typeface="Times New Roman" panose="02020603050405020304" pitchFamily="18" charset="0"/>
+              </a:rPr>
+              <a:t>wc</a:t>
+            </a:r>
+            <a:r>
+              <a:rPr lang="en-US" altLang="zh-CN" sz="1800" kern="100" dirty="0">
+                <a:effectLst/>
+                <a:latin typeface="等线" panose="02010600030101010101" pitchFamily="2" charset="-122"/>
+                <a:ea typeface="等线" panose="02010600030101010101" pitchFamily="2" charset="-122"/>
+                <a:cs typeface="Times New Roman" panose="02020603050405020304" pitchFamily="18" charset="0"/>
+              </a:rPr>
+              <a:t> -w </a:t>
+            </a:r>
+            <a:r>
+              <a:rPr lang="zh-CN" altLang="zh-CN" sz="1800" kern="100" dirty="0">
+                <a:effectLst/>
+                <a:latin typeface="等线" panose="02010600030101010101" pitchFamily="2" charset="-122"/>
+                <a:ea typeface="等线" panose="02010600030101010101" pitchFamily="2" charset="-122"/>
+                <a:cs typeface="Times New Roman" panose="02020603050405020304" pitchFamily="18" charset="0"/>
+              </a:rPr>
+              <a:t>统计单词数量 </a:t>
+            </a:r>
+          </a:p>
+          <a:p>
+            <a:pPr algn="just"/>
+            <a:r>
+              <a:rPr lang="en-US" altLang="zh-CN" sz="1800" kern="100" dirty="0">
+                <a:effectLst/>
+                <a:latin typeface="等线" panose="02010600030101010101" pitchFamily="2" charset="-122"/>
+                <a:ea typeface="等线" panose="02010600030101010101" pitchFamily="2" charset="-122"/>
+                <a:cs typeface="Times New Roman" panose="02020603050405020304" pitchFamily="18" charset="0"/>
+              </a:rPr>
+              <a:t> </a:t>
+            </a:r>
+            <a:endParaRPr lang="zh-CN" altLang="zh-CN" sz="1800" kern="100" dirty="0">
+              <a:effectLst/>
+              <a:latin typeface="等线" panose="02010600030101010101" pitchFamily="2" charset="-122"/>
+              <a:ea typeface="等线" panose="02010600030101010101" pitchFamily="2" charset="-122"/>
+              <a:cs typeface="Times New Roman" panose="02020603050405020304" pitchFamily="18" charset="0"/>
+            </a:endParaRPr>
+          </a:p>
+          <a:p>
+            <a:pPr algn="just"/>
+            <a:r>
+              <a:rPr lang="en-US" altLang="zh-CN" sz="1800" kern="100" dirty="0">
+                <a:effectLst/>
+                <a:latin typeface="等线" panose="02010600030101010101" pitchFamily="2" charset="-122"/>
+                <a:ea typeface="等线" panose="02010600030101010101" pitchFamily="2" charset="-122"/>
+                <a:cs typeface="Times New Roman" panose="02020603050405020304" pitchFamily="18" charset="0"/>
+              </a:rPr>
+              <a:t>&gt;</a:t>
+            </a:r>
+            <a:r>
+              <a:rPr lang="zh-CN" altLang="zh-CN" sz="1800" kern="100" dirty="0">
+                <a:effectLst/>
+                <a:latin typeface="等线" panose="02010600030101010101" pitchFamily="2" charset="-122"/>
+                <a:ea typeface="等线" panose="02010600030101010101" pitchFamily="2" charset="-122"/>
+                <a:cs typeface="Times New Roman" panose="02020603050405020304" pitchFamily="18" charset="0"/>
+              </a:rPr>
+              <a:t>：覆盖输入</a:t>
+            </a:r>
+          </a:p>
+          <a:p>
+            <a:pPr algn="just"/>
+            <a:r>
+              <a:rPr lang="en-US" altLang="zh-CN" sz="1800" kern="100" dirty="0">
+                <a:effectLst/>
+                <a:latin typeface="等线" panose="02010600030101010101" pitchFamily="2" charset="-122"/>
+                <a:ea typeface="等线" panose="02010600030101010101" pitchFamily="2" charset="-122"/>
+                <a:cs typeface="Times New Roman" panose="02020603050405020304" pitchFamily="18" charset="0"/>
+              </a:rPr>
+              <a:t>&gt;&gt;</a:t>
+            </a:r>
+            <a:r>
+              <a:rPr lang="zh-CN" altLang="zh-CN" sz="1800" kern="100" dirty="0">
+                <a:effectLst/>
+                <a:latin typeface="等线" panose="02010600030101010101" pitchFamily="2" charset="-122"/>
+                <a:ea typeface="等线" panose="02010600030101010101" pitchFamily="2" charset="-122"/>
+                <a:cs typeface="Times New Roman" panose="02020603050405020304" pitchFamily="18" charset="0"/>
+              </a:rPr>
+              <a:t>：追加输入</a:t>
+            </a:r>
+          </a:p>
+        </p:txBody>
+      </p:sp>
+      <p:sp>
+        <p:nvSpPr>
+          <p:cNvPr id="7" name="文本框 6">
+            <a:extLst>
+              <a:ext uri="{FF2B5EF4-FFF2-40B4-BE49-F238E27FC236}">
+                <a16:creationId xmlns:a16="http://schemas.microsoft.com/office/drawing/2014/main" id="{F565985B-6471-47BB-A958-B809A555ECA4}"/>
+              </a:ext>
+            </a:extLst>
+          </p:cNvPr>
+          <p:cNvSpPr txBox="1"/>
+          <p:nvPr/>
+        </p:nvSpPr>
+        <p:spPr>
+          <a:xfrm>
+            <a:off x="5922568" y="266542"/>
+            <a:ext cx="6269432" cy="6186309"/>
+          </a:xfrm>
+          <a:prstGeom prst="rect">
+            <a:avLst/>
+          </a:prstGeom>
+          <a:noFill/>
+        </p:spPr>
+        <p:txBody>
+          <a:bodyPr wrap="square">
+            <a:spAutoFit/>
+          </a:bodyPr>
+          <a:lstStyle/>
+          <a:p>
+            <a:pPr algn="just"/>
+            <a:r>
+              <a:rPr lang="en-US" altLang="zh-CN" sz="1800" kern="100" dirty="0">
+                <a:effectLst/>
+                <a:latin typeface="等线" panose="02010600030101010101" pitchFamily="2" charset="-122"/>
+                <a:ea typeface="等线" panose="02010600030101010101" pitchFamily="2" charset="-122"/>
+                <a:cs typeface="Times New Roman" panose="02020603050405020304" pitchFamily="18" charset="0"/>
+              </a:rPr>
+              <a:t>tail</a:t>
+            </a:r>
+            <a:r>
+              <a:rPr lang="zh-CN" altLang="zh-CN" sz="1800" kern="100" dirty="0">
+                <a:effectLst/>
+                <a:latin typeface="等线" panose="02010600030101010101" pitchFamily="2" charset="-122"/>
+                <a:ea typeface="等线" panose="02010600030101010101" pitchFamily="2" charset="-122"/>
+                <a:cs typeface="Times New Roman" panose="02020603050405020304" pitchFamily="18" charset="0"/>
+              </a:rPr>
+              <a:t>：查看文件尾部内容</a:t>
+            </a:r>
+          </a:p>
+          <a:p>
+            <a:pPr algn="just"/>
+            <a:r>
+              <a:rPr lang="en-US" altLang="zh-CN" sz="1800" kern="100" dirty="0">
+                <a:effectLst/>
+                <a:latin typeface="等线" panose="02010600030101010101" pitchFamily="2" charset="-122"/>
+                <a:ea typeface="等线" panose="02010600030101010101" pitchFamily="2" charset="-122"/>
+                <a:cs typeface="Times New Roman" panose="02020603050405020304" pitchFamily="18" charset="0"/>
+              </a:rPr>
+              <a:t>	tail -f </a:t>
+            </a:r>
+            <a:r>
+              <a:rPr lang="zh-CN" altLang="zh-CN" sz="1800" kern="100" dirty="0">
+                <a:effectLst/>
+                <a:latin typeface="等线" panose="02010600030101010101" pitchFamily="2" charset="-122"/>
+                <a:ea typeface="等线" panose="02010600030101010101" pitchFamily="2" charset="-122"/>
+                <a:cs typeface="Times New Roman" panose="02020603050405020304" pitchFamily="18" charset="0"/>
+              </a:rPr>
+              <a:t>持续实时跟踪</a:t>
+            </a:r>
+          </a:p>
+          <a:p>
+            <a:pPr algn="just"/>
+            <a:r>
+              <a:rPr lang="en-US" altLang="zh-CN" sz="1800" kern="100" dirty="0">
+                <a:effectLst/>
+                <a:latin typeface="等线" panose="02010600030101010101" pitchFamily="2" charset="-122"/>
+                <a:ea typeface="等线" panose="02010600030101010101" pitchFamily="2" charset="-122"/>
+                <a:cs typeface="Times New Roman" panose="02020603050405020304" pitchFamily="18" charset="0"/>
+              </a:rPr>
+              <a:t>	tail -num </a:t>
+            </a:r>
+            <a:r>
+              <a:rPr lang="zh-CN" altLang="zh-CN" sz="1800" kern="100" dirty="0">
+                <a:effectLst/>
+                <a:latin typeface="等线" panose="02010600030101010101" pitchFamily="2" charset="-122"/>
+                <a:ea typeface="等线" panose="02010600030101010101" pitchFamily="2" charset="-122"/>
+                <a:cs typeface="Times New Roman" panose="02020603050405020304" pitchFamily="18" charset="0"/>
+              </a:rPr>
+              <a:t>设置查看尾部多少行</a:t>
+            </a:r>
+          </a:p>
+          <a:p>
+            <a:pPr algn="just"/>
+            <a:r>
+              <a:rPr lang="en-US" altLang="zh-CN" sz="1800" kern="100" dirty="0" err="1">
+                <a:effectLst/>
+                <a:latin typeface="等线" panose="02010600030101010101" pitchFamily="2" charset="-122"/>
+                <a:ea typeface="等线" panose="02010600030101010101" pitchFamily="2" charset="-122"/>
+                <a:cs typeface="Times New Roman" panose="02020603050405020304" pitchFamily="18" charset="0"/>
+              </a:rPr>
+              <a:t>chmod</a:t>
+            </a:r>
+            <a:r>
+              <a:rPr lang="zh-CN" altLang="zh-CN" sz="1800" kern="100" dirty="0">
+                <a:effectLst/>
+                <a:latin typeface="等线" panose="02010600030101010101" pitchFamily="2" charset="-122"/>
+                <a:ea typeface="等线" panose="02010600030101010101" pitchFamily="2" charset="-122"/>
+                <a:cs typeface="Times New Roman" panose="02020603050405020304" pitchFamily="18" charset="0"/>
+              </a:rPr>
+              <a:t>：修改文件</a:t>
+            </a:r>
+            <a:r>
+              <a:rPr lang="en-US" altLang="zh-CN" sz="1800" kern="100" dirty="0">
+                <a:effectLst/>
+                <a:latin typeface="等线" panose="02010600030101010101" pitchFamily="2" charset="-122"/>
+                <a:ea typeface="等线" panose="02010600030101010101" pitchFamily="2" charset="-122"/>
+                <a:cs typeface="Times New Roman" panose="02020603050405020304" pitchFamily="18" charset="0"/>
+              </a:rPr>
+              <a:t>(</a:t>
+            </a:r>
+            <a:r>
+              <a:rPr lang="zh-CN" altLang="zh-CN" sz="1800" kern="100" dirty="0">
+                <a:effectLst/>
+                <a:latin typeface="等线" panose="02010600030101010101" pitchFamily="2" charset="-122"/>
+                <a:ea typeface="等线" panose="02010600030101010101" pitchFamily="2" charset="-122"/>
+                <a:cs typeface="Times New Roman" panose="02020603050405020304" pitchFamily="18" charset="0"/>
+              </a:rPr>
+              <a:t>夹</a:t>
+            </a:r>
+            <a:r>
+              <a:rPr lang="en-US" altLang="zh-CN" sz="1800" kern="100" dirty="0">
+                <a:effectLst/>
+                <a:latin typeface="等线" panose="02010600030101010101" pitchFamily="2" charset="-122"/>
+                <a:ea typeface="等线" panose="02010600030101010101" pitchFamily="2" charset="-122"/>
+                <a:cs typeface="Times New Roman" panose="02020603050405020304" pitchFamily="18" charset="0"/>
+              </a:rPr>
+              <a:t>)</a:t>
+            </a:r>
+            <a:r>
+              <a:rPr lang="zh-CN" altLang="zh-CN" sz="1800" kern="100" dirty="0">
+                <a:effectLst/>
+                <a:latin typeface="等线" panose="02010600030101010101" pitchFamily="2" charset="-122"/>
+                <a:ea typeface="等线" panose="02010600030101010101" pitchFamily="2" charset="-122"/>
+                <a:cs typeface="Times New Roman" panose="02020603050405020304" pitchFamily="18" charset="0"/>
+              </a:rPr>
+              <a:t>权限</a:t>
+            </a:r>
+          </a:p>
+          <a:p>
+            <a:pPr algn="just"/>
+            <a:r>
+              <a:rPr lang="en-US" altLang="zh-CN" sz="1800" kern="100" dirty="0">
+                <a:effectLst/>
+                <a:latin typeface="等线" panose="02010600030101010101" pitchFamily="2" charset="-122"/>
+                <a:ea typeface="等线" panose="02010600030101010101" pitchFamily="2" charset="-122"/>
+                <a:cs typeface="Times New Roman" panose="02020603050405020304" pitchFamily="18" charset="0"/>
+              </a:rPr>
+              <a:t>	</a:t>
+            </a:r>
+            <a:r>
+              <a:rPr lang="zh-CN" altLang="zh-CN" sz="1800" kern="100" dirty="0">
+                <a:effectLst/>
+                <a:latin typeface="等线" panose="02010600030101010101" pitchFamily="2" charset="-122"/>
+                <a:ea typeface="等线" panose="02010600030101010101" pitchFamily="2" charset="-122"/>
+                <a:cs typeface="Times New Roman" panose="02020603050405020304" pitchFamily="18" charset="0"/>
+              </a:rPr>
+              <a:t>语法：</a:t>
+            </a:r>
+            <a:r>
+              <a:rPr lang="en-US" altLang="zh-CN" sz="1800" kern="100" dirty="0" err="1">
+                <a:effectLst/>
+                <a:latin typeface="等线" panose="02010600030101010101" pitchFamily="2" charset="-122"/>
+                <a:ea typeface="等线" panose="02010600030101010101" pitchFamily="2" charset="-122"/>
+                <a:cs typeface="Times New Roman" panose="02020603050405020304" pitchFamily="18" charset="0"/>
+              </a:rPr>
+              <a:t>chmod</a:t>
+            </a:r>
+            <a:r>
+              <a:rPr lang="en-US" altLang="zh-CN" sz="1800" kern="100" dirty="0">
+                <a:effectLst/>
+                <a:latin typeface="等线" panose="02010600030101010101" pitchFamily="2" charset="-122"/>
+                <a:ea typeface="等线" panose="02010600030101010101" pitchFamily="2" charset="-122"/>
+                <a:cs typeface="Times New Roman" panose="02020603050405020304" pitchFamily="18" charset="0"/>
+              </a:rPr>
+              <a:t> </a:t>
+            </a:r>
+            <a:r>
+              <a:rPr lang="en-US" altLang="zh-CN" sz="1800" kern="100" dirty="0" err="1">
+                <a:effectLst/>
+                <a:latin typeface="等线" panose="02010600030101010101" pitchFamily="2" charset="-122"/>
+                <a:ea typeface="等线" panose="02010600030101010101" pitchFamily="2" charset="-122"/>
+                <a:cs typeface="Times New Roman" panose="02020603050405020304" pitchFamily="18" charset="0"/>
+              </a:rPr>
+              <a:t>nnn</a:t>
+            </a:r>
+            <a:r>
+              <a:rPr lang="en-US" altLang="zh-CN" sz="1800" kern="100" dirty="0">
+                <a:effectLst/>
+                <a:latin typeface="等线" panose="02010600030101010101" pitchFamily="2" charset="-122"/>
+                <a:ea typeface="等线" panose="02010600030101010101" pitchFamily="2" charset="-122"/>
+                <a:cs typeface="Times New Roman" panose="02020603050405020304" pitchFamily="18" charset="0"/>
+              </a:rPr>
+              <a:t> </a:t>
+            </a:r>
+            <a:r>
+              <a:rPr lang="zh-CN" altLang="zh-CN" sz="1800" kern="100" dirty="0">
+                <a:effectLst/>
+                <a:latin typeface="等线" panose="02010600030101010101" pitchFamily="2" charset="-122"/>
+                <a:ea typeface="等线" panose="02010600030101010101" pitchFamily="2" charset="-122"/>
+                <a:cs typeface="Times New Roman" panose="02020603050405020304" pitchFamily="18" charset="0"/>
+              </a:rPr>
+              <a:t>文件名</a:t>
+            </a:r>
+          </a:p>
+          <a:p>
+            <a:pPr algn="just"/>
+            <a:r>
+              <a:rPr lang="en-US" altLang="zh-CN" sz="1800" kern="100" dirty="0">
+                <a:effectLst/>
+                <a:latin typeface="等线" panose="02010600030101010101" pitchFamily="2" charset="-122"/>
+                <a:ea typeface="等线" panose="02010600030101010101" pitchFamily="2" charset="-122"/>
+                <a:cs typeface="Times New Roman" panose="02020603050405020304" pitchFamily="18" charset="0"/>
+              </a:rPr>
+              <a:t>	</a:t>
+            </a:r>
+            <a:r>
+              <a:rPr lang="en-US" altLang="zh-CN" sz="1800" kern="100" dirty="0" err="1">
+                <a:effectLst/>
+                <a:latin typeface="等线" panose="02010600030101010101" pitchFamily="2" charset="-122"/>
+                <a:ea typeface="等线" panose="02010600030101010101" pitchFamily="2" charset="-122"/>
+                <a:cs typeface="Times New Roman" panose="02020603050405020304" pitchFamily="18" charset="0"/>
+              </a:rPr>
+              <a:t>chmod</a:t>
+            </a:r>
+            <a:r>
+              <a:rPr lang="en-US" altLang="zh-CN" sz="1800" kern="100" dirty="0">
+                <a:effectLst/>
+                <a:latin typeface="等线" panose="02010600030101010101" pitchFamily="2" charset="-122"/>
+                <a:ea typeface="等线" panose="02010600030101010101" pitchFamily="2" charset="-122"/>
+                <a:cs typeface="Times New Roman" panose="02020603050405020304" pitchFamily="18" charset="0"/>
+              </a:rPr>
+              <a:t> -R </a:t>
+            </a:r>
+            <a:r>
+              <a:rPr lang="zh-CN" altLang="zh-CN" sz="1800" kern="100" dirty="0">
+                <a:effectLst/>
+                <a:latin typeface="等线" panose="02010600030101010101" pitchFamily="2" charset="-122"/>
+                <a:ea typeface="等线" panose="02010600030101010101" pitchFamily="2" charset="-122"/>
+                <a:cs typeface="Times New Roman" panose="02020603050405020304" pitchFamily="18" charset="0"/>
+              </a:rPr>
+              <a:t>递归修改</a:t>
+            </a:r>
+          </a:p>
+          <a:p>
+            <a:pPr algn="just"/>
+            <a:r>
+              <a:rPr lang="en-US" altLang="zh-CN" sz="1800" kern="100" dirty="0" err="1">
+                <a:effectLst/>
+                <a:latin typeface="等线" panose="02010600030101010101" pitchFamily="2" charset="-122"/>
+                <a:ea typeface="等线" panose="02010600030101010101" pitchFamily="2" charset="-122"/>
+                <a:cs typeface="Times New Roman" panose="02020603050405020304" pitchFamily="18" charset="0"/>
+              </a:rPr>
+              <a:t>chown</a:t>
+            </a:r>
+            <a:r>
+              <a:rPr lang="zh-CN" altLang="zh-CN" sz="1800" kern="100" dirty="0">
+                <a:effectLst/>
+                <a:latin typeface="等线" panose="02010600030101010101" pitchFamily="2" charset="-122"/>
+                <a:ea typeface="等线" panose="02010600030101010101" pitchFamily="2" charset="-122"/>
+                <a:cs typeface="Times New Roman" panose="02020603050405020304" pitchFamily="18" charset="0"/>
+              </a:rPr>
+              <a:t>：修改文件</a:t>
+            </a:r>
+            <a:r>
+              <a:rPr lang="en-US" altLang="zh-CN" sz="1800" kern="100" dirty="0">
+                <a:effectLst/>
+                <a:latin typeface="等线" panose="02010600030101010101" pitchFamily="2" charset="-122"/>
+                <a:ea typeface="等线" panose="02010600030101010101" pitchFamily="2" charset="-122"/>
+                <a:cs typeface="Times New Roman" panose="02020603050405020304" pitchFamily="18" charset="0"/>
+              </a:rPr>
+              <a:t>(</a:t>
+            </a:r>
+            <a:r>
+              <a:rPr lang="zh-CN" altLang="zh-CN" sz="1800" kern="100" dirty="0">
+                <a:effectLst/>
+                <a:latin typeface="等线" panose="02010600030101010101" pitchFamily="2" charset="-122"/>
+                <a:ea typeface="等线" panose="02010600030101010101" pitchFamily="2" charset="-122"/>
+                <a:cs typeface="Times New Roman" panose="02020603050405020304" pitchFamily="18" charset="0"/>
+              </a:rPr>
+              <a:t>夹</a:t>
+            </a:r>
+            <a:r>
+              <a:rPr lang="en-US" altLang="zh-CN" sz="1800" kern="100" dirty="0">
+                <a:effectLst/>
+                <a:latin typeface="等线" panose="02010600030101010101" pitchFamily="2" charset="-122"/>
+                <a:ea typeface="等线" panose="02010600030101010101" pitchFamily="2" charset="-122"/>
+                <a:cs typeface="Times New Roman" panose="02020603050405020304" pitchFamily="18" charset="0"/>
+              </a:rPr>
+              <a:t>)</a:t>
+            </a:r>
+            <a:r>
+              <a:rPr lang="zh-CN" altLang="zh-CN" sz="1800" kern="100" dirty="0">
+                <a:effectLst/>
+                <a:latin typeface="等线" panose="02010600030101010101" pitchFamily="2" charset="-122"/>
+                <a:ea typeface="等线" panose="02010600030101010101" pitchFamily="2" charset="-122"/>
+                <a:cs typeface="Times New Roman" panose="02020603050405020304" pitchFamily="18" charset="0"/>
+              </a:rPr>
+              <a:t>所属用户</a:t>
+            </a:r>
+            <a:r>
+              <a:rPr lang="en-US" altLang="zh-CN" sz="1800" kern="100" dirty="0">
+                <a:effectLst/>
+                <a:latin typeface="等线" panose="02010600030101010101" pitchFamily="2" charset="-122"/>
+                <a:ea typeface="等线" panose="02010600030101010101" pitchFamily="2" charset="-122"/>
+                <a:cs typeface="Times New Roman" panose="02020603050405020304" pitchFamily="18" charset="0"/>
+              </a:rPr>
+              <a:t>(</a:t>
+            </a:r>
+            <a:r>
+              <a:rPr lang="zh-CN" altLang="zh-CN" sz="1800" kern="100" dirty="0">
+                <a:effectLst/>
+                <a:latin typeface="等线" panose="02010600030101010101" pitchFamily="2" charset="-122"/>
+                <a:ea typeface="等线" panose="02010600030101010101" pitchFamily="2" charset="-122"/>
+                <a:cs typeface="Times New Roman" panose="02020603050405020304" pitchFamily="18" charset="0"/>
+              </a:rPr>
+              <a:t>组</a:t>
+            </a:r>
+            <a:r>
+              <a:rPr lang="en-US" altLang="zh-CN" sz="1800" kern="100" dirty="0">
+                <a:effectLst/>
+                <a:latin typeface="等线" panose="02010600030101010101" pitchFamily="2" charset="-122"/>
+                <a:ea typeface="等线" panose="02010600030101010101" pitchFamily="2" charset="-122"/>
+                <a:cs typeface="Times New Roman" panose="02020603050405020304" pitchFamily="18" charset="0"/>
+              </a:rPr>
+              <a:t>)</a:t>
+            </a:r>
+            <a:endParaRPr lang="zh-CN" altLang="zh-CN" sz="1800" kern="100" dirty="0">
+              <a:effectLst/>
+              <a:latin typeface="等线" panose="02010600030101010101" pitchFamily="2" charset="-122"/>
+              <a:ea typeface="等线" panose="02010600030101010101" pitchFamily="2" charset="-122"/>
+              <a:cs typeface="Times New Roman" panose="02020603050405020304" pitchFamily="18" charset="0"/>
+            </a:endParaRPr>
+          </a:p>
+          <a:p>
+            <a:pPr algn="just"/>
+            <a:r>
+              <a:rPr lang="en-US" altLang="zh-CN" sz="1800" kern="100" dirty="0">
+                <a:effectLst/>
+                <a:latin typeface="等线" panose="02010600030101010101" pitchFamily="2" charset="-122"/>
+                <a:ea typeface="等线" panose="02010600030101010101" pitchFamily="2" charset="-122"/>
+                <a:cs typeface="Times New Roman" panose="02020603050405020304" pitchFamily="18" charset="0"/>
+              </a:rPr>
+              <a:t>	</a:t>
+            </a:r>
+            <a:r>
+              <a:rPr lang="zh-CN" altLang="zh-CN" sz="1800" kern="100" dirty="0">
+                <a:effectLst/>
+                <a:latin typeface="等线" panose="02010600030101010101" pitchFamily="2" charset="-122"/>
+                <a:ea typeface="等线" panose="02010600030101010101" pitchFamily="2" charset="-122"/>
+                <a:cs typeface="Times New Roman" panose="02020603050405020304" pitchFamily="18" charset="0"/>
+              </a:rPr>
+              <a:t>语法：</a:t>
+            </a:r>
+            <a:r>
+              <a:rPr lang="en-US" altLang="zh-CN" sz="1800" kern="100" dirty="0" err="1">
+                <a:effectLst/>
+                <a:latin typeface="等线" panose="02010600030101010101" pitchFamily="2" charset="-122"/>
+                <a:ea typeface="等线" panose="02010600030101010101" pitchFamily="2" charset="-122"/>
+                <a:cs typeface="Times New Roman" panose="02020603050405020304" pitchFamily="18" charset="0"/>
+              </a:rPr>
+              <a:t>chown</a:t>
+            </a:r>
+            <a:r>
+              <a:rPr lang="en-US" altLang="zh-CN" sz="1800" kern="100" dirty="0">
+                <a:effectLst/>
+                <a:latin typeface="等线" panose="02010600030101010101" pitchFamily="2" charset="-122"/>
+                <a:ea typeface="等线" panose="02010600030101010101" pitchFamily="2" charset="-122"/>
+                <a:cs typeface="Times New Roman" panose="02020603050405020304" pitchFamily="18" charset="0"/>
+              </a:rPr>
+              <a:t> [-R] [</a:t>
+            </a:r>
+            <a:r>
+              <a:rPr lang="zh-CN" altLang="zh-CN" sz="1800" kern="100" dirty="0">
+                <a:effectLst/>
+                <a:latin typeface="等线" panose="02010600030101010101" pitchFamily="2" charset="-122"/>
+                <a:ea typeface="等线" panose="02010600030101010101" pitchFamily="2" charset="-122"/>
+                <a:cs typeface="Times New Roman" panose="02020603050405020304" pitchFamily="18" charset="0"/>
+              </a:rPr>
+              <a:t>用户</a:t>
+            </a:r>
+            <a:r>
+              <a:rPr lang="en-US" altLang="zh-CN" sz="1800" kern="100" dirty="0">
+                <a:effectLst/>
+                <a:latin typeface="等线" panose="02010600030101010101" pitchFamily="2" charset="-122"/>
+                <a:ea typeface="等线" panose="02010600030101010101" pitchFamily="2" charset="-122"/>
+                <a:cs typeface="Times New Roman" panose="02020603050405020304" pitchFamily="18" charset="0"/>
+              </a:rPr>
+              <a:t>]:[</a:t>
+            </a:r>
+            <a:r>
+              <a:rPr lang="zh-CN" altLang="zh-CN" sz="1800" kern="100" dirty="0">
+                <a:effectLst/>
+                <a:latin typeface="等线" panose="02010600030101010101" pitchFamily="2" charset="-122"/>
+                <a:ea typeface="等线" panose="02010600030101010101" pitchFamily="2" charset="-122"/>
+                <a:cs typeface="Times New Roman" panose="02020603050405020304" pitchFamily="18" charset="0"/>
+              </a:rPr>
+              <a:t>用户组</a:t>
+            </a:r>
+            <a:r>
+              <a:rPr lang="en-US" altLang="zh-CN" sz="1800" kern="100" dirty="0">
+                <a:effectLst/>
+                <a:latin typeface="等线" panose="02010600030101010101" pitchFamily="2" charset="-122"/>
+                <a:ea typeface="等线" panose="02010600030101010101" pitchFamily="2" charset="-122"/>
+                <a:cs typeface="Times New Roman" panose="02020603050405020304" pitchFamily="18" charset="0"/>
+              </a:rPr>
+              <a:t>] </a:t>
+            </a:r>
+            <a:r>
+              <a:rPr lang="zh-CN" altLang="zh-CN" sz="1800" kern="100" dirty="0">
+                <a:effectLst/>
+                <a:latin typeface="等线" panose="02010600030101010101" pitchFamily="2" charset="-122"/>
+                <a:ea typeface="等线" panose="02010600030101010101" pitchFamily="2" charset="-122"/>
+                <a:cs typeface="Times New Roman" panose="02020603050405020304" pitchFamily="18" charset="0"/>
+              </a:rPr>
+              <a:t>文件名</a:t>
+            </a:r>
+            <a:r>
+              <a:rPr lang="en-US" altLang="zh-CN" sz="1800" kern="100" dirty="0">
+                <a:effectLst/>
+                <a:latin typeface="等线" panose="02010600030101010101" pitchFamily="2" charset="-122"/>
+                <a:ea typeface="等线" panose="02010600030101010101" pitchFamily="2" charset="-122"/>
+                <a:cs typeface="Times New Roman" panose="02020603050405020304" pitchFamily="18" charset="0"/>
+              </a:rPr>
+              <a:t>/</a:t>
+            </a:r>
+            <a:r>
+              <a:rPr lang="zh-CN" altLang="zh-CN" sz="1800" kern="100" dirty="0">
+                <a:effectLst/>
+                <a:latin typeface="等线" panose="02010600030101010101" pitchFamily="2" charset="-122"/>
+                <a:ea typeface="等线" panose="02010600030101010101" pitchFamily="2" charset="-122"/>
+                <a:cs typeface="Times New Roman" panose="02020603050405020304" pitchFamily="18" charset="0"/>
+              </a:rPr>
+              <a:t>文件夹名</a:t>
+            </a:r>
+          </a:p>
+          <a:p>
+            <a:pPr algn="just"/>
+            <a:r>
+              <a:rPr lang="en-US" altLang="zh-CN" sz="1800" kern="100" dirty="0" err="1">
+                <a:effectLst/>
+                <a:latin typeface="等线" panose="02010600030101010101" pitchFamily="2" charset="-122"/>
+                <a:ea typeface="等线" panose="02010600030101010101" pitchFamily="2" charset="-122"/>
+                <a:cs typeface="Times New Roman" panose="02020603050405020304" pitchFamily="18" charset="0"/>
+              </a:rPr>
+              <a:t>systemctl</a:t>
+            </a:r>
+            <a:r>
+              <a:rPr lang="zh-CN" altLang="zh-CN" sz="1800" kern="100" dirty="0">
+                <a:effectLst/>
+                <a:latin typeface="等线" panose="02010600030101010101" pitchFamily="2" charset="-122"/>
+                <a:ea typeface="等线" panose="02010600030101010101" pitchFamily="2" charset="-122"/>
+                <a:cs typeface="Times New Roman" panose="02020603050405020304" pitchFamily="18" charset="0"/>
+              </a:rPr>
+              <a:t>：控制系统服务</a:t>
+            </a:r>
+          </a:p>
+          <a:p>
+            <a:pPr algn="just"/>
+            <a:r>
+              <a:rPr lang="en-US" altLang="zh-CN" sz="1800" kern="100" dirty="0">
+                <a:effectLst/>
+                <a:latin typeface="等线" panose="02010600030101010101" pitchFamily="2" charset="-122"/>
+                <a:ea typeface="等线" panose="02010600030101010101" pitchFamily="2" charset="-122"/>
+                <a:cs typeface="Times New Roman" panose="02020603050405020304" pitchFamily="18" charset="0"/>
+              </a:rPr>
+              <a:t>	</a:t>
+            </a:r>
+            <a:r>
+              <a:rPr lang="zh-CN" altLang="zh-CN" sz="1800" kern="100" dirty="0">
+                <a:effectLst/>
+                <a:latin typeface="等线" panose="02010600030101010101" pitchFamily="2" charset="-122"/>
+                <a:ea typeface="等线" panose="02010600030101010101" pitchFamily="2" charset="-122"/>
+                <a:cs typeface="Times New Roman" panose="02020603050405020304" pitchFamily="18" charset="0"/>
+              </a:rPr>
+              <a:t>启动服务：</a:t>
+            </a:r>
+            <a:r>
+              <a:rPr lang="en-US" altLang="zh-CN" sz="1800" kern="100" dirty="0" err="1">
+                <a:effectLst/>
+                <a:latin typeface="等线" panose="02010600030101010101" pitchFamily="2" charset="-122"/>
+                <a:ea typeface="等线" panose="02010600030101010101" pitchFamily="2" charset="-122"/>
+                <a:cs typeface="Times New Roman" panose="02020603050405020304" pitchFamily="18" charset="0"/>
+              </a:rPr>
+              <a:t>systemctl</a:t>
+            </a:r>
+            <a:r>
+              <a:rPr lang="en-US" altLang="zh-CN" sz="1800" kern="100" dirty="0">
+                <a:effectLst/>
+                <a:latin typeface="等线" panose="02010600030101010101" pitchFamily="2" charset="-122"/>
+                <a:ea typeface="等线" panose="02010600030101010101" pitchFamily="2" charset="-122"/>
+                <a:cs typeface="Times New Roman" panose="02020603050405020304" pitchFamily="18" charset="0"/>
+              </a:rPr>
+              <a:t> start </a:t>
+            </a:r>
+            <a:r>
+              <a:rPr lang="zh-CN" altLang="zh-CN" sz="1800" kern="100" dirty="0">
+                <a:effectLst/>
+                <a:latin typeface="等线" panose="02010600030101010101" pitchFamily="2" charset="-122"/>
+                <a:ea typeface="等线" panose="02010600030101010101" pitchFamily="2" charset="-122"/>
+                <a:cs typeface="Times New Roman" panose="02020603050405020304" pitchFamily="18" charset="0"/>
+              </a:rPr>
+              <a:t>服务 </a:t>
+            </a:r>
+          </a:p>
+          <a:p>
+            <a:pPr algn="just"/>
+            <a:r>
+              <a:rPr lang="en-US" altLang="zh-CN" sz="1800" kern="100" dirty="0">
+                <a:effectLst/>
+                <a:latin typeface="等线" panose="02010600030101010101" pitchFamily="2" charset="-122"/>
+                <a:ea typeface="等线" panose="02010600030101010101" pitchFamily="2" charset="-122"/>
+                <a:cs typeface="Times New Roman" panose="02020603050405020304" pitchFamily="18" charset="0"/>
+              </a:rPr>
+              <a:t>	</a:t>
+            </a:r>
+            <a:r>
+              <a:rPr lang="zh-CN" altLang="zh-CN" sz="1800" kern="100" dirty="0">
+                <a:effectLst/>
+                <a:latin typeface="等线" panose="02010600030101010101" pitchFamily="2" charset="-122"/>
+                <a:ea typeface="等线" panose="02010600030101010101" pitchFamily="2" charset="-122"/>
+                <a:cs typeface="Times New Roman" panose="02020603050405020304" pitchFamily="18" charset="0"/>
+              </a:rPr>
+              <a:t>关闭服务：</a:t>
+            </a:r>
+            <a:r>
+              <a:rPr lang="en-US" altLang="zh-CN" sz="1800" kern="100" dirty="0" err="1">
+                <a:effectLst/>
+                <a:latin typeface="等线" panose="02010600030101010101" pitchFamily="2" charset="-122"/>
+                <a:ea typeface="等线" panose="02010600030101010101" pitchFamily="2" charset="-122"/>
+                <a:cs typeface="Times New Roman" panose="02020603050405020304" pitchFamily="18" charset="0"/>
+              </a:rPr>
+              <a:t>systemctl</a:t>
+            </a:r>
+            <a:r>
+              <a:rPr lang="en-US" altLang="zh-CN" sz="1800" kern="100" dirty="0">
+                <a:effectLst/>
+                <a:latin typeface="等线" panose="02010600030101010101" pitchFamily="2" charset="-122"/>
+                <a:ea typeface="等线" panose="02010600030101010101" pitchFamily="2" charset="-122"/>
+                <a:cs typeface="Times New Roman" panose="02020603050405020304" pitchFamily="18" charset="0"/>
+              </a:rPr>
+              <a:t> stop </a:t>
+            </a:r>
+            <a:r>
+              <a:rPr lang="zh-CN" altLang="zh-CN" sz="1800" kern="100" dirty="0">
+                <a:effectLst/>
+                <a:latin typeface="等线" panose="02010600030101010101" pitchFamily="2" charset="-122"/>
+                <a:ea typeface="等线" panose="02010600030101010101" pitchFamily="2" charset="-122"/>
+                <a:cs typeface="Times New Roman" panose="02020603050405020304" pitchFamily="18" charset="0"/>
+              </a:rPr>
+              <a:t>服务</a:t>
+            </a:r>
+          </a:p>
+          <a:p>
+            <a:pPr algn="just"/>
+            <a:r>
+              <a:rPr lang="en-US" altLang="zh-CN" sz="1800" kern="100" dirty="0">
+                <a:effectLst/>
+                <a:latin typeface="等线" panose="02010600030101010101" pitchFamily="2" charset="-122"/>
+                <a:ea typeface="等线" panose="02010600030101010101" pitchFamily="2" charset="-122"/>
+                <a:cs typeface="Times New Roman" panose="02020603050405020304" pitchFamily="18" charset="0"/>
+              </a:rPr>
+              <a:t>	</a:t>
+            </a:r>
+            <a:r>
+              <a:rPr lang="zh-CN" altLang="zh-CN" sz="1800" kern="100" dirty="0">
+                <a:effectLst/>
+                <a:latin typeface="等线" panose="02010600030101010101" pitchFamily="2" charset="-122"/>
+                <a:ea typeface="等线" panose="02010600030101010101" pitchFamily="2" charset="-122"/>
+                <a:cs typeface="Times New Roman" panose="02020603050405020304" pitchFamily="18" charset="0"/>
+              </a:rPr>
+              <a:t>查看状态：</a:t>
+            </a:r>
+            <a:r>
+              <a:rPr lang="en-US" altLang="zh-CN" sz="1800" kern="100" dirty="0" err="1">
+                <a:effectLst/>
+                <a:latin typeface="等线" panose="02010600030101010101" pitchFamily="2" charset="-122"/>
+                <a:ea typeface="等线" panose="02010600030101010101" pitchFamily="2" charset="-122"/>
+                <a:cs typeface="Times New Roman" panose="02020603050405020304" pitchFamily="18" charset="0"/>
+              </a:rPr>
+              <a:t>systemctl</a:t>
+            </a:r>
+            <a:r>
+              <a:rPr lang="en-US" altLang="zh-CN" sz="1800" kern="100" dirty="0">
+                <a:effectLst/>
+                <a:latin typeface="等线" panose="02010600030101010101" pitchFamily="2" charset="-122"/>
+                <a:ea typeface="等线" panose="02010600030101010101" pitchFamily="2" charset="-122"/>
+                <a:cs typeface="Times New Roman" panose="02020603050405020304" pitchFamily="18" charset="0"/>
+              </a:rPr>
+              <a:t> status </a:t>
+            </a:r>
+            <a:r>
+              <a:rPr lang="zh-CN" altLang="zh-CN" sz="1800" kern="100" dirty="0">
+                <a:effectLst/>
+                <a:latin typeface="等线" panose="02010600030101010101" pitchFamily="2" charset="-122"/>
+                <a:ea typeface="等线" panose="02010600030101010101" pitchFamily="2" charset="-122"/>
+                <a:cs typeface="Times New Roman" panose="02020603050405020304" pitchFamily="18" charset="0"/>
+              </a:rPr>
+              <a:t>服务</a:t>
+            </a:r>
+          </a:p>
+          <a:p>
+            <a:pPr algn="just"/>
+            <a:r>
+              <a:rPr lang="en-US" altLang="zh-CN" sz="1800" kern="100" dirty="0">
+                <a:effectLst/>
+                <a:latin typeface="等线" panose="02010600030101010101" pitchFamily="2" charset="-122"/>
+                <a:ea typeface="等线" panose="02010600030101010101" pitchFamily="2" charset="-122"/>
+                <a:cs typeface="Times New Roman" panose="02020603050405020304" pitchFamily="18" charset="0"/>
+              </a:rPr>
+              <a:t>	</a:t>
+            </a:r>
+            <a:r>
+              <a:rPr lang="zh-CN" altLang="zh-CN" sz="1800" kern="100" dirty="0">
+                <a:effectLst/>
+                <a:latin typeface="等线" panose="02010600030101010101" pitchFamily="2" charset="-122"/>
+                <a:ea typeface="等线" panose="02010600030101010101" pitchFamily="2" charset="-122"/>
+                <a:cs typeface="Times New Roman" panose="02020603050405020304" pitchFamily="18" charset="0"/>
+              </a:rPr>
+              <a:t>开机自启：</a:t>
+            </a:r>
+            <a:r>
+              <a:rPr lang="en-US" altLang="zh-CN" sz="1800" kern="100" dirty="0" err="1">
+                <a:effectLst/>
+                <a:latin typeface="等线" panose="02010600030101010101" pitchFamily="2" charset="-122"/>
+                <a:ea typeface="等线" panose="02010600030101010101" pitchFamily="2" charset="-122"/>
+                <a:cs typeface="Times New Roman" panose="02020603050405020304" pitchFamily="18" charset="0"/>
+              </a:rPr>
+              <a:t>systemctl</a:t>
+            </a:r>
+            <a:r>
+              <a:rPr lang="en-US" altLang="zh-CN" sz="1800" kern="100" dirty="0">
+                <a:effectLst/>
+                <a:latin typeface="等线" panose="02010600030101010101" pitchFamily="2" charset="-122"/>
+                <a:ea typeface="等线" panose="02010600030101010101" pitchFamily="2" charset="-122"/>
+                <a:cs typeface="Times New Roman" panose="02020603050405020304" pitchFamily="18" charset="0"/>
+              </a:rPr>
+              <a:t> enable </a:t>
+            </a:r>
+            <a:r>
+              <a:rPr lang="zh-CN" altLang="zh-CN" sz="1800" kern="100" dirty="0">
+                <a:effectLst/>
+                <a:latin typeface="等线" panose="02010600030101010101" pitchFamily="2" charset="-122"/>
+                <a:ea typeface="等线" panose="02010600030101010101" pitchFamily="2" charset="-122"/>
+                <a:cs typeface="Times New Roman" panose="02020603050405020304" pitchFamily="18" charset="0"/>
+              </a:rPr>
+              <a:t>服务</a:t>
+            </a:r>
+          </a:p>
+          <a:p>
+            <a:pPr algn="just"/>
+            <a:r>
+              <a:rPr lang="en-US" altLang="zh-CN" sz="1800" kern="100" dirty="0">
+                <a:effectLst/>
+                <a:latin typeface="等线" panose="02010600030101010101" pitchFamily="2" charset="-122"/>
+                <a:ea typeface="等线" panose="02010600030101010101" pitchFamily="2" charset="-122"/>
+                <a:cs typeface="Times New Roman" panose="02020603050405020304" pitchFamily="18" charset="0"/>
+              </a:rPr>
+              <a:t>	</a:t>
+            </a:r>
+            <a:r>
+              <a:rPr lang="zh-CN" altLang="zh-CN" sz="1800" kern="100" dirty="0">
+                <a:effectLst/>
+                <a:latin typeface="等线" panose="02010600030101010101" pitchFamily="2" charset="-122"/>
+                <a:ea typeface="等线" panose="02010600030101010101" pitchFamily="2" charset="-122"/>
+                <a:cs typeface="Times New Roman" panose="02020603050405020304" pitchFamily="18" charset="0"/>
+              </a:rPr>
+              <a:t>取消自启：</a:t>
+            </a:r>
+            <a:r>
+              <a:rPr lang="en-US" altLang="zh-CN" sz="1800" kern="100" dirty="0" err="1">
+                <a:effectLst/>
+                <a:latin typeface="等线" panose="02010600030101010101" pitchFamily="2" charset="-122"/>
+                <a:ea typeface="等线" panose="02010600030101010101" pitchFamily="2" charset="-122"/>
+                <a:cs typeface="Times New Roman" panose="02020603050405020304" pitchFamily="18" charset="0"/>
+              </a:rPr>
+              <a:t>systemctl</a:t>
+            </a:r>
+            <a:r>
+              <a:rPr lang="en-US" altLang="zh-CN" sz="1800" kern="100" dirty="0">
+                <a:effectLst/>
+                <a:latin typeface="等线" panose="02010600030101010101" pitchFamily="2" charset="-122"/>
+                <a:ea typeface="等线" panose="02010600030101010101" pitchFamily="2" charset="-122"/>
+                <a:cs typeface="Times New Roman" panose="02020603050405020304" pitchFamily="18" charset="0"/>
+              </a:rPr>
+              <a:t> disable </a:t>
+            </a:r>
+            <a:r>
+              <a:rPr lang="zh-CN" altLang="zh-CN" sz="1800" kern="100" dirty="0">
+                <a:effectLst/>
+                <a:latin typeface="等线" panose="02010600030101010101" pitchFamily="2" charset="-122"/>
+                <a:ea typeface="等线" panose="02010600030101010101" pitchFamily="2" charset="-122"/>
+                <a:cs typeface="Times New Roman" panose="02020603050405020304" pitchFamily="18" charset="0"/>
+              </a:rPr>
+              <a:t>服务</a:t>
+            </a:r>
+          </a:p>
+          <a:p>
+            <a:pPr algn="just"/>
+            <a:r>
+              <a:rPr lang="en-US" altLang="zh-CN" sz="1800" kern="100" dirty="0">
+                <a:effectLst/>
+                <a:latin typeface="等线" panose="02010600030101010101" pitchFamily="2" charset="-122"/>
+                <a:ea typeface="等线" panose="02010600030101010101" pitchFamily="2" charset="-122"/>
+                <a:cs typeface="Times New Roman" panose="02020603050405020304" pitchFamily="18" charset="0"/>
+              </a:rPr>
+              <a:t> </a:t>
+            </a:r>
+            <a:endParaRPr lang="zh-CN" altLang="zh-CN" sz="1800" kern="100" dirty="0">
+              <a:effectLst/>
+              <a:latin typeface="等线" panose="02010600030101010101" pitchFamily="2" charset="-122"/>
+              <a:ea typeface="等线" panose="02010600030101010101" pitchFamily="2" charset="-122"/>
+              <a:cs typeface="Times New Roman" panose="02020603050405020304" pitchFamily="18" charset="0"/>
+            </a:endParaRPr>
+          </a:p>
+          <a:p>
+            <a:pPr algn="just"/>
+            <a:r>
+              <a:rPr lang="en-US" altLang="zh-CN" sz="1800" kern="100" dirty="0">
+                <a:effectLst/>
+                <a:latin typeface="等线" panose="02010600030101010101" pitchFamily="2" charset="-122"/>
+                <a:ea typeface="等线" panose="02010600030101010101" pitchFamily="2" charset="-122"/>
+                <a:cs typeface="Times New Roman" panose="02020603050405020304" pitchFamily="18" charset="0"/>
+              </a:rPr>
+              <a:t>netstat</a:t>
+            </a:r>
+            <a:r>
+              <a:rPr lang="zh-CN" altLang="zh-CN" sz="1800" kern="100" dirty="0">
+                <a:effectLst/>
+                <a:latin typeface="等线" panose="02010600030101010101" pitchFamily="2" charset="-122"/>
+                <a:ea typeface="等线" panose="02010600030101010101" pitchFamily="2" charset="-122"/>
+                <a:cs typeface="Times New Roman" panose="02020603050405020304" pitchFamily="18" charset="0"/>
+              </a:rPr>
+              <a:t>：查看某个端口的有哪些</a:t>
+            </a:r>
+            <a:r>
+              <a:rPr lang="en-US" altLang="zh-CN" sz="1800" kern="100" dirty="0" err="1">
+                <a:effectLst/>
+                <a:latin typeface="等线" panose="02010600030101010101" pitchFamily="2" charset="-122"/>
+                <a:ea typeface="等线" panose="02010600030101010101" pitchFamily="2" charset="-122"/>
+                <a:cs typeface="Times New Roman" panose="02020603050405020304" pitchFamily="18" charset="0"/>
+              </a:rPr>
+              <a:t>ip</a:t>
+            </a:r>
+            <a:r>
+              <a:rPr lang="zh-CN" altLang="zh-CN" sz="1800" kern="100" dirty="0">
+                <a:effectLst/>
+                <a:latin typeface="等线" panose="02010600030101010101" pitchFamily="2" charset="-122"/>
+                <a:ea typeface="等线" panose="02010600030101010101" pitchFamily="2" charset="-122"/>
+                <a:cs typeface="Times New Roman" panose="02020603050405020304" pitchFamily="18" charset="0"/>
+              </a:rPr>
+              <a:t>已连接、查看处于各种状态的</a:t>
+            </a:r>
+            <a:r>
+              <a:rPr lang="en-US" altLang="zh-CN" sz="1800" kern="100" dirty="0">
+                <a:effectLst/>
+                <a:latin typeface="等线" panose="02010600030101010101" pitchFamily="2" charset="-122"/>
+                <a:ea typeface="等线" panose="02010600030101010101" pitchFamily="2" charset="-122"/>
+                <a:cs typeface="Times New Roman" panose="02020603050405020304" pitchFamily="18" charset="0"/>
+              </a:rPr>
+              <a:t>TCP/UDP/</a:t>
+            </a:r>
+            <a:r>
+              <a:rPr lang="zh-CN" altLang="zh-CN" sz="1800" kern="100" dirty="0">
+                <a:effectLst/>
+                <a:latin typeface="等线" panose="02010600030101010101" pitchFamily="2" charset="-122"/>
+                <a:ea typeface="等线" panose="02010600030101010101" pitchFamily="2" charset="-122"/>
+                <a:cs typeface="Times New Roman" panose="02020603050405020304" pitchFamily="18" charset="0"/>
+              </a:rPr>
+              <a:t>本地套接字连接</a:t>
+            </a:r>
+          </a:p>
+          <a:p>
+            <a:pPr algn="just"/>
+            <a:r>
+              <a:rPr lang="en-US" altLang="zh-CN" sz="1800" kern="100" dirty="0" err="1">
+                <a:effectLst/>
+                <a:latin typeface="等线" panose="02010600030101010101" pitchFamily="2" charset="-122"/>
+                <a:ea typeface="等线" panose="02010600030101010101" pitchFamily="2" charset="-122"/>
+                <a:cs typeface="Times New Roman" panose="02020603050405020304" pitchFamily="18" charset="0"/>
+              </a:rPr>
+              <a:t>ps</a:t>
+            </a:r>
+            <a:r>
+              <a:rPr lang="zh-CN" altLang="zh-CN" sz="1800" kern="100" dirty="0">
+                <a:effectLst/>
+                <a:latin typeface="等线" panose="02010600030101010101" pitchFamily="2" charset="-122"/>
+                <a:ea typeface="等线" panose="02010600030101010101" pitchFamily="2" charset="-122"/>
+                <a:cs typeface="Times New Roman" panose="02020603050405020304" pitchFamily="18" charset="0"/>
+              </a:rPr>
+              <a:t>：查看进程状态</a:t>
+            </a:r>
+          </a:p>
+          <a:p>
+            <a:pPr algn="just"/>
+            <a:r>
+              <a:rPr lang="en-US" altLang="zh-CN" sz="1800" kern="100" dirty="0">
+                <a:effectLst/>
+                <a:latin typeface="等线" panose="02010600030101010101" pitchFamily="2" charset="-122"/>
+                <a:ea typeface="等线" panose="02010600030101010101" pitchFamily="2" charset="-122"/>
+                <a:cs typeface="Times New Roman" panose="02020603050405020304" pitchFamily="18" charset="0"/>
+              </a:rPr>
+              <a:t>	</a:t>
+            </a:r>
+            <a:r>
+              <a:rPr lang="en-US" altLang="zh-CN" sz="1800" kern="100" dirty="0" err="1">
+                <a:effectLst/>
+                <a:latin typeface="等线" panose="02010600030101010101" pitchFamily="2" charset="-122"/>
+                <a:ea typeface="等线" panose="02010600030101010101" pitchFamily="2" charset="-122"/>
+                <a:cs typeface="Times New Roman" panose="02020603050405020304" pitchFamily="18" charset="0"/>
+              </a:rPr>
+              <a:t>ps</a:t>
+            </a:r>
+            <a:r>
+              <a:rPr lang="en-US" altLang="zh-CN" sz="1800" kern="100" dirty="0">
+                <a:effectLst/>
+                <a:latin typeface="等线" panose="02010600030101010101" pitchFamily="2" charset="-122"/>
+                <a:ea typeface="等线" panose="02010600030101010101" pitchFamily="2" charset="-122"/>
+                <a:cs typeface="Times New Roman" panose="02020603050405020304" pitchFamily="18" charset="0"/>
+              </a:rPr>
+              <a:t> -</a:t>
+            </a:r>
+            <a:r>
+              <a:rPr lang="en-US" altLang="zh-CN" sz="1800" kern="100" dirty="0" err="1">
+                <a:effectLst/>
+                <a:latin typeface="等线" panose="02010600030101010101" pitchFamily="2" charset="-122"/>
+                <a:ea typeface="等线" panose="02010600030101010101" pitchFamily="2" charset="-122"/>
+                <a:cs typeface="Times New Roman" panose="02020603050405020304" pitchFamily="18" charset="0"/>
+              </a:rPr>
+              <a:t>ef</a:t>
+            </a:r>
+            <a:r>
+              <a:rPr lang="zh-CN" altLang="zh-CN" sz="1800" kern="100" dirty="0">
+                <a:effectLst/>
+                <a:latin typeface="等线" panose="02010600030101010101" pitchFamily="2" charset="-122"/>
+                <a:ea typeface="等线" panose="02010600030101010101" pitchFamily="2" charset="-122"/>
+                <a:cs typeface="Times New Roman" panose="02020603050405020304" pitchFamily="18" charset="0"/>
+              </a:rPr>
+              <a:t>：简略</a:t>
+            </a:r>
+          </a:p>
+          <a:p>
+            <a:pPr algn="just"/>
+            <a:r>
+              <a:rPr lang="en-US" altLang="zh-CN" sz="1800" kern="100" dirty="0">
+                <a:effectLst/>
+                <a:latin typeface="等线" panose="02010600030101010101" pitchFamily="2" charset="-122"/>
+                <a:ea typeface="等线" panose="02010600030101010101" pitchFamily="2" charset="-122"/>
+                <a:cs typeface="Times New Roman" panose="02020603050405020304" pitchFamily="18" charset="0"/>
+              </a:rPr>
+              <a:t>	</a:t>
+            </a:r>
+            <a:r>
+              <a:rPr lang="en-US" altLang="zh-CN" sz="1800" kern="100" dirty="0" err="1">
+                <a:effectLst/>
+                <a:latin typeface="等线" panose="02010600030101010101" pitchFamily="2" charset="-122"/>
+                <a:ea typeface="等线" panose="02010600030101010101" pitchFamily="2" charset="-122"/>
+                <a:cs typeface="Times New Roman" panose="02020603050405020304" pitchFamily="18" charset="0"/>
+              </a:rPr>
+              <a:t>ps</a:t>
+            </a:r>
+            <a:r>
+              <a:rPr lang="en-US" altLang="zh-CN" sz="1800" kern="100" dirty="0">
+                <a:effectLst/>
+                <a:latin typeface="等线" panose="02010600030101010101" pitchFamily="2" charset="-122"/>
+                <a:ea typeface="等线" panose="02010600030101010101" pitchFamily="2" charset="-122"/>
+                <a:cs typeface="Times New Roman" panose="02020603050405020304" pitchFamily="18" charset="0"/>
+              </a:rPr>
+              <a:t> aux</a:t>
+            </a:r>
+            <a:r>
+              <a:rPr lang="zh-CN" altLang="zh-CN" sz="1800" kern="100" dirty="0">
+                <a:effectLst/>
+                <a:latin typeface="等线" panose="02010600030101010101" pitchFamily="2" charset="-122"/>
+                <a:ea typeface="等线" panose="02010600030101010101" pitchFamily="2" charset="-122"/>
+                <a:cs typeface="Times New Roman" panose="02020603050405020304" pitchFamily="18" charset="0"/>
+              </a:rPr>
+              <a:t>：详细</a:t>
+            </a:r>
+          </a:p>
+          <a:p>
+            <a:pPr algn="l"/>
+            <a:r>
+              <a:rPr lang="en-US" altLang="zh-CN" sz="1800" kern="100" dirty="0">
+                <a:effectLst/>
+                <a:latin typeface="等线" panose="02010600030101010101" pitchFamily="2" charset="-122"/>
+                <a:ea typeface="等线" panose="02010600030101010101" pitchFamily="2" charset="-122"/>
+                <a:cs typeface="Times New Roman" panose="02020603050405020304" pitchFamily="18" charset="0"/>
+              </a:rPr>
+              <a:t>top</a:t>
+            </a:r>
+            <a:r>
+              <a:rPr lang="zh-CN" altLang="zh-CN" sz="1800" kern="100" dirty="0">
+                <a:effectLst/>
+                <a:latin typeface="等线" panose="02010600030101010101" pitchFamily="2" charset="-122"/>
+                <a:ea typeface="等线" panose="02010600030101010101" pitchFamily="2" charset="-122"/>
+                <a:cs typeface="Times New Roman" panose="02020603050405020304" pitchFamily="18" charset="0"/>
+              </a:rPr>
+              <a:t>：实时查看进程状态（包括内存占用、</a:t>
+            </a:r>
+            <a:r>
+              <a:rPr lang="en-US" altLang="zh-CN" sz="1800" kern="100" dirty="0">
+                <a:effectLst/>
+                <a:latin typeface="等线" panose="02010600030101010101" pitchFamily="2" charset="-122"/>
+                <a:ea typeface="等线" panose="02010600030101010101" pitchFamily="2" charset="-122"/>
+                <a:cs typeface="Times New Roman" panose="02020603050405020304" pitchFamily="18" charset="0"/>
+              </a:rPr>
+              <a:t>CPU</a:t>
+            </a:r>
+            <a:r>
+              <a:rPr lang="zh-CN" altLang="zh-CN" sz="1800" kern="100" dirty="0">
+                <a:effectLst/>
+                <a:latin typeface="等线" panose="02010600030101010101" pitchFamily="2" charset="-122"/>
+                <a:ea typeface="等线" panose="02010600030101010101" pitchFamily="2" charset="-122"/>
+                <a:cs typeface="Times New Roman" panose="02020603050405020304" pitchFamily="18" charset="0"/>
+              </a:rPr>
+              <a:t>占用等）</a:t>
+            </a:r>
+          </a:p>
+          <a:p>
+            <a:pPr algn="l"/>
+            <a:r>
+              <a:rPr lang="en-US" altLang="zh-CN" sz="1800" kern="100" dirty="0" err="1">
+                <a:effectLst/>
+                <a:latin typeface="等线" panose="02010600030101010101" pitchFamily="2" charset="-122"/>
+                <a:ea typeface="等线" panose="02010600030101010101" pitchFamily="2" charset="-122"/>
+                <a:cs typeface="Times New Roman" panose="02020603050405020304" pitchFamily="18" charset="0"/>
+              </a:rPr>
+              <a:t>lsof</a:t>
+            </a:r>
+            <a:r>
+              <a:rPr lang="zh-CN" altLang="zh-CN" sz="1800" kern="100" dirty="0">
+                <a:effectLst/>
+                <a:latin typeface="等线" panose="02010600030101010101" pitchFamily="2" charset="-122"/>
+                <a:ea typeface="等线" panose="02010600030101010101" pitchFamily="2" charset="-122"/>
+                <a:cs typeface="Times New Roman" panose="02020603050405020304" pitchFamily="18" charset="0"/>
+              </a:rPr>
+              <a:t>：列出当前系统打开文件情况</a:t>
+            </a:r>
+          </a:p>
+        </p:txBody>
+      </p:sp>
+    </p:spTree>
+    <p:extLst>
+      <p:ext uri="{BB962C8B-B14F-4D97-AF65-F5344CB8AC3E}">
+        <p14:creationId xmlns:p14="http://schemas.microsoft.com/office/powerpoint/2010/main" val="3668879343"/>
+      </p:ext>
+    </p:extLst>
+  </p:cSld>
+  <p:clrMapOvr>
+    <a:masterClrMapping/>
+  </p:clrMapOvr>
+</p:sld>
+</file>
+
+<file path=ppt/slides/slide2.xml><?xml version="1.0" encoding="utf-8"?>
+<p:sld xmlns:a="http://schemas.openxmlformats.org/drawingml/2006/main" xmlns:r="http://schemas.openxmlformats.org/officeDocument/2006/relationships" xmlns:p="http://schemas.openxmlformats.org/presentationml/2006/main">
+  <p:cSld>
+    <p:spTree>
+      <p:nvGrpSpPr>
+        <p:cNvPr id="1" name=""/>
+        <p:cNvGrpSpPr/>
+        <p:nvPr/>
+      </p:nvGrpSpPr>
+      <p:grpSpPr>
+        <a:xfrm>
+          <a:off x="0" y="0"/>
+          <a:ext cx="0" cy="0"/>
+          <a:chOff x="0" y="0"/>
+          <a:chExt cx="0" cy="0"/>
+        </a:xfrm>
+      </p:grpSpPr>
+      <p:sp>
+        <p:nvSpPr>
+          <p:cNvPr id="4" name="文本框 3">
+            <a:extLst>
+              <a:ext uri="{FF2B5EF4-FFF2-40B4-BE49-F238E27FC236}">
+                <a16:creationId xmlns:a16="http://schemas.microsoft.com/office/drawing/2014/main" id="{89C31E6B-E63A-4973-985B-7241719E1549}"/>
+              </a:ext>
+            </a:extLst>
+          </p:cNvPr>
+          <p:cNvSpPr txBox="1"/>
+          <p:nvPr/>
+        </p:nvSpPr>
+        <p:spPr>
+          <a:xfrm>
+            <a:off x="4514074" y="2497976"/>
+            <a:ext cx="3163852" cy="1862048"/>
+          </a:xfrm>
+          <a:prstGeom prst="rect">
+            <a:avLst/>
+          </a:prstGeom>
+          <a:noFill/>
+        </p:spPr>
+        <p:txBody>
+          <a:bodyPr wrap="square" rtlCol="0">
+            <a:spAutoFit/>
+          </a:bodyPr>
+          <a:lstStyle/>
+          <a:p>
+            <a:r>
+              <a:rPr lang="zh-CN" altLang="en-US" sz="11500" b="1" kern="100" dirty="0">
+                <a:solidFill>
+                  <a:srgbClr val="2C3E50"/>
+                </a:solidFill>
+                <a:effectLst/>
+                <a:latin typeface="Segoe UI" panose="020B0502040204020203" pitchFamily="34" charset="0"/>
+                <a:ea typeface="等线 Light" panose="02010600030101010101" pitchFamily="2" charset="-122"/>
+                <a:cs typeface="Segoe UI" panose="020B0502040204020203" pitchFamily="34" charset="0"/>
+              </a:rPr>
+              <a:t>项目</a:t>
+            </a:r>
+            <a:endParaRPr lang="zh-CN" altLang="zh-CN" sz="11500" b="1" kern="100" dirty="0">
+              <a:effectLst/>
+              <a:latin typeface="等线 Light" panose="02010600030101010101" pitchFamily="2" charset="-122"/>
+              <a:ea typeface="等线 Light" panose="02010600030101010101" pitchFamily="2" charset="-122"/>
+              <a:cs typeface="Times New Roman" panose="02020603050405020304" pitchFamily="18" charset="0"/>
+            </a:endParaRPr>
+          </a:p>
+        </p:txBody>
+      </p:sp>
+    </p:spTree>
+    <p:extLst>
+      <p:ext uri="{BB962C8B-B14F-4D97-AF65-F5344CB8AC3E}">
+        <p14:creationId xmlns:p14="http://schemas.microsoft.com/office/powerpoint/2010/main" val="88047804"/>
+      </p:ext>
+    </p:extLst>
+  </p:cSld>
+  <p:clrMapOvr>
+    <a:masterClrMapping/>
+  </p:clrMapOvr>
+</p:sld>
+</file>
+
+<file path=ppt/slides/slide3.xml><?xml version="1.0" encoding="utf-8"?>
+<p:sld xmlns:a="http://schemas.openxmlformats.org/drawingml/2006/main" xmlns:r="http://schemas.openxmlformats.org/officeDocument/2006/relationships" xmlns:p="http://schemas.openxmlformats.org/presentationml/2006/main">
+  <p:cSld>
+    <p:spTree>
+      <p:nvGrpSpPr>
+        <p:cNvPr id="1" name=""/>
+        <p:cNvGrpSpPr/>
+        <p:nvPr/>
+      </p:nvGrpSpPr>
+      <p:grpSpPr>
+        <a:xfrm>
+          <a:off x="0" y="0"/>
+          <a:ext cx="0" cy="0"/>
+          <a:chOff x="0" y="0"/>
+          <a:chExt cx="0" cy="0"/>
+        </a:xfrm>
+      </p:grpSpPr>
+      <p:sp>
+        <p:nvSpPr>
+          <p:cNvPr id="5" name="文本框 4">
+            <a:extLst>
+              <a:ext uri="{FF2B5EF4-FFF2-40B4-BE49-F238E27FC236}">
+                <a16:creationId xmlns:a16="http://schemas.microsoft.com/office/drawing/2014/main" id="{2ECEDAAE-5B91-4B74-9DB0-CB4EA46232F0}"/>
+              </a:ext>
+            </a:extLst>
+          </p:cNvPr>
+          <p:cNvSpPr txBox="1"/>
+          <p:nvPr/>
+        </p:nvSpPr>
+        <p:spPr>
+          <a:xfrm>
+            <a:off x="0" y="0"/>
+            <a:ext cx="3683637" cy="1200329"/>
+          </a:xfrm>
+          <a:prstGeom prst="rect">
+            <a:avLst/>
+          </a:prstGeom>
+          <a:noFill/>
+        </p:spPr>
+        <p:txBody>
+          <a:bodyPr wrap="none" rtlCol="0">
+            <a:spAutoFit/>
+          </a:bodyPr>
+          <a:lstStyle/>
+          <a:p>
+            <a:r>
+              <a:rPr lang="en-US" altLang="zh-CN" sz="7200" b="1" kern="100" dirty="0">
+                <a:solidFill>
+                  <a:srgbClr val="2C3E50"/>
+                </a:solidFill>
+                <a:effectLst/>
+                <a:latin typeface="Segoe UI" panose="020B0502040204020203" pitchFamily="34" charset="0"/>
+                <a:ea typeface="等线 Light" panose="02010600030101010101" pitchFamily="2" charset="-122"/>
+                <a:cs typeface="Segoe UI" panose="020B0502040204020203" pitchFamily="34" charset="0"/>
+              </a:rPr>
+              <a:t>TCP</a:t>
+            </a:r>
+            <a:r>
+              <a:rPr lang="zh-CN" altLang="en-US" sz="7200" b="1" kern="100" dirty="0">
+                <a:solidFill>
+                  <a:srgbClr val="2C3E50"/>
+                </a:solidFill>
+                <a:effectLst/>
+                <a:latin typeface="Segoe UI" panose="020B0502040204020203" pitchFamily="34" charset="0"/>
+                <a:ea typeface="等线 Light" panose="02010600030101010101" pitchFamily="2" charset="-122"/>
+                <a:cs typeface="Segoe UI" panose="020B0502040204020203" pitchFamily="34" charset="0"/>
+              </a:rPr>
+              <a:t>通信</a:t>
+            </a:r>
+            <a:endParaRPr lang="zh-CN" altLang="zh-CN" sz="7200" b="1" kern="100" dirty="0">
+              <a:effectLst/>
+              <a:latin typeface="等线 Light" panose="02010600030101010101" pitchFamily="2" charset="-122"/>
+              <a:ea typeface="等线 Light" panose="02010600030101010101" pitchFamily="2" charset="-122"/>
+              <a:cs typeface="Times New Roman" panose="02020603050405020304" pitchFamily="18" charset="0"/>
+            </a:endParaRPr>
+          </a:p>
+        </p:txBody>
+      </p:sp>
+      <p:pic>
+        <p:nvPicPr>
+          <p:cNvPr id="7" name="图片 6">
+            <a:extLst>
+              <a:ext uri="{FF2B5EF4-FFF2-40B4-BE49-F238E27FC236}">
+                <a16:creationId xmlns:a16="http://schemas.microsoft.com/office/drawing/2014/main" id="{9E7D4E48-7D3B-4A0B-A0F1-23813CF088CD}"/>
+              </a:ext>
+            </a:extLst>
+          </p:cNvPr>
+          <p:cNvPicPr>
+            <a:picLocks noChangeAspect="1"/>
+          </p:cNvPicPr>
+          <p:nvPr/>
+        </p:nvPicPr>
+        <p:blipFill>
+          <a:blip r:embed="rId2"/>
+          <a:stretch>
+            <a:fillRect/>
+          </a:stretch>
+        </p:blipFill>
+        <p:spPr>
+          <a:xfrm>
+            <a:off x="44900" y="1300223"/>
+            <a:ext cx="3638737" cy="5200917"/>
+          </a:xfrm>
+          <a:prstGeom prst="rect">
+            <a:avLst/>
+          </a:prstGeom>
+        </p:spPr>
+      </p:pic>
+      <p:sp>
+        <p:nvSpPr>
+          <p:cNvPr id="10" name="文本框 9">
+            <a:extLst>
+              <a:ext uri="{FF2B5EF4-FFF2-40B4-BE49-F238E27FC236}">
+                <a16:creationId xmlns:a16="http://schemas.microsoft.com/office/drawing/2014/main" id="{FE870EFD-B763-4BE8-AAD8-50EAA78ECB39}"/>
+              </a:ext>
+            </a:extLst>
+          </p:cNvPr>
+          <p:cNvSpPr txBox="1"/>
+          <p:nvPr/>
+        </p:nvSpPr>
+        <p:spPr>
+          <a:xfrm>
+            <a:off x="6791388" y="-1"/>
+            <a:ext cx="3433953" cy="1200329"/>
+          </a:xfrm>
+          <a:prstGeom prst="rect">
+            <a:avLst/>
+          </a:prstGeom>
+          <a:noFill/>
+        </p:spPr>
+        <p:txBody>
+          <a:bodyPr wrap="none" rtlCol="0">
+            <a:spAutoFit/>
+          </a:bodyPr>
+          <a:lstStyle/>
+          <a:p>
+            <a:r>
+              <a:rPr lang="en-US" altLang="zh-CN" sz="7200" b="1" kern="100" dirty="0">
+                <a:solidFill>
+                  <a:srgbClr val="2C3E50"/>
+                </a:solidFill>
+                <a:effectLst/>
+                <a:latin typeface="Segoe UI" panose="020B0502040204020203" pitchFamily="34" charset="0"/>
+                <a:ea typeface="等线 Light" panose="02010600030101010101" pitchFamily="2" charset="-122"/>
+                <a:cs typeface="Segoe UI" panose="020B0502040204020203" pitchFamily="34" charset="0"/>
+              </a:rPr>
+              <a:t>I/O</a:t>
+            </a:r>
+            <a:r>
+              <a:rPr lang="zh-CN" altLang="en-US" sz="7200" b="1" kern="100" dirty="0">
+                <a:solidFill>
+                  <a:srgbClr val="2C3E50"/>
+                </a:solidFill>
+                <a:effectLst/>
+                <a:latin typeface="Segoe UI" panose="020B0502040204020203" pitchFamily="34" charset="0"/>
+                <a:ea typeface="等线 Light" panose="02010600030101010101" pitchFamily="2" charset="-122"/>
+                <a:cs typeface="Segoe UI" panose="020B0502040204020203" pitchFamily="34" charset="0"/>
+              </a:rPr>
+              <a:t>模型</a:t>
+            </a:r>
+            <a:endParaRPr lang="zh-CN" altLang="zh-CN" sz="7200" b="1" kern="100" dirty="0">
+              <a:effectLst/>
+              <a:latin typeface="等线 Light" panose="02010600030101010101" pitchFamily="2" charset="-122"/>
+              <a:ea typeface="等线 Light" panose="02010600030101010101" pitchFamily="2" charset="-122"/>
+              <a:cs typeface="Times New Roman" panose="02020603050405020304" pitchFamily="18" charset="0"/>
+            </a:endParaRPr>
+          </a:p>
+        </p:txBody>
+      </p:sp>
+      <p:sp>
+        <p:nvSpPr>
+          <p:cNvPr id="11" name="文本框 10">
+            <a:extLst>
+              <a:ext uri="{FF2B5EF4-FFF2-40B4-BE49-F238E27FC236}">
+                <a16:creationId xmlns:a16="http://schemas.microsoft.com/office/drawing/2014/main" id="{5C5C34A0-D6F1-4BF4-B9CB-860EA4E37F14}"/>
+              </a:ext>
+            </a:extLst>
+          </p:cNvPr>
+          <p:cNvSpPr txBox="1"/>
+          <p:nvPr/>
+        </p:nvSpPr>
+        <p:spPr>
+          <a:xfrm>
+            <a:off x="5393698" y="1436170"/>
+            <a:ext cx="6777318" cy="1938992"/>
+          </a:xfrm>
+          <a:prstGeom prst="rect">
+            <a:avLst/>
+          </a:prstGeom>
+          <a:noFill/>
+        </p:spPr>
+        <p:txBody>
+          <a:bodyPr wrap="square">
+            <a:spAutoFit/>
+          </a:bodyPr>
+          <a:lstStyle/>
+          <a:p>
+            <a:pPr marL="457200" indent="-457200" algn="just">
+              <a:buAutoNum type="arabicPeriod"/>
+            </a:pPr>
+            <a:r>
+              <a:rPr lang="zh-CN" altLang="en-US" sz="2400" b="1" kern="100" dirty="0">
+                <a:solidFill>
+                  <a:srgbClr val="2C3E50"/>
+                </a:solidFill>
+                <a:effectLst/>
+                <a:latin typeface="等线" panose="02010600030101010101" pitchFamily="2" charset="-122"/>
+                <a:ea typeface="等线" panose="02010600030101010101" pitchFamily="2" charset="-122"/>
+                <a:cs typeface="Times New Roman" panose="02020603050405020304" pitchFamily="18" charset="0"/>
+              </a:rPr>
+              <a:t>阻塞</a:t>
+            </a:r>
+            <a:r>
+              <a:rPr lang="en-US" altLang="zh-CN" sz="2400" b="1" kern="100" dirty="0">
+                <a:solidFill>
+                  <a:srgbClr val="2C3E50"/>
+                </a:solidFill>
+                <a:effectLst/>
+                <a:latin typeface="等线" panose="02010600030101010101" pitchFamily="2" charset="-122"/>
+                <a:ea typeface="等线" panose="02010600030101010101" pitchFamily="2" charset="-122"/>
+                <a:cs typeface="Times New Roman" panose="02020603050405020304" pitchFamily="18" charset="0"/>
+              </a:rPr>
+              <a:t>IO</a:t>
+            </a:r>
+            <a:r>
+              <a:rPr lang="zh-CN" altLang="en-US" sz="2400" kern="100" dirty="0">
+                <a:solidFill>
+                  <a:srgbClr val="2C3E50"/>
+                </a:solidFill>
+                <a:effectLst/>
+                <a:latin typeface="等线" panose="02010600030101010101" pitchFamily="2" charset="-122"/>
+                <a:ea typeface="等线" panose="02010600030101010101" pitchFamily="2" charset="-122"/>
+                <a:cs typeface="Times New Roman" panose="02020603050405020304" pitchFamily="18" charset="0"/>
+              </a:rPr>
+              <a:t>：调用函数，阻塞等待数据准备和拷贝</a:t>
+            </a:r>
+            <a:endParaRPr lang="en-US" altLang="zh-CN" sz="2400" kern="100" dirty="0">
+              <a:solidFill>
+                <a:srgbClr val="2C3E50"/>
+              </a:solidFill>
+              <a:effectLst/>
+              <a:latin typeface="等线" panose="02010600030101010101" pitchFamily="2" charset="-122"/>
+              <a:ea typeface="等线" panose="02010600030101010101" pitchFamily="2" charset="-122"/>
+              <a:cs typeface="Times New Roman" panose="02020603050405020304" pitchFamily="18" charset="0"/>
+            </a:endParaRPr>
+          </a:p>
+          <a:p>
+            <a:pPr marL="457200" indent="-457200" algn="just">
+              <a:buAutoNum type="arabicPeriod"/>
+            </a:pPr>
+            <a:r>
+              <a:rPr lang="zh-CN" altLang="en-US" sz="2400" b="1" kern="100" dirty="0">
+                <a:solidFill>
+                  <a:srgbClr val="2C3E50"/>
+                </a:solidFill>
+                <a:latin typeface="等线" panose="02010600030101010101" pitchFamily="2" charset="-122"/>
+                <a:ea typeface="等线" panose="02010600030101010101" pitchFamily="2" charset="-122"/>
+                <a:cs typeface="Times New Roman" panose="02020603050405020304" pitchFamily="18" charset="0"/>
+              </a:rPr>
+              <a:t>非阻塞</a:t>
+            </a:r>
+            <a:r>
+              <a:rPr lang="en-US" altLang="zh-CN" sz="2400" b="1" kern="100" dirty="0">
+                <a:solidFill>
+                  <a:srgbClr val="2C3E50"/>
+                </a:solidFill>
+                <a:latin typeface="等线" panose="02010600030101010101" pitchFamily="2" charset="-122"/>
+                <a:ea typeface="等线" panose="02010600030101010101" pitchFamily="2" charset="-122"/>
+                <a:cs typeface="Times New Roman" panose="02020603050405020304" pitchFamily="18" charset="0"/>
+              </a:rPr>
+              <a:t>IO</a:t>
+            </a:r>
+            <a:r>
+              <a:rPr lang="zh-CN" altLang="en-US" sz="2400" kern="100" dirty="0">
+                <a:solidFill>
+                  <a:srgbClr val="2C3E50"/>
+                </a:solidFill>
+                <a:latin typeface="等线" panose="02010600030101010101" pitchFamily="2" charset="-122"/>
+                <a:ea typeface="等线" panose="02010600030101010101" pitchFamily="2" charset="-122"/>
+                <a:cs typeface="Times New Roman" panose="02020603050405020304" pitchFamily="18" charset="0"/>
+              </a:rPr>
+              <a:t>：数据准备可立即返回，拷贝阶段仍然是阻塞的</a:t>
+            </a:r>
+            <a:endParaRPr lang="en-US" altLang="zh-CN" sz="2400" kern="100" dirty="0">
+              <a:solidFill>
+                <a:srgbClr val="2C3E50"/>
+              </a:solidFill>
+              <a:latin typeface="等线" panose="02010600030101010101" pitchFamily="2" charset="-122"/>
+              <a:ea typeface="等线" panose="02010600030101010101" pitchFamily="2" charset="-122"/>
+              <a:cs typeface="Times New Roman" panose="02020603050405020304" pitchFamily="18" charset="0"/>
+            </a:endParaRPr>
+          </a:p>
+          <a:p>
+            <a:pPr marL="457200" indent="-457200" algn="just">
+              <a:buAutoNum type="arabicPeriod"/>
+            </a:pPr>
+            <a:r>
+              <a:rPr lang="en-US" altLang="zh-CN" sz="2400" b="1" kern="100" dirty="0">
+                <a:solidFill>
+                  <a:srgbClr val="2C3E50"/>
+                </a:solidFill>
+                <a:effectLst/>
+                <a:latin typeface="等线" panose="02010600030101010101" pitchFamily="2" charset="-122"/>
+                <a:ea typeface="等线" panose="02010600030101010101" pitchFamily="2" charset="-122"/>
+                <a:cs typeface="Times New Roman" panose="02020603050405020304" pitchFamily="18" charset="0"/>
+              </a:rPr>
+              <a:t>IO</a:t>
+            </a:r>
+            <a:r>
+              <a:rPr lang="zh-CN" altLang="en-US" sz="2400" b="1" kern="100" dirty="0">
+                <a:solidFill>
+                  <a:srgbClr val="2C3E50"/>
+                </a:solidFill>
+                <a:effectLst/>
+                <a:latin typeface="等线" panose="02010600030101010101" pitchFamily="2" charset="-122"/>
+                <a:ea typeface="等线" panose="02010600030101010101" pitchFamily="2" charset="-122"/>
+                <a:cs typeface="Times New Roman" panose="02020603050405020304" pitchFamily="18" charset="0"/>
+              </a:rPr>
+              <a:t>复用</a:t>
+            </a:r>
+            <a:r>
+              <a:rPr lang="zh-CN" altLang="en-US" sz="2400" kern="100" dirty="0">
+                <a:solidFill>
+                  <a:srgbClr val="2C3E50"/>
+                </a:solidFill>
+                <a:effectLst/>
+                <a:latin typeface="等线" panose="02010600030101010101" pitchFamily="2" charset="-122"/>
+                <a:ea typeface="等线" panose="02010600030101010101" pitchFamily="2" charset="-122"/>
+                <a:cs typeface="Times New Roman" panose="02020603050405020304" pitchFamily="18" charset="0"/>
+              </a:rPr>
+              <a:t>：一个进程监测多个</a:t>
+            </a:r>
+            <a:r>
+              <a:rPr lang="en-US" altLang="zh-CN" sz="2400" kern="100" dirty="0">
+                <a:solidFill>
+                  <a:srgbClr val="2C3E50"/>
+                </a:solidFill>
+                <a:effectLst/>
+                <a:latin typeface="等线" panose="02010600030101010101" pitchFamily="2" charset="-122"/>
+                <a:ea typeface="等线" panose="02010600030101010101" pitchFamily="2" charset="-122"/>
+                <a:cs typeface="Times New Roman" panose="02020603050405020304" pitchFamily="18" charset="0"/>
+              </a:rPr>
+              <a:t>IO</a:t>
+            </a:r>
+            <a:r>
+              <a:rPr lang="zh-CN" altLang="en-US" sz="2400" kern="100" dirty="0">
+                <a:solidFill>
+                  <a:srgbClr val="2C3E50"/>
+                </a:solidFill>
+                <a:effectLst/>
+                <a:latin typeface="等线" panose="02010600030101010101" pitchFamily="2" charset="-122"/>
+                <a:ea typeface="等线" panose="02010600030101010101" pitchFamily="2" charset="-122"/>
+                <a:cs typeface="Times New Roman" panose="02020603050405020304" pitchFamily="18" charset="0"/>
+              </a:rPr>
+              <a:t>操作</a:t>
+            </a:r>
+            <a:endParaRPr lang="en-US" altLang="zh-CN" sz="2400" kern="100" dirty="0">
+              <a:solidFill>
+                <a:srgbClr val="2C3E50"/>
+              </a:solidFill>
+              <a:effectLst/>
+              <a:latin typeface="等线" panose="02010600030101010101" pitchFamily="2" charset="-122"/>
+              <a:ea typeface="等线" panose="02010600030101010101" pitchFamily="2" charset="-122"/>
+              <a:cs typeface="Times New Roman" panose="02020603050405020304" pitchFamily="18" charset="0"/>
+            </a:endParaRPr>
+          </a:p>
+          <a:p>
+            <a:pPr marL="457200" indent="-457200" algn="just">
+              <a:buAutoNum type="arabicPeriod"/>
+            </a:pPr>
+            <a:r>
+              <a:rPr lang="zh-CN" altLang="en-US" sz="2400" b="1" kern="100" dirty="0">
+                <a:solidFill>
+                  <a:srgbClr val="2C3E50"/>
+                </a:solidFill>
+                <a:latin typeface="等线" panose="02010600030101010101" pitchFamily="2" charset="-122"/>
+                <a:ea typeface="等线" panose="02010600030101010101" pitchFamily="2" charset="-122"/>
+                <a:cs typeface="Times New Roman" panose="02020603050405020304" pitchFamily="18" charset="0"/>
+              </a:rPr>
+              <a:t>异步</a:t>
+            </a:r>
+            <a:r>
+              <a:rPr lang="zh-CN" altLang="en-US" sz="2400" kern="100" dirty="0">
+                <a:solidFill>
+                  <a:srgbClr val="2C3E50"/>
+                </a:solidFill>
+                <a:latin typeface="等线" panose="02010600030101010101" pitchFamily="2" charset="-122"/>
+                <a:ea typeface="等线" panose="02010600030101010101" pitchFamily="2" charset="-122"/>
+                <a:cs typeface="Times New Roman" panose="02020603050405020304" pitchFamily="18" charset="0"/>
+              </a:rPr>
+              <a:t>：</a:t>
+            </a:r>
+            <a:r>
+              <a:rPr lang="zh-CN" altLang="en-US" sz="2400" kern="100" dirty="0">
+                <a:solidFill>
+                  <a:srgbClr val="2C3E50"/>
+                </a:solidFill>
+                <a:effectLst/>
+                <a:latin typeface="等线" panose="02010600030101010101" pitchFamily="2" charset="-122"/>
+                <a:ea typeface="等线" panose="02010600030101010101" pitchFamily="2" charset="-122"/>
+                <a:cs typeface="Times New Roman" panose="02020603050405020304" pitchFamily="18" charset="0"/>
+              </a:rPr>
+              <a:t>数据准备和拷贝都非阻塞</a:t>
+            </a:r>
+            <a:endParaRPr lang="zh-CN" altLang="zh-CN" sz="2400" kern="100" dirty="0">
+              <a:solidFill>
+                <a:srgbClr val="2C3E50"/>
+              </a:solidFill>
+              <a:effectLst/>
+              <a:latin typeface="等线" panose="02010600030101010101" pitchFamily="2" charset="-122"/>
+              <a:ea typeface="等线" panose="02010600030101010101" pitchFamily="2" charset="-122"/>
+              <a:cs typeface="Times New Roman" panose="02020603050405020304" pitchFamily="18" charset="0"/>
+            </a:endParaRPr>
+          </a:p>
+        </p:txBody>
+      </p:sp>
+    </p:spTree>
+    <p:extLst>
+      <p:ext uri="{BB962C8B-B14F-4D97-AF65-F5344CB8AC3E}">
+        <p14:creationId xmlns:p14="http://schemas.microsoft.com/office/powerpoint/2010/main" val="1446531430"/>
+      </p:ext>
+    </p:extLst>
+  </p:cSld>
+  <p:clrMapOvr>
+    <a:masterClrMapping/>
+  </p:clrMapOvr>
+</p:sld>
+</file>
+
+<file path=ppt/slides/slide4.xml><?xml version="1.0" encoding="utf-8"?>
+<p:sld xmlns:a="http://schemas.openxmlformats.org/drawingml/2006/main" xmlns:r="http://schemas.openxmlformats.org/officeDocument/2006/relationships" xmlns:p="http://schemas.openxmlformats.org/presentationml/2006/main">
+  <p:cSld>
+    <p:spTree>
+      <p:nvGrpSpPr>
+        <p:cNvPr id="1" name=""/>
+        <p:cNvGrpSpPr/>
+        <p:nvPr/>
+      </p:nvGrpSpPr>
+      <p:grpSpPr>
+        <a:xfrm>
+          <a:off x="0" y="0"/>
+          <a:ext cx="0" cy="0"/>
+          <a:chOff x="0" y="0"/>
+          <a:chExt cx="0" cy="0"/>
+        </a:xfrm>
+      </p:grpSpPr>
+      <p:sp>
+        <p:nvSpPr>
+          <p:cNvPr id="6" name="文本框 5">
+            <a:extLst>
+              <a:ext uri="{FF2B5EF4-FFF2-40B4-BE49-F238E27FC236}">
+                <a16:creationId xmlns:a16="http://schemas.microsoft.com/office/drawing/2014/main" id="{58FF3F2D-D3E1-4852-B4D2-E698DDC57D48}"/>
+              </a:ext>
+            </a:extLst>
+          </p:cNvPr>
+          <p:cNvSpPr txBox="1"/>
+          <p:nvPr/>
+        </p:nvSpPr>
+        <p:spPr>
+          <a:xfrm>
+            <a:off x="6379270" y="88995"/>
+            <a:ext cx="5812729" cy="1200329"/>
+          </a:xfrm>
+          <a:prstGeom prst="rect">
+            <a:avLst/>
+          </a:prstGeom>
+          <a:noFill/>
+        </p:spPr>
+        <p:txBody>
+          <a:bodyPr wrap="square" rtlCol="0">
+            <a:spAutoFit/>
+          </a:bodyPr>
+          <a:lstStyle/>
+          <a:p>
+            <a:r>
+              <a:rPr lang="zh-CN" altLang="en-US" sz="7200" b="1" kern="100" dirty="0">
+                <a:solidFill>
+                  <a:srgbClr val="2C3E50"/>
+                </a:solidFill>
+                <a:effectLst/>
+                <a:latin typeface="Segoe UI" panose="020B0502040204020203" pitchFamily="34" charset="0"/>
+                <a:ea typeface="等线 Light" panose="02010600030101010101" pitchFamily="2" charset="-122"/>
+                <a:cs typeface="Segoe UI" panose="020B0502040204020203" pitchFamily="34" charset="0"/>
+              </a:rPr>
+              <a:t>事件处理模式</a:t>
+            </a:r>
+            <a:endParaRPr lang="zh-CN" altLang="zh-CN" sz="7200" b="1" kern="100" dirty="0">
+              <a:effectLst/>
+              <a:latin typeface="等线 Light" panose="02010600030101010101" pitchFamily="2" charset="-122"/>
+              <a:ea typeface="等线 Light" panose="02010600030101010101" pitchFamily="2" charset="-122"/>
+              <a:cs typeface="Times New Roman" panose="02020603050405020304" pitchFamily="18" charset="0"/>
+            </a:endParaRPr>
+          </a:p>
+        </p:txBody>
+      </p:sp>
+      <p:sp>
+        <p:nvSpPr>
+          <p:cNvPr id="7" name="文本框 6">
+            <a:extLst>
+              <a:ext uri="{FF2B5EF4-FFF2-40B4-BE49-F238E27FC236}">
+                <a16:creationId xmlns:a16="http://schemas.microsoft.com/office/drawing/2014/main" id="{725CFD36-642A-4218-B136-9F3EF6053E62}"/>
+              </a:ext>
+            </a:extLst>
+          </p:cNvPr>
+          <p:cNvSpPr txBox="1"/>
+          <p:nvPr/>
+        </p:nvSpPr>
+        <p:spPr>
+          <a:xfrm>
+            <a:off x="6476897" y="1467239"/>
+            <a:ext cx="5632611" cy="4524315"/>
+          </a:xfrm>
+          <a:prstGeom prst="rect">
+            <a:avLst/>
+          </a:prstGeom>
+          <a:noFill/>
+        </p:spPr>
+        <p:txBody>
+          <a:bodyPr wrap="square">
+            <a:spAutoFit/>
+          </a:bodyPr>
+          <a:lstStyle/>
+          <a:p>
+            <a:pPr marL="457200" indent="-457200" algn="just">
+              <a:buAutoNum type="arabicPeriod"/>
+            </a:pPr>
+            <a:r>
+              <a:rPr lang="en-US" altLang="zh-CN" sz="2400" b="1" kern="100" dirty="0">
+                <a:solidFill>
+                  <a:srgbClr val="2C3E50"/>
+                </a:solidFill>
+                <a:effectLst/>
+                <a:latin typeface="等线" panose="02010600030101010101" pitchFamily="2" charset="-122"/>
+                <a:ea typeface="等线" panose="02010600030101010101" pitchFamily="2" charset="-122"/>
+                <a:cs typeface="Times New Roman" panose="02020603050405020304" pitchFamily="18" charset="0"/>
+              </a:rPr>
+              <a:t>Reactor</a:t>
+            </a:r>
+            <a:r>
+              <a:rPr lang="zh-CN" altLang="en-US" sz="2400" b="1" kern="100" dirty="0">
+                <a:solidFill>
+                  <a:srgbClr val="2C3E50"/>
+                </a:solidFill>
+                <a:effectLst/>
+                <a:latin typeface="等线" panose="02010600030101010101" pitchFamily="2" charset="-122"/>
+                <a:ea typeface="等线" panose="02010600030101010101" pitchFamily="2" charset="-122"/>
+                <a:cs typeface="Times New Roman" panose="02020603050405020304" pitchFamily="18" charset="0"/>
+              </a:rPr>
+              <a:t>模式：</a:t>
+            </a:r>
+            <a:r>
+              <a:rPr lang="zh-CN" altLang="en-US" sz="2400" kern="100" dirty="0">
+                <a:solidFill>
+                  <a:srgbClr val="2C3E50"/>
+                </a:solidFill>
+                <a:latin typeface="等线" panose="02010600030101010101" pitchFamily="2" charset="-122"/>
+                <a:ea typeface="等线" panose="02010600030101010101" pitchFamily="2" charset="-122"/>
+                <a:cs typeface="Times New Roman" panose="02020603050405020304" pitchFamily="18" charset="0"/>
+              </a:rPr>
+              <a:t>非阻塞同步网络模式。来了事件操作系统通知应用进程，让应用进程来处理。主线程只负责监听事件发生。读、写、业务逻辑都由工作线程处理</a:t>
+            </a:r>
+            <a:endParaRPr lang="en-US" altLang="zh-CN" sz="2400" kern="100" dirty="0">
+              <a:solidFill>
+                <a:srgbClr val="2C3E50"/>
+              </a:solidFill>
+              <a:latin typeface="等线" panose="02010600030101010101" pitchFamily="2" charset="-122"/>
+              <a:ea typeface="等线" panose="02010600030101010101" pitchFamily="2" charset="-122"/>
+              <a:cs typeface="Times New Roman" panose="02020603050405020304" pitchFamily="18" charset="0"/>
+            </a:endParaRPr>
+          </a:p>
+          <a:p>
+            <a:pPr marL="457200" indent="-457200" algn="just">
+              <a:buAutoNum type="arabicPeriod"/>
+            </a:pPr>
+            <a:r>
+              <a:rPr lang="en-US" altLang="zh-CN" sz="2400" b="1" kern="100" dirty="0" err="1">
+                <a:solidFill>
+                  <a:srgbClr val="2C3E50"/>
+                </a:solidFill>
+                <a:effectLst/>
+                <a:latin typeface="等线" panose="02010600030101010101" pitchFamily="2" charset="-122"/>
+                <a:ea typeface="等线" panose="02010600030101010101" pitchFamily="2" charset="-122"/>
+                <a:cs typeface="Times New Roman" panose="02020603050405020304" pitchFamily="18" charset="0"/>
+              </a:rPr>
+              <a:t>Proactor</a:t>
+            </a:r>
+            <a:r>
+              <a:rPr lang="zh-CN" altLang="en-US" sz="2400" b="1" kern="100" dirty="0">
+                <a:solidFill>
+                  <a:srgbClr val="2C3E50"/>
+                </a:solidFill>
+                <a:effectLst/>
+                <a:latin typeface="等线" panose="02010600030101010101" pitchFamily="2" charset="-122"/>
+                <a:ea typeface="等线" panose="02010600030101010101" pitchFamily="2" charset="-122"/>
+                <a:cs typeface="Times New Roman" panose="02020603050405020304" pitchFamily="18" charset="0"/>
+              </a:rPr>
+              <a:t>模式：</a:t>
+            </a:r>
+            <a:r>
+              <a:rPr lang="zh-CN" altLang="en-US" sz="2400" kern="100" dirty="0">
+                <a:solidFill>
+                  <a:srgbClr val="2C3E50"/>
+                </a:solidFill>
+                <a:effectLst/>
+                <a:latin typeface="等线" panose="02010600030101010101" pitchFamily="2" charset="-122"/>
+                <a:ea typeface="等线" panose="02010600030101010101" pitchFamily="2" charset="-122"/>
+                <a:cs typeface="Times New Roman" panose="02020603050405020304" pitchFamily="18" charset="0"/>
+              </a:rPr>
+              <a:t>异步网络模式。来了事件操作系统来处理，处理完再通知应用进程。内核负责读写，工作线程负责业务逻辑。</a:t>
+            </a:r>
+            <a:endParaRPr lang="en-US" altLang="zh-CN" sz="2400" kern="100" dirty="0">
+              <a:solidFill>
+                <a:srgbClr val="2C3E50"/>
+              </a:solidFill>
+              <a:effectLst/>
+              <a:latin typeface="等线" panose="02010600030101010101" pitchFamily="2" charset="-122"/>
+              <a:ea typeface="等线" panose="02010600030101010101" pitchFamily="2" charset="-122"/>
+              <a:cs typeface="Times New Roman" panose="02020603050405020304" pitchFamily="18" charset="0"/>
+            </a:endParaRPr>
+          </a:p>
+          <a:p>
+            <a:pPr marL="457200" indent="-457200" algn="just">
+              <a:buAutoNum type="arabicPeriod"/>
+            </a:pPr>
+            <a:r>
+              <a:rPr lang="zh-CN" altLang="en-US" sz="2400" b="1" kern="100" dirty="0">
+                <a:solidFill>
+                  <a:srgbClr val="2C3E50"/>
+                </a:solidFill>
+                <a:latin typeface="等线" panose="02010600030101010101" pitchFamily="2" charset="-122"/>
+                <a:ea typeface="等线" panose="02010600030101010101" pitchFamily="2" charset="-122"/>
+                <a:cs typeface="Times New Roman" panose="02020603050405020304" pitchFamily="18" charset="0"/>
+              </a:rPr>
+              <a:t>同步</a:t>
+            </a:r>
+            <a:r>
+              <a:rPr lang="en-US" altLang="zh-CN" sz="2400" b="1" kern="100" dirty="0">
+                <a:solidFill>
+                  <a:srgbClr val="2C3E50"/>
+                </a:solidFill>
+                <a:latin typeface="等线" panose="02010600030101010101" pitchFamily="2" charset="-122"/>
+                <a:ea typeface="等线" panose="02010600030101010101" pitchFamily="2" charset="-122"/>
+                <a:cs typeface="Times New Roman" panose="02020603050405020304" pitchFamily="18" charset="0"/>
+              </a:rPr>
+              <a:t>I/O</a:t>
+            </a:r>
+            <a:r>
+              <a:rPr lang="zh-CN" altLang="en-US" sz="2400" b="1" kern="100" dirty="0">
+                <a:solidFill>
+                  <a:srgbClr val="2C3E50"/>
+                </a:solidFill>
+                <a:latin typeface="等线" panose="02010600030101010101" pitchFamily="2" charset="-122"/>
+                <a:ea typeface="等线" panose="02010600030101010101" pitchFamily="2" charset="-122"/>
+                <a:cs typeface="Times New Roman" panose="02020603050405020304" pitchFamily="18" charset="0"/>
+              </a:rPr>
+              <a:t>模拟</a:t>
+            </a:r>
+            <a:r>
+              <a:rPr lang="en-US" altLang="zh-CN" sz="2400" b="1" kern="100" dirty="0" err="1">
+                <a:solidFill>
+                  <a:srgbClr val="2C3E50"/>
+                </a:solidFill>
+                <a:latin typeface="等线" panose="02010600030101010101" pitchFamily="2" charset="-122"/>
+                <a:ea typeface="等线" panose="02010600030101010101" pitchFamily="2" charset="-122"/>
+                <a:cs typeface="Times New Roman" panose="02020603050405020304" pitchFamily="18" charset="0"/>
+              </a:rPr>
+              <a:t>Proactor</a:t>
+            </a:r>
+            <a:r>
+              <a:rPr lang="zh-CN" altLang="en-US" sz="2400" b="1" kern="100" dirty="0">
+                <a:solidFill>
+                  <a:srgbClr val="2C3E50"/>
+                </a:solidFill>
+                <a:latin typeface="等线" panose="02010600030101010101" pitchFamily="2" charset="-122"/>
+                <a:ea typeface="等线" panose="02010600030101010101" pitchFamily="2" charset="-122"/>
+                <a:cs typeface="Times New Roman" panose="02020603050405020304" pitchFamily="18" charset="0"/>
+              </a:rPr>
+              <a:t>模式</a:t>
+            </a:r>
+            <a:r>
+              <a:rPr lang="zh-CN" altLang="en-US" sz="2400" kern="100" dirty="0">
+                <a:solidFill>
+                  <a:srgbClr val="2C3E50"/>
+                </a:solidFill>
+                <a:latin typeface="等线" panose="02010600030101010101" pitchFamily="2" charset="-122"/>
+                <a:ea typeface="等线" panose="02010600030101010101" pitchFamily="2" charset="-122"/>
+                <a:cs typeface="Times New Roman" panose="02020603050405020304" pitchFamily="18" charset="0"/>
+              </a:rPr>
+              <a:t>：</a:t>
+            </a:r>
+            <a:r>
+              <a:rPr lang="zh-CN" altLang="en-US" sz="2400" i="0" dirty="0">
+                <a:solidFill>
+                  <a:srgbClr val="4D4D4D"/>
+                </a:solidFill>
+                <a:effectLst/>
+                <a:latin typeface="-apple-system"/>
+              </a:rPr>
+              <a:t>主线程执行数据读写操作，</a:t>
+            </a:r>
+            <a:r>
+              <a:rPr lang="zh-CN" altLang="en-US" sz="2400" kern="100" dirty="0">
+                <a:solidFill>
+                  <a:srgbClr val="2C3E50"/>
+                </a:solidFill>
+                <a:effectLst/>
+                <a:latin typeface="等线" panose="02010600030101010101" pitchFamily="2" charset="-122"/>
+                <a:ea typeface="等线" panose="02010600030101010101" pitchFamily="2" charset="-122"/>
+                <a:cs typeface="Times New Roman" panose="02020603050405020304" pitchFamily="18" charset="0"/>
+              </a:rPr>
+              <a:t>工作线程负责业务逻辑。</a:t>
+            </a:r>
+            <a:endParaRPr lang="en-US" altLang="zh-CN" sz="2400" kern="100" dirty="0">
+              <a:solidFill>
+                <a:srgbClr val="2C3E50"/>
+              </a:solidFill>
+              <a:effectLst/>
+              <a:latin typeface="等线" panose="02010600030101010101" pitchFamily="2" charset="-122"/>
+              <a:ea typeface="等线" panose="02010600030101010101" pitchFamily="2" charset="-122"/>
+              <a:cs typeface="Times New Roman" panose="02020603050405020304" pitchFamily="18" charset="0"/>
+            </a:endParaRPr>
+          </a:p>
+        </p:txBody>
+      </p:sp>
+      <p:sp>
+        <p:nvSpPr>
+          <p:cNvPr id="8" name="文本框 7">
+            <a:extLst>
+              <a:ext uri="{FF2B5EF4-FFF2-40B4-BE49-F238E27FC236}">
+                <a16:creationId xmlns:a16="http://schemas.microsoft.com/office/drawing/2014/main" id="{23473B37-C0C7-4778-924B-1FED27303FE3}"/>
+              </a:ext>
+            </a:extLst>
+          </p:cNvPr>
+          <p:cNvSpPr txBox="1"/>
+          <p:nvPr/>
+        </p:nvSpPr>
+        <p:spPr>
+          <a:xfrm>
+            <a:off x="2" y="6503"/>
+            <a:ext cx="5812729" cy="1200329"/>
+          </a:xfrm>
+          <a:prstGeom prst="rect">
+            <a:avLst/>
+          </a:prstGeom>
+          <a:noFill/>
+        </p:spPr>
+        <p:txBody>
+          <a:bodyPr wrap="square" rtlCol="0">
+            <a:spAutoFit/>
+          </a:bodyPr>
+          <a:lstStyle/>
+          <a:p>
+            <a:r>
+              <a:rPr lang="en-US" altLang="zh-CN" sz="7200" b="1" kern="100" dirty="0">
+                <a:solidFill>
+                  <a:srgbClr val="2C3E50"/>
+                </a:solidFill>
+                <a:effectLst/>
+                <a:latin typeface="Segoe UI" panose="020B0502040204020203" pitchFamily="34" charset="0"/>
+                <a:ea typeface="等线 Light" panose="02010600030101010101" pitchFamily="2" charset="-122"/>
+                <a:cs typeface="Segoe UI" panose="020B0502040204020203" pitchFamily="34" charset="0"/>
+              </a:rPr>
+              <a:t>IO</a:t>
+            </a:r>
+            <a:r>
+              <a:rPr lang="zh-CN" altLang="en-US" sz="7200" b="1" kern="100" dirty="0">
+                <a:solidFill>
+                  <a:srgbClr val="2C3E50"/>
+                </a:solidFill>
+                <a:effectLst/>
+                <a:latin typeface="Segoe UI" panose="020B0502040204020203" pitchFamily="34" charset="0"/>
+                <a:ea typeface="等线 Light" panose="02010600030101010101" pitchFamily="2" charset="-122"/>
+                <a:cs typeface="Segoe UI" panose="020B0502040204020203" pitchFamily="34" charset="0"/>
+              </a:rPr>
+              <a:t>多路复用</a:t>
+            </a:r>
+            <a:endParaRPr lang="zh-CN" altLang="zh-CN" sz="7200" b="1" kern="100" dirty="0">
+              <a:effectLst/>
+              <a:latin typeface="等线 Light" panose="02010600030101010101" pitchFamily="2" charset="-122"/>
+              <a:ea typeface="等线 Light" panose="02010600030101010101" pitchFamily="2" charset="-122"/>
+              <a:cs typeface="Times New Roman" panose="02020603050405020304" pitchFamily="18" charset="0"/>
+            </a:endParaRPr>
+          </a:p>
+        </p:txBody>
+      </p:sp>
+      <p:sp>
+        <p:nvSpPr>
+          <p:cNvPr id="9" name="文本框 8">
+            <a:extLst>
+              <a:ext uri="{FF2B5EF4-FFF2-40B4-BE49-F238E27FC236}">
+                <a16:creationId xmlns:a16="http://schemas.microsoft.com/office/drawing/2014/main" id="{BBDE3CF4-BCC7-41F6-A18A-B9A4BF74347E}"/>
+              </a:ext>
+            </a:extLst>
+          </p:cNvPr>
+          <p:cNvSpPr txBox="1"/>
+          <p:nvPr/>
+        </p:nvSpPr>
+        <p:spPr>
+          <a:xfrm>
+            <a:off x="-33979" y="1146750"/>
+            <a:ext cx="5419711" cy="3600986"/>
+          </a:xfrm>
+          <a:prstGeom prst="rect">
+            <a:avLst/>
+          </a:prstGeom>
+          <a:noFill/>
+        </p:spPr>
+        <p:txBody>
+          <a:bodyPr wrap="square">
+            <a:spAutoFit/>
+          </a:bodyPr>
+          <a:lstStyle/>
+          <a:p>
+            <a:pPr algn="just"/>
+            <a:r>
+              <a:rPr lang="en-US" altLang="zh-CN" sz="2400" b="1" kern="100" dirty="0">
+                <a:solidFill>
+                  <a:srgbClr val="2C3E50"/>
+                </a:solidFill>
+                <a:effectLst/>
+                <a:latin typeface="等线" panose="02010600030101010101" pitchFamily="2" charset="-122"/>
+                <a:ea typeface="等线" panose="02010600030101010101" pitchFamily="2" charset="-122"/>
+                <a:cs typeface="Times New Roman" panose="02020603050405020304" pitchFamily="18" charset="0"/>
+              </a:rPr>
+              <a:t>select/poll</a:t>
+            </a:r>
+            <a:r>
+              <a:rPr lang="zh-CN" altLang="en-US" sz="2400" b="1" kern="100" dirty="0">
+                <a:solidFill>
+                  <a:srgbClr val="2C3E50"/>
+                </a:solidFill>
+                <a:effectLst/>
+                <a:latin typeface="等线" panose="02010600030101010101" pitchFamily="2" charset="-122"/>
+                <a:ea typeface="等线" panose="02010600030101010101" pitchFamily="2" charset="-122"/>
+                <a:cs typeface="Times New Roman" panose="02020603050405020304" pitchFamily="18" charset="0"/>
+              </a:rPr>
+              <a:t>：</a:t>
+            </a:r>
+            <a:r>
+              <a:rPr lang="zh-CN" altLang="zh-CN" sz="1800" dirty="0">
+                <a:solidFill>
+                  <a:srgbClr val="000000"/>
+                </a:solidFill>
+                <a:effectLst/>
+                <a:latin typeface="Segoe UI" panose="020B0502040204020203" pitchFamily="34" charset="0"/>
+                <a:ea typeface="等线" panose="02010600030101010101" pitchFamily="2" charset="-122"/>
+                <a:cs typeface="Segoe UI" panose="020B0502040204020203" pitchFamily="34" charset="0"/>
+              </a:rPr>
+              <a:t>已连接的</a:t>
+            </a:r>
+            <a:r>
+              <a:rPr lang="en-US" altLang="zh-CN" sz="1800" dirty="0">
+                <a:solidFill>
+                  <a:srgbClr val="000000"/>
+                </a:solidFill>
+                <a:effectLst/>
+                <a:latin typeface="Segoe UI" panose="020B0502040204020203" pitchFamily="34" charset="0"/>
+                <a:ea typeface="等线" panose="02010600030101010101" pitchFamily="2" charset="-122"/>
+              </a:rPr>
+              <a:t> Socket </a:t>
+            </a:r>
+            <a:r>
+              <a:rPr lang="zh-CN" altLang="zh-CN" sz="1800" dirty="0">
+                <a:solidFill>
+                  <a:srgbClr val="000000"/>
+                </a:solidFill>
+                <a:effectLst/>
+                <a:latin typeface="Segoe UI" panose="020B0502040204020203" pitchFamily="34" charset="0"/>
+                <a:ea typeface="等线" panose="02010600030101010101" pitchFamily="2" charset="-122"/>
+                <a:cs typeface="Segoe UI" panose="020B0502040204020203" pitchFamily="34" charset="0"/>
+              </a:rPr>
+              <a:t>都放到一个</a:t>
+            </a:r>
+            <a:r>
+              <a:rPr lang="zh-CN" altLang="zh-CN" sz="1800" b="1" dirty="0">
+                <a:solidFill>
+                  <a:srgbClr val="000000"/>
+                </a:solidFill>
+                <a:effectLst/>
+                <a:latin typeface="Segoe UI" panose="020B0502040204020203" pitchFamily="34" charset="0"/>
+                <a:ea typeface="等线" panose="02010600030101010101" pitchFamily="2" charset="-122"/>
+                <a:cs typeface="Segoe UI" panose="020B0502040204020203" pitchFamily="34" charset="0"/>
+              </a:rPr>
+              <a:t>文件描述符集合</a:t>
+            </a:r>
+            <a:r>
+              <a:rPr lang="zh-CN" altLang="en-US" sz="1800" b="1" dirty="0">
+                <a:solidFill>
+                  <a:srgbClr val="000000"/>
+                </a:solidFill>
+                <a:effectLst/>
+                <a:latin typeface="Segoe UI" panose="020B0502040204020203" pitchFamily="34" charset="0"/>
+                <a:ea typeface="等线" panose="02010600030101010101" pitchFamily="2" charset="-122"/>
+                <a:cs typeface="Segoe UI" panose="020B0502040204020203" pitchFamily="34" charset="0"/>
+              </a:rPr>
+              <a:t>，然后</a:t>
+            </a:r>
+            <a:r>
+              <a:rPr lang="zh-CN" altLang="zh-CN" sz="1800" b="1" dirty="0">
+                <a:solidFill>
+                  <a:srgbClr val="000000"/>
+                </a:solidFill>
+                <a:effectLst/>
+                <a:latin typeface="Segoe UI" panose="020B0502040204020203" pitchFamily="34" charset="0"/>
+                <a:ea typeface="等线" panose="02010600030101010101" pitchFamily="2" charset="-122"/>
+                <a:cs typeface="Segoe UI" panose="020B0502040204020203" pitchFamily="34" charset="0"/>
+              </a:rPr>
+              <a:t>拷贝</a:t>
+            </a:r>
+            <a:r>
+              <a:rPr lang="zh-CN" altLang="zh-CN" sz="1800" dirty="0">
+                <a:solidFill>
+                  <a:srgbClr val="000000"/>
+                </a:solidFill>
+                <a:effectLst/>
+                <a:latin typeface="Segoe UI" panose="020B0502040204020203" pitchFamily="34" charset="0"/>
+                <a:ea typeface="等线" panose="02010600030101010101" pitchFamily="2" charset="-122"/>
+                <a:cs typeface="Segoe UI" panose="020B0502040204020203" pitchFamily="34" charset="0"/>
+              </a:rPr>
+              <a:t>到内核里检查是否有</a:t>
+            </a:r>
+            <a:r>
+              <a:rPr lang="en-US" altLang="zh-CN" sz="1800" dirty="0">
+                <a:solidFill>
+                  <a:srgbClr val="000000"/>
+                </a:solidFill>
+                <a:effectLst/>
+                <a:latin typeface="Segoe UI" panose="020B0502040204020203" pitchFamily="34" charset="0"/>
+                <a:ea typeface="等线" panose="02010600030101010101" pitchFamily="2" charset="-122"/>
+                <a:cs typeface="Segoe UI" panose="020B0502040204020203" pitchFamily="34" charset="0"/>
+              </a:rPr>
+              <a:t>IO</a:t>
+            </a:r>
+            <a:r>
+              <a:rPr lang="zh-CN" altLang="zh-CN" sz="1800" dirty="0">
+                <a:solidFill>
+                  <a:srgbClr val="000000"/>
+                </a:solidFill>
+                <a:effectLst/>
+                <a:latin typeface="Segoe UI" panose="020B0502040204020203" pitchFamily="34" charset="0"/>
+                <a:ea typeface="等线" panose="02010600030101010101" pitchFamily="2" charset="-122"/>
+                <a:cs typeface="Segoe UI" panose="020B0502040204020203" pitchFamily="34" charset="0"/>
+              </a:rPr>
+              <a:t>事件产生</a:t>
+            </a:r>
+            <a:r>
+              <a:rPr lang="zh-CN" altLang="en-US" dirty="0">
+                <a:solidFill>
+                  <a:srgbClr val="000000"/>
+                </a:solidFill>
+                <a:latin typeface="Segoe UI" panose="020B0502040204020203" pitchFamily="34" charset="0"/>
+                <a:ea typeface="等线" panose="02010600030101010101" pitchFamily="2" charset="-122"/>
+                <a:cs typeface="Segoe UI" panose="020B0502040204020203" pitchFamily="34" charset="0"/>
+              </a:rPr>
+              <a:t>。</a:t>
+            </a:r>
+            <a:r>
+              <a:rPr lang="en-US" altLang="zh-CN" dirty="0">
+                <a:solidFill>
+                  <a:srgbClr val="000000"/>
+                </a:solidFill>
+                <a:latin typeface="Segoe UI" panose="020B0502040204020203" pitchFamily="34" charset="0"/>
+                <a:ea typeface="等线" panose="02010600030101010101" pitchFamily="2" charset="-122"/>
+                <a:cs typeface="Segoe UI" panose="020B0502040204020203" pitchFamily="34" charset="0"/>
+              </a:rPr>
+              <a:t>Select</a:t>
+            </a:r>
+            <a:r>
+              <a:rPr lang="zh-CN" altLang="en-US" dirty="0">
+                <a:solidFill>
+                  <a:srgbClr val="000000"/>
+                </a:solidFill>
+                <a:latin typeface="Segoe UI" panose="020B0502040204020203" pitchFamily="34" charset="0"/>
+                <a:ea typeface="等线" panose="02010600030101010101" pitchFamily="2" charset="-122"/>
+                <a:cs typeface="Segoe UI" panose="020B0502040204020203" pitchFamily="34" charset="0"/>
+              </a:rPr>
+              <a:t>：</a:t>
+            </a:r>
+            <a:r>
+              <a:rPr lang="en-US" altLang="zh-CN" dirty="0" err="1">
+                <a:solidFill>
+                  <a:srgbClr val="000000"/>
+                </a:solidFill>
+                <a:latin typeface="Segoe UI" panose="020B0502040204020203" pitchFamily="34" charset="0"/>
+                <a:ea typeface="等线" panose="02010600030101010101" pitchFamily="2" charset="-122"/>
+                <a:cs typeface="Segoe UI" panose="020B0502040204020203" pitchFamily="34" charset="0"/>
+              </a:rPr>
+              <a:t>bitsmap</a:t>
+            </a:r>
+            <a:r>
+              <a:rPr lang="en-US" altLang="zh-CN" dirty="0">
+                <a:solidFill>
+                  <a:srgbClr val="000000"/>
+                </a:solidFill>
+                <a:latin typeface="Segoe UI" panose="020B0502040204020203" pitchFamily="34" charset="0"/>
+                <a:ea typeface="等线" panose="02010600030101010101" pitchFamily="2" charset="-122"/>
+                <a:cs typeface="Segoe UI" panose="020B0502040204020203" pitchFamily="34" charset="0"/>
+              </a:rPr>
+              <a:t>	poll</a:t>
+            </a:r>
+            <a:r>
+              <a:rPr lang="zh-CN" altLang="en-US" dirty="0">
+                <a:solidFill>
+                  <a:srgbClr val="000000"/>
+                </a:solidFill>
+                <a:latin typeface="Segoe UI" panose="020B0502040204020203" pitchFamily="34" charset="0"/>
+                <a:ea typeface="等线" panose="02010600030101010101" pitchFamily="2" charset="-122"/>
+                <a:cs typeface="Segoe UI" panose="020B0502040204020203" pitchFamily="34" charset="0"/>
+              </a:rPr>
+              <a:t>：链表</a:t>
+            </a:r>
+            <a:endParaRPr lang="en-US" altLang="zh-CN" sz="1800" dirty="0">
+              <a:solidFill>
+                <a:srgbClr val="000000"/>
+              </a:solidFill>
+              <a:effectLst/>
+              <a:latin typeface="Segoe UI" panose="020B0502040204020203" pitchFamily="34" charset="0"/>
+              <a:ea typeface="等线" panose="02010600030101010101" pitchFamily="2" charset="-122"/>
+              <a:cs typeface="Segoe UI" panose="020B0502040204020203" pitchFamily="34" charset="0"/>
+            </a:endParaRPr>
+          </a:p>
+          <a:p>
+            <a:pPr algn="just"/>
+            <a:r>
+              <a:rPr lang="zh-CN" altLang="zh-CN" sz="1800" b="1" dirty="0">
+                <a:solidFill>
+                  <a:srgbClr val="FF0000"/>
+                </a:solidFill>
+                <a:effectLst/>
+                <a:latin typeface="Segoe UI" panose="020B0502040204020203" pitchFamily="34" charset="0"/>
+                <a:ea typeface="等线" panose="02010600030101010101" pitchFamily="2" charset="-122"/>
+                <a:cs typeface="Segoe UI" panose="020B0502040204020203" pitchFamily="34" charset="0"/>
+              </a:rPr>
+              <a:t>需要在用户态与内核态之间拷贝文件描述符集合</a:t>
+            </a:r>
+            <a:r>
+              <a:rPr lang="zh-CN" altLang="zh-CN" sz="1800" dirty="0">
+                <a:solidFill>
+                  <a:srgbClr val="2C3E50"/>
+                </a:solidFill>
+                <a:effectLst/>
+                <a:latin typeface="Segoe UI" panose="020B0502040204020203" pitchFamily="34" charset="0"/>
+                <a:ea typeface="等线" panose="02010600030101010101" pitchFamily="2" charset="-122"/>
+                <a:cs typeface="Segoe UI" panose="020B0502040204020203" pitchFamily="34" charset="0"/>
+              </a:rPr>
+              <a:t>，性能的损耗很大</a:t>
+            </a:r>
+            <a:endParaRPr lang="en-US" altLang="zh-CN" dirty="0">
+              <a:solidFill>
+                <a:srgbClr val="000000"/>
+              </a:solidFill>
+              <a:latin typeface="Segoe UI" panose="020B0502040204020203" pitchFamily="34" charset="0"/>
+              <a:ea typeface="等线" panose="02010600030101010101" pitchFamily="2" charset="-122"/>
+              <a:cs typeface="Segoe UI" panose="020B0502040204020203" pitchFamily="34" charset="0"/>
+            </a:endParaRPr>
+          </a:p>
+          <a:p>
+            <a:pPr algn="just"/>
+            <a:r>
+              <a:rPr lang="en-US" altLang="zh-CN" sz="2400" b="1" kern="100" dirty="0" err="1">
+                <a:solidFill>
+                  <a:srgbClr val="2C3E50"/>
+                </a:solidFill>
+                <a:effectLst/>
+                <a:latin typeface="等线" panose="02010600030101010101" pitchFamily="2" charset="-122"/>
+                <a:ea typeface="等线" panose="02010600030101010101" pitchFamily="2" charset="-122"/>
+                <a:cs typeface="Times New Roman" panose="02020603050405020304" pitchFamily="18" charset="0"/>
+              </a:rPr>
+              <a:t>Epoll</a:t>
+            </a:r>
+            <a:r>
+              <a:rPr lang="zh-CN" altLang="en-US" sz="2400" b="1" kern="100" dirty="0">
+                <a:solidFill>
+                  <a:srgbClr val="2C3E50"/>
+                </a:solidFill>
+                <a:effectLst/>
+                <a:latin typeface="等线" panose="02010600030101010101" pitchFamily="2" charset="-122"/>
+                <a:ea typeface="等线" panose="02010600030101010101" pitchFamily="2" charset="-122"/>
+                <a:cs typeface="Times New Roman" panose="02020603050405020304" pitchFamily="18" charset="0"/>
+              </a:rPr>
+              <a:t>：</a:t>
+            </a:r>
+            <a:r>
+              <a:rPr lang="zh-CN" altLang="zh-CN" sz="1800" dirty="0">
+                <a:effectLst/>
+                <a:latin typeface="Segoe UI" panose="020B0502040204020203" pitchFamily="34" charset="0"/>
+                <a:ea typeface="等线" panose="02010600030101010101" pitchFamily="2" charset="-122"/>
+                <a:cs typeface="Segoe UI" panose="020B0502040204020203" pitchFamily="34" charset="0"/>
+              </a:rPr>
+              <a:t>把需要监控的</a:t>
+            </a:r>
+            <a:r>
+              <a:rPr lang="en-US" altLang="zh-CN" sz="1800" dirty="0">
+                <a:effectLst/>
+                <a:latin typeface="Segoe UI" panose="020B0502040204020203" pitchFamily="34" charset="0"/>
+                <a:ea typeface="等线" panose="02010600030101010101" pitchFamily="2" charset="-122"/>
+              </a:rPr>
+              <a:t> socket </a:t>
+            </a:r>
+            <a:r>
+              <a:rPr lang="zh-CN" altLang="zh-CN" sz="1800" dirty="0">
+                <a:effectLst/>
+                <a:latin typeface="Segoe UI" panose="020B0502040204020203" pitchFamily="34" charset="0"/>
+                <a:ea typeface="等线" panose="02010600030101010101" pitchFamily="2" charset="-122"/>
+                <a:cs typeface="Segoe UI" panose="020B0502040204020203" pitchFamily="34" charset="0"/>
+              </a:rPr>
+              <a:t>通过</a:t>
+            </a:r>
+            <a:r>
+              <a:rPr lang="en-US" altLang="zh-CN" sz="1800" dirty="0">
+                <a:effectLst/>
+                <a:latin typeface="Segoe UI" panose="020B0502040204020203" pitchFamily="34" charset="0"/>
+                <a:ea typeface="等线" panose="02010600030101010101" pitchFamily="2" charset="-122"/>
+              </a:rPr>
+              <a:t> </a:t>
+            </a:r>
+            <a:r>
+              <a:rPr lang="en-US" altLang="zh-CN" sz="1800" dirty="0" err="1">
+                <a:effectLst/>
+                <a:latin typeface="Segoe UI" panose="020B0502040204020203" pitchFamily="34" charset="0"/>
+                <a:ea typeface="等线" panose="02010600030101010101" pitchFamily="2" charset="-122"/>
+              </a:rPr>
+              <a:t>epoll_ctl</a:t>
+            </a:r>
+            <a:r>
+              <a:rPr lang="en-US" altLang="zh-CN" sz="1800" dirty="0">
+                <a:effectLst/>
+                <a:latin typeface="Segoe UI" panose="020B0502040204020203" pitchFamily="34" charset="0"/>
+                <a:ea typeface="等线" panose="02010600030101010101" pitchFamily="2" charset="-122"/>
+              </a:rPr>
+              <a:t>() </a:t>
+            </a:r>
+            <a:r>
+              <a:rPr lang="zh-CN" altLang="zh-CN" sz="1800" dirty="0">
+                <a:effectLst/>
+                <a:latin typeface="Segoe UI" panose="020B0502040204020203" pitchFamily="34" charset="0"/>
+                <a:ea typeface="等线" panose="02010600030101010101" pitchFamily="2" charset="-122"/>
+                <a:cs typeface="Segoe UI" panose="020B0502040204020203" pitchFamily="34" charset="0"/>
+              </a:rPr>
+              <a:t>函数加入内核中的红黑树里</a:t>
+            </a:r>
+            <a:r>
+              <a:rPr lang="zh-CN" altLang="en-US" sz="1800" dirty="0">
+                <a:effectLst/>
+                <a:latin typeface="Segoe UI" panose="020B0502040204020203" pitchFamily="34" charset="0"/>
+                <a:ea typeface="等线" panose="02010600030101010101" pitchFamily="2" charset="-122"/>
+                <a:cs typeface="Segoe UI" panose="020B0502040204020203" pitchFamily="34" charset="0"/>
+              </a:rPr>
+              <a:t>，无需拷贝文件描述符。</a:t>
+            </a:r>
+            <a:r>
+              <a:rPr lang="zh-CN" altLang="zh-CN" sz="1800" dirty="0">
+                <a:solidFill>
+                  <a:srgbClr val="FF0000"/>
+                </a:solidFill>
+                <a:effectLst/>
+                <a:latin typeface="Segoe UI" panose="020B0502040204020203" pitchFamily="34" charset="0"/>
+                <a:ea typeface="等线" panose="02010600030101010101" pitchFamily="2" charset="-122"/>
+                <a:cs typeface="Segoe UI" panose="020B0502040204020203" pitchFamily="34" charset="0"/>
+              </a:rPr>
+              <a:t>内核里</a:t>
+            </a:r>
+            <a:r>
+              <a:rPr lang="zh-CN" altLang="zh-CN" sz="1800" b="1" dirty="0">
+                <a:solidFill>
+                  <a:srgbClr val="FF0000"/>
+                </a:solidFill>
+                <a:effectLst/>
+                <a:latin typeface="Segoe UI" panose="020B0502040204020203" pitchFamily="34" charset="0"/>
+                <a:ea typeface="等线" panose="02010600030101010101" pitchFamily="2" charset="-122"/>
+                <a:cs typeface="Segoe UI" panose="020B0502040204020203" pitchFamily="34" charset="0"/>
+              </a:rPr>
+              <a:t>维护了一个链表来记录就绪事件</a:t>
+            </a:r>
+            <a:r>
+              <a:rPr lang="zh-CN" altLang="zh-CN" sz="1800" dirty="0">
+                <a:solidFill>
+                  <a:srgbClr val="000000"/>
+                </a:solidFill>
+                <a:effectLst/>
+                <a:latin typeface="Segoe UI" panose="020B0502040204020203" pitchFamily="34" charset="0"/>
+                <a:ea typeface="等线" panose="02010600030101010101" pitchFamily="2" charset="-122"/>
+                <a:cs typeface="Segoe UI" panose="020B0502040204020203" pitchFamily="34" charset="0"/>
+              </a:rPr>
+              <a:t>，当某个</a:t>
+            </a:r>
+            <a:r>
+              <a:rPr lang="en-US" altLang="zh-CN" sz="1800" dirty="0">
+                <a:solidFill>
+                  <a:srgbClr val="000000"/>
+                </a:solidFill>
+                <a:effectLst/>
+                <a:latin typeface="Segoe UI" panose="020B0502040204020203" pitchFamily="34" charset="0"/>
+                <a:ea typeface="等线" panose="02010600030101010101" pitchFamily="2" charset="-122"/>
+              </a:rPr>
+              <a:t> socket </a:t>
+            </a:r>
+            <a:r>
+              <a:rPr lang="zh-CN" altLang="zh-CN" sz="1800" dirty="0">
+                <a:solidFill>
+                  <a:srgbClr val="000000"/>
+                </a:solidFill>
+                <a:effectLst/>
+                <a:latin typeface="Segoe UI" panose="020B0502040204020203" pitchFamily="34" charset="0"/>
+                <a:ea typeface="等线" panose="02010600030101010101" pitchFamily="2" charset="-122"/>
+                <a:cs typeface="Segoe UI" panose="020B0502040204020203" pitchFamily="34" charset="0"/>
+              </a:rPr>
+              <a:t>有事件发生时，内核会将其加入到这个就绪事件链表中，当用户调用</a:t>
+            </a:r>
+            <a:r>
+              <a:rPr lang="en-US" altLang="zh-CN" sz="1800" dirty="0">
+                <a:solidFill>
+                  <a:srgbClr val="000000"/>
+                </a:solidFill>
+                <a:effectLst/>
+                <a:latin typeface="Segoe UI" panose="020B0502040204020203" pitchFamily="34" charset="0"/>
+                <a:ea typeface="等线" panose="02010600030101010101" pitchFamily="2" charset="-122"/>
+              </a:rPr>
+              <a:t> </a:t>
+            </a:r>
+            <a:r>
+              <a:rPr lang="en-US" altLang="zh-CN" sz="1800" dirty="0" err="1">
+                <a:solidFill>
+                  <a:srgbClr val="000000"/>
+                </a:solidFill>
+                <a:effectLst/>
+                <a:latin typeface="Segoe UI" panose="020B0502040204020203" pitchFamily="34" charset="0"/>
+                <a:ea typeface="等线" panose="02010600030101010101" pitchFamily="2" charset="-122"/>
+              </a:rPr>
+              <a:t>epoll_wait</a:t>
+            </a:r>
+            <a:r>
+              <a:rPr lang="en-US" altLang="zh-CN" sz="1800" dirty="0">
+                <a:solidFill>
+                  <a:srgbClr val="000000"/>
+                </a:solidFill>
+                <a:effectLst/>
+                <a:latin typeface="Segoe UI" panose="020B0502040204020203" pitchFamily="34" charset="0"/>
+                <a:ea typeface="等线" panose="02010600030101010101" pitchFamily="2" charset="-122"/>
+              </a:rPr>
+              <a:t>() </a:t>
+            </a:r>
+            <a:r>
+              <a:rPr lang="zh-CN" altLang="zh-CN" sz="1800" dirty="0">
+                <a:solidFill>
+                  <a:srgbClr val="000000"/>
+                </a:solidFill>
+                <a:effectLst/>
+                <a:latin typeface="Segoe UI" panose="020B0502040204020203" pitchFamily="34" charset="0"/>
+                <a:ea typeface="等线" panose="02010600030101010101" pitchFamily="2" charset="-122"/>
+                <a:cs typeface="Segoe UI" panose="020B0502040204020203" pitchFamily="34" charset="0"/>
+              </a:rPr>
+              <a:t>函数时，</a:t>
+            </a:r>
+            <a:r>
+              <a:rPr lang="zh-CN" altLang="zh-CN" sz="1800" b="1" dirty="0">
+                <a:solidFill>
+                  <a:srgbClr val="FF0000"/>
+                </a:solidFill>
+                <a:effectLst/>
+                <a:latin typeface="Segoe UI" panose="020B0502040204020203" pitchFamily="34" charset="0"/>
+                <a:ea typeface="等线" panose="02010600030101010101" pitchFamily="2" charset="-122"/>
+                <a:cs typeface="Segoe UI" panose="020B0502040204020203" pitchFamily="34" charset="0"/>
+              </a:rPr>
+              <a:t>返回有事件发生的文件描述符的个数，并把就绪事件列表复制到用户空间</a:t>
+            </a:r>
+            <a:endParaRPr lang="zh-CN" altLang="zh-CN" sz="2400" b="1" kern="100" dirty="0">
+              <a:effectLst/>
+              <a:latin typeface="等线" panose="02010600030101010101" pitchFamily="2" charset="-122"/>
+              <a:ea typeface="等线" panose="02010600030101010101" pitchFamily="2" charset="-122"/>
+              <a:cs typeface="Times New Roman" panose="02020603050405020304" pitchFamily="18" charset="0"/>
+            </a:endParaRPr>
+          </a:p>
+        </p:txBody>
+      </p:sp>
+      <p:sp>
+        <p:nvSpPr>
+          <p:cNvPr id="10" name="文本框 9">
+            <a:extLst>
+              <a:ext uri="{FF2B5EF4-FFF2-40B4-BE49-F238E27FC236}">
+                <a16:creationId xmlns:a16="http://schemas.microsoft.com/office/drawing/2014/main" id="{48B75485-2824-4E70-A72F-7C7E71B10199}"/>
+              </a:ext>
+            </a:extLst>
+          </p:cNvPr>
+          <p:cNvSpPr txBox="1"/>
+          <p:nvPr/>
+        </p:nvSpPr>
+        <p:spPr>
+          <a:xfrm>
+            <a:off x="0" y="5074072"/>
+            <a:ext cx="5578679" cy="1569660"/>
+          </a:xfrm>
+          <a:prstGeom prst="rect">
+            <a:avLst/>
+          </a:prstGeom>
+          <a:noFill/>
+        </p:spPr>
+        <p:txBody>
+          <a:bodyPr wrap="square">
+            <a:spAutoFit/>
+          </a:bodyPr>
+          <a:lstStyle/>
+          <a:p>
+            <a:pPr marL="457200" indent="-457200" algn="just">
+              <a:buAutoNum type="arabicPeriod"/>
+            </a:pPr>
+            <a:r>
+              <a:rPr lang="zh-CN" altLang="en-US" sz="2400" b="1" kern="100" dirty="0">
+                <a:solidFill>
+                  <a:srgbClr val="2C3E50"/>
+                </a:solidFill>
+                <a:effectLst/>
+                <a:latin typeface="等线" panose="02010600030101010101" pitchFamily="2" charset="-122"/>
+                <a:ea typeface="等线" panose="02010600030101010101" pitchFamily="2" charset="-122"/>
+                <a:cs typeface="Times New Roman" panose="02020603050405020304" pitchFamily="18" charset="0"/>
+              </a:rPr>
+              <a:t>水平触发（</a:t>
+            </a:r>
+            <a:r>
+              <a:rPr lang="en-US" altLang="zh-CN" sz="2400" b="1" kern="100" dirty="0">
+                <a:solidFill>
+                  <a:srgbClr val="2C3E50"/>
+                </a:solidFill>
+                <a:effectLst/>
+                <a:latin typeface="等线" panose="02010600030101010101" pitchFamily="2" charset="-122"/>
+                <a:ea typeface="等线" panose="02010600030101010101" pitchFamily="2" charset="-122"/>
+                <a:cs typeface="Times New Roman" panose="02020603050405020304" pitchFamily="18" charset="0"/>
+              </a:rPr>
+              <a:t>LT</a:t>
+            </a:r>
+            <a:r>
+              <a:rPr lang="zh-CN" altLang="en-US" sz="2400" b="1" kern="100" dirty="0">
+                <a:solidFill>
+                  <a:srgbClr val="2C3E50"/>
+                </a:solidFill>
+                <a:effectLst/>
+                <a:latin typeface="等线" panose="02010600030101010101" pitchFamily="2" charset="-122"/>
+                <a:ea typeface="等线" panose="02010600030101010101" pitchFamily="2" charset="-122"/>
+                <a:cs typeface="Times New Roman" panose="02020603050405020304" pitchFamily="18" charset="0"/>
+              </a:rPr>
+              <a:t>）：有事件时不断通知</a:t>
+            </a:r>
+            <a:r>
+              <a:rPr lang="zh-CN" altLang="en-US" sz="2400" b="1" kern="100" dirty="0">
+                <a:solidFill>
+                  <a:srgbClr val="2C3E50"/>
+                </a:solidFill>
+                <a:latin typeface="等线" panose="02010600030101010101" pitchFamily="2" charset="-122"/>
+                <a:ea typeface="等线" panose="02010600030101010101" pitchFamily="2" charset="-122"/>
+                <a:cs typeface="Times New Roman" panose="02020603050405020304" pitchFamily="18" charset="0"/>
+              </a:rPr>
+              <a:t>，直至缓冲区</a:t>
+            </a:r>
+            <a:r>
+              <a:rPr lang="en-US" altLang="zh-CN" sz="2400" b="1" kern="100" dirty="0">
+                <a:solidFill>
+                  <a:srgbClr val="2C3E50"/>
+                </a:solidFill>
+                <a:latin typeface="等线" panose="02010600030101010101" pitchFamily="2" charset="-122"/>
+                <a:ea typeface="等线" panose="02010600030101010101" pitchFamily="2" charset="-122"/>
+                <a:cs typeface="Times New Roman" panose="02020603050405020304" pitchFamily="18" charset="0"/>
+              </a:rPr>
+              <a:t>read</a:t>
+            </a:r>
+            <a:r>
+              <a:rPr lang="zh-CN" altLang="en-US" sz="2400" b="1" kern="100" dirty="0">
+                <a:solidFill>
+                  <a:srgbClr val="2C3E50"/>
+                </a:solidFill>
+                <a:latin typeface="等线" panose="02010600030101010101" pitchFamily="2" charset="-122"/>
+                <a:ea typeface="等线" panose="02010600030101010101" pitchFamily="2" charset="-122"/>
+                <a:cs typeface="Times New Roman" panose="02020603050405020304" pitchFamily="18" charset="0"/>
+              </a:rPr>
+              <a:t>完</a:t>
+            </a:r>
+            <a:endParaRPr lang="en-US" altLang="zh-CN" sz="2400" b="1" kern="100" dirty="0">
+              <a:solidFill>
+                <a:srgbClr val="2C3E50"/>
+              </a:solidFill>
+              <a:effectLst/>
+              <a:latin typeface="等线" panose="02010600030101010101" pitchFamily="2" charset="-122"/>
+              <a:ea typeface="等线" panose="02010600030101010101" pitchFamily="2" charset="-122"/>
+              <a:cs typeface="Times New Roman" panose="02020603050405020304" pitchFamily="18" charset="0"/>
+            </a:endParaRPr>
+          </a:p>
+          <a:p>
+            <a:pPr marL="457200" indent="-457200" algn="just">
+              <a:buAutoNum type="arabicPeriod"/>
+            </a:pPr>
+            <a:r>
+              <a:rPr lang="zh-CN" altLang="en-US" sz="2400" b="1" kern="100" dirty="0">
+                <a:solidFill>
+                  <a:srgbClr val="2C3E50"/>
+                </a:solidFill>
+                <a:effectLst/>
+                <a:latin typeface="等线" panose="02010600030101010101" pitchFamily="2" charset="-122"/>
+                <a:ea typeface="等线" panose="02010600030101010101" pitchFamily="2" charset="-122"/>
+                <a:cs typeface="Times New Roman" panose="02020603050405020304" pitchFamily="18" charset="0"/>
+              </a:rPr>
+              <a:t>边缘触发（</a:t>
+            </a:r>
+            <a:r>
+              <a:rPr lang="en-US" altLang="zh-CN" sz="2400" b="1" kern="100" dirty="0">
+                <a:solidFill>
+                  <a:srgbClr val="2C3E50"/>
+                </a:solidFill>
+                <a:effectLst/>
+                <a:latin typeface="等线" panose="02010600030101010101" pitchFamily="2" charset="-122"/>
+                <a:ea typeface="等线" panose="02010600030101010101" pitchFamily="2" charset="-122"/>
+                <a:cs typeface="Times New Roman" panose="02020603050405020304" pitchFamily="18" charset="0"/>
+              </a:rPr>
+              <a:t>ET</a:t>
+            </a:r>
+            <a:r>
+              <a:rPr lang="zh-CN" altLang="en-US" sz="2400" b="1" kern="100" dirty="0">
+                <a:solidFill>
+                  <a:srgbClr val="2C3E50"/>
+                </a:solidFill>
+                <a:effectLst/>
+                <a:latin typeface="等线" panose="02010600030101010101" pitchFamily="2" charset="-122"/>
+                <a:ea typeface="等线" panose="02010600030101010101" pitchFamily="2" charset="-122"/>
+                <a:cs typeface="Times New Roman" panose="02020603050405020304" pitchFamily="18" charset="0"/>
+              </a:rPr>
+              <a:t>）：只会通知一次事件，因此要保证一次读取完数据</a:t>
+            </a:r>
+            <a:endParaRPr lang="zh-CN" altLang="zh-CN" sz="2400" kern="100" dirty="0">
+              <a:solidFill>
+                <a:srgbClr val="2C3E50"/>
+              </a:solidFill>
+              <a:effectLst/>
+              <a:latin typeface="等线" panose="02010600030101010101" pitchFamily="2" charset="-122"/>
+              <a:ea typeface="等线" panose="02010600030101010101" pitchFamily="2" charset="-122"/>
+              <a:cs typeface="Times New Roman" panose="02020603050405020304" pitchFamily="18" charset="0"/>
+            </a:endParaRPr>
+          </a:p>
+        </p:txBody>
+      </p:sp>
+    </p:spTree>
+    <p:extLst>
+      <p:ext uri="{BB962C8B-B14F-4D97-AF65-F5344CB8AC3E}">
+        <p14:creationId xmlns:p14="http://schemas.microsoft.com/office/powerpoint/2010/main" val="3285569651"/>
+      </p:ext>
+    </p:extLst>
+  </p:cSld>
+  <p:clrMapOvr>
+    <a:masterClrMapping/>
+  </p:clrMapOvr>
+</p:sld>
+</file>
+
+<file path=ppt/slides/slide5.xml><?xml version="1.0" encoding="utf-8"?>
+<p:sld xmlns:a="http://schemas.openxmlformats.org/drawingml/2006/main" xmlns:r="http://schemas.openxmlformats.org/officeDocument/2006/relationships" xmlns:p="http://schemas.openxmlformats.org/presentationml/2006/main">
+  <p:cSld>
+    <p:spTree>
+      <p:nvGrpSpPr>
+        <p:cNvPr id="1" name=""/>
+        <p:cNvGrpSpPr/>
+        <p:nvPr/>
+      </p:nvGrpSpPr>
+      <p:grpSpPr>
+        <a:xfrm>
+          <a:off x="0" y="0"/>
+          <a:ext cx="0" cy="0"/>
+          <a:chOff x="0" y="0"/>
+          <a:chExt cx="0" cy="0"/>
+        </a:xfrm>
+      </p:grpSpPr>
+      <p:sp>
+        <p:nvSpPr>
+          <p:cNvPr id="5" name="文本框 4">
+            <a:extLst>
+              <a:ext uri="{FF2B5EF4-FFF2-40B4-BE49-F238E27FC236}">
+                <a16:creationId xmlns:a16="http://schemas.microsoft.com/office/drawing/2014/main" id="{5EFB9843-9BC7-4C92-982E-AD6C003644C6}"/>
+              </a:ext>
+            </a:extLst>
+          </p:cNvPr>
+          <p:cNvSpPr txBox="1"/>
+          <p:nvPr/>
+        </p:nvSpPr>
+        <p:spPr>
+          <a:xfrm>
+            <a:off x="1140759" y="428178"/>
+            <a:ext cx="9910482" cy="6001643"/>
+          </a:xfrm>
+          <a:prstGeom prst="rect">
+            <a:avLst/>
+          </a:prstGeom>
+          <a:noFill/>
+        </p:spPr>
+        <p:txBody>
+          <a:bodyPr wrap="square">
+            <a:spAutoFit/>
+          </a:bodyPr>
+          <a:lstStyle/>
+          <a:p>
+            <a:r>
+              <a:rPr lang="zh-CN" altLang="en-US" sz="2400" b="1" dirty="0"/>
+              <a:t>Linux高并发服务器开发</a:t>
+            </a:r>
+          </a:p>
+          <a:p>
+            <a:endParaRPr lang="zh-CN" altLang="en-US" sz="2400" b="1" dirty="0"/>
+          </a:p>
+          <a:p>
+            <a:r>
+              <a:rPr lang="zh-CN" altLang="en-US" sz="2400" dirty="0"/>
+              <a:t>主要实现的功能首先是基于epoll和线程池技术，实现了一个基于同步I/O模拟的Proactor模式的一个高并发模型。</a:t>
+            </a:r>
+          </a:p>
+          <a:p>
+            <a:r>
+              <a:rPr lang="zh-CN" altLang="en-US" sz="2400" dirty="0"/>
+              <a:t>然后这个模型的业务逻辑就是要解析各个客户端发来的HTTP请求报文，然后生成一个响应报文回发给客户端</a:t>
+            </a:r>
+          </a:p>
+          <a:p>
+            <a:r>
+              <a:rPr lang="zh-CN" altLang="en-US" sz="2400" dirty="0"/>
+              <a:t>这个项目还包括一个异步的日志系统，是用来把服务器的一些运行状态写入到日志文件里面。</a:t>
+            </a:r>
+          </a:p>
+          <a:p>
+            <a:endParaRPr lang="zh-CN" altLang="en-US" sz="2400" b="1" dirty="0"/>
+          </a:p>
+          <a:p>
+            <a:endParaRPr lang="zh-CN" altLang="en-US" sz="2400" b="1" dirty="0"/>
+          </a:p>
+          <a:p>
+            <a:r>
+              <a:rPr lang="zh-CN" altLang="en-US" sz="2400" b="1" dirty="0"/>
+              <a:t>基于微信小程序的图像风格转换器开发</a:t>
+            </a:r>
+          </a:p>
+          <a:p>
+            <a:endParaRPr lang="zh-CN" altLang="en-US" sz="2400" b="1" dirty="0"/>
+          </a:p>
+          <a:p>
+            <a:r>
+              <a:rPr lang="zh-CN" altLang="en-US" sz="2400" dirty="0"/>
+              <a:t>前端的话是比较简单的微信小程序界面，包括用户登录、页面跳转、图像上传下载等一些功能。后端的核心功能是一个风格迁移的神经网络，输入一张图片，可以把这张图片转换成一种特定的风格。然后后端使用的框架是django，用来把前端对某个url的访问映射到具体的业务逻辑</a:t>
+            </a:r>
+          </a:p>
+        </p:txBody>
+      </p:sp>
+    </p:spTree>
+    <p:extLst>
+      <p:ext uri="{BB962C8B-B14F-4D97-AF65-F5344CB8AC3E}">
+        <p14:creationId xmlns:p14="http://schemas.microsoft.com/office/powerpoint/2010/main" val="638383116"/>
+      </p:ext>
+    </p:extLst>
+  </p:cSld>
+  <p:clrMapOvr>
+    <a:masterClrMapping/>
+  </p:clrMapOvr>
+</p:sld>
+</file>
+
+<file path=ppt/slides/slide6.xml><?xml version="1.0" encoding="utf-8"?>
+<p:sld xmlns:a="http://schemas.openxmlformats.org/drawingml/2006/main" xmlns:r="http://schemas.openxmlformats.org/officeDocument/2006/relationships" xmlns:p="http://schemas.openxmlformats.org/presentationml/2006/main">
+  <p:cSld>
+    <p:spTree>
+      <p:nvGrpSpPr>
+        <p:cNvPr id="1" name=""/>
+        <p:cNvGrpSpPr/>
+        <p:nvPr/>
+      </p:nvGrpSpPr>
+      <p:grpSpPr>
+        <a:xfrm>
+          <a:off x="0" y="0"/>
+          <a:ext cx="0" cy="0"/>
+          <a:chOff x="0" y="0"/>
+          <a:chExt cx="0" cy="0"/>
+        </a:xfrm>
+      </p:grpSpPr>
+      <p:sp>
+        <p:nvSpPr>
+          <p:cNvPr id="5" name="文本框 4">
+            <a:extLst>
+              <a:ext uri="{FF2B5EF4-FFF2-40B4-BE49-F238E27FC236}">
+                <a16:creationId xmlns:a16="http://schemas.microsoft.com/office/drawing/2014/main" id="{19B4C9AB-6481-43F2-A77D-FC8FA651F9AC}"/>
+              </a:ext>
+            </a:extLst>
+          </p:cNvPr>
+          <p:cNvSpPr txBox="1"/>
+          <p:nvPr/>
+        </p:nvSpPr>
+        <p:spPr>
+          <a:xfrm>
+            <a:off x="2264622" y="2497976"/>
+            <a:ext cx="7662755" cy="1862048"/>
+          </a:xfrm>
+          <a:prstGeom prst="rect">
+            <a:avLst/>
+          </a:prstGeom>
+          <a:noFill/>
+        </p:spPr>
+        <p:txBody>
+          <a:bodyPr wrap="square" rtlCol="0">
+            <a:spAutoFit/>
+          </a:bodyPr>
+          <a:lstStyle/>
+          <a:p>
+            <a:r>
+              <a:rPr lang="zh-CN" altLang="en-US" sz="11500" b="1" kern="100" dirty="0">
+                <a:solidFill>
+                  <a:srgbClr val="2C3E50"/>
+                </a:solidFill>
+                <a:effectLst/>
+                <a:latin typeface="Segoe UI" panose="020B0502040204020203" pitchFamily="34" charset="0"/>
+                <a:ea typeface="等线 Light" panose="02010600030101010101" pitchFamily="2" charset="-122"/>
+                <a:cs typeface="Segoe UI" panose="020B0502040204020203" pitchFamily="34" charset="0"/>
+              </a:rPr>
+              <a:t>计算机网络</a:t>
+            </a:r>
+            <a:endParaRPr lang="zh-CN" altLang="zh-CN" sz="11500" b="1" kern="100" dirty="0">
+              <a:effectLst/>
+              <a:latin typeface="等线 Light" panose="02010600030101010101" pitchFamily="2" charset="-122"/>
+              <a:ea typeface="等线 Light" panose="02010600030101010101" pitchFamily="2" charset="-122"/>
+              <a:cs typeface="Times New Roman" panose="02020603050405020304" pitchFamily="18" charset="0"/>
+            </a:endParaRPr>
+          </a:p>
+        </p:txBody>
+      </p:sp>
+    </p:spTree>
+    <p:extLst>
+      <p:ext uri="{BB962C8B-B14F-4D97-AF65-F5344CB8AC3E}">
+        <p14:creationId xmlns:p14="http://schemas.microsoft.com/office/powerpoint/2010/main" val="4203359841"/>
+      </p:ext>
+    </p:extLst>
+  </p:cSld>
+  <p:clrMapOvr>
+    <a:masterClrMapping/>
+  </p:clrMapOvr>
+</p:sld>
+</file>
+
+<file path=ppt/slides/slide7.xml><?xml version="1.0" encoding="utf-8"?>
+<p:sld xmlns:a="http://schemas.openxmlformats.org/drawingml/2006/main" xmlns:r="http://schemas.openxmlformats.org/officeDocument/2006/relationships" xmlns:p="http://schemas.openxmlformats.org/presentationml/2006/main">
+  <p:cSld>
+    <p:spTree>
+      <p:nvGrpSpPr>
+        <p:cNvPr id="1" name=""/>
+        <p:cNvGrpSpPr/>
+        <p:nvPr/>
+      </p:nvGrpSpPr>
+      <p:grpSpPr>
+        <a:xfrm>
+          <a:off x="0" y="0"/>
+          <a:ext cx="0" cy="0"/>
+          <a:chOff x="0" y="0"/>
+          <a:chExt cx="0" cy="0"/>
+        </a:xfrm>
+      </p:grpSpPr>
+      <p:sp>
+        <p:nvSpPr>
           <p:cNvPr id="6" name="文本框 5">
             <a:extLst>
               <a:ext uri="{FF2B5EF4-FFF2-40B4-BE49-F238E27FC236}">
@@ -4361,7 +9085,7 @@
     </p:spTree>
     <p:extLst>
       <p:ext uri="{BB962C8B-B14F-4D97-AF65-F5344CB8AC3E}">
-        <p14:creationId xmlns:p14="http://schemas.microsoft.com/office/powerpoint/2010/main" val="4203359841"/>
+        <p14:creationId xmlns:p14="http://schemas.microsoft.com/office/powerpoint/2010/main" val="3896297406"/>
       </p:ext>
     </p:extLst>
   </p:cSld>
@@ -4371,7 +9095,7 @@
 </p:sld>
 </file>
 
-<file path=ppt/slides/slide2.xml><?xml version="1.0" encoding="utf-8"?>
+<file path=ppt/slides/slide8.xml><?xml version="1.0" encoding="utf-8"?>
 <p:sld xmlns:a="http://schemas.openxmlformats.org/drawingml/2006/main" xmlns:r="http://schemas.openxmlformats.org/officeDocument/2006/relationships" xmlns:p="http://schemas.openxmlformats.org/presentationml/2006/main">
   <p:cSld>
     <p:spTree>
@@ -5399,7 +10123,7 @@
 </p:sld>
 </file>
 
-<file path=ppt/slides/slide3.xml><?xml version="1.0" encoding="utf-8"?>
+<file path=ppt/slides/slide9.xml><?xml version="1.0" encoding="utf-8"?>
 <p:sld xmlns:a="http://schemas.openxmlformats.org/drawingml/2006/main" xmlns:r="http://schemas.openxmlformats.org/officeDocument/2006/relationships" xmlns:p="http://schemas.openxmlformats.org/presentationml/2006/main">
   <p:cSld>
     <p:spTree>
@@ -5823,510 +10547,6 @@
     <p:extLst>
       <p:ext uri="{BB962C8B-B14F-4D97-AF65-F5344CB8AC3E}">
         <p14:creationId xmlns:p14="http://schemas.microsoft.com/office/powerpoint/2010/main" val="3070582956"/>
-      </p:ext>
-    </p:extLst>
-  </p:cSld>
-  <p:clrMapOvr>
-    <a:masterClrMapping/>
-  </p:clrMapOvr>
-</p:sld>
-</file>
-
-<file path=ppt/slides/slide4.xml><?xml version="1.0" encoding="utf-8"?>
-<p:sld xmlns:a="http://schemas.openxmlformats.org/drawingml/2006/main" xmlns:r="http://schemas.openxmlformats.org/officeDocument/2006/relationships" xmlns:p="http://schemas.openxmlformats.org/presentationml/2006/main">
-  <p:cSld>
-    <p:spTree>
-      <p:nvGrpSpPr>
-        <p:cNvPr id="1" name=""/>
-        <p:cNvGrpSpPr/>
-        <p:nvPr/>
-      </p:nvGrpSpPr>
-      <p:grpSpPr>
-        <a:xfrm>
-          <a:off x="0" y="0"/>
-          <a:ext cx="0" cy="0"/>
-          <a:chOff x="0" y="0"/>
-          <a:chExt cx="0" cy="0"/>
-        </a:xfrm>
-      </p:grpSpPr>
-      <p:sp>
-        <p:nvSpPr>
-          <p:cNvPr id="4" name="文本框 3">
-            <a:extLst>
-              <a:ext uri="{FF2B5EF4-FFF2-40B4-BE49-F238E27FC236}">
-                <a16:creationId xmlns:a16="http://schemas.microsoft.com/office/drawing/2014/main" id="{5311D689-FFF3-4BCE-7E45-F13D038ED366}"/>
-              </a:ext>
-            </a:extLst>
-          </p:cNvPr>
-          <p:cNvSpPr txBox="1"/>
-          <p:nvPr/>
-        </p:nvSpPr>
-        <p:spPr>
-          <a:xfrm>
-            <a:off x="0" y="0"/>
-            <a:ext cx="3683637" cy="1200329"/>
-          </a:xfrm>
-          <a:prstGeom prst="rect">
-            <a:avLst/>
-          </a:prstGeom>
-          <a:noFill/>
-        </p:spPr>
-        <p:txBody>
-          <a:bodyPr wrap="none" rtlCol="0">
-            <a:spAutoFit/>
-          </a:bodyPr>
-          <a:lstStyle/>
-          <a:p>
-            <a:r>
-              <a:rPr lang="en-US" altLang="zh-CN" sz="7200" b="1" kern="100" dirty="0">
-                <a:solidFill>
-                  <a:srgbClr val="2C3E50"/>
-                </a:solidFill>
-                <a:effectLst/>
-                <a:latin typeface="Segoe UI" panose="020B0502040204020203" pitchFamily="34" charset="0"/>
-                <a:ea typeface="等线 Light" panose="02010600030101010101" pitchFamily="2" charset="-122"/>
-                <a:cs typeface="Segoe UI" panose="020B0502040204020203" pitchFamily="34" charset="0"/>
-              </a:rPr>
-              <a:t>TCP</a:t>
-            </a:r>
-            <a:r>
-              <a:rPr lang="zh-CN" altLang="en-US" sz="7200" b="1" kern="100" dirty="0">
-                <a:solidFill>
-                  <a:srgbClr val="2C3E50"/>
-                </a:solidFill>
-                <a:effectLst/>
-                <a:latin typeface="Segoe UI" panose="020B0502040204020203" pitchFamily="34" charset="0"/>
-                <a:ea typeface="等线 Light" panose="02010600030101010101" pitchFamily="2" charset="-122"/>
-                <a:cs typeface="Segoe UI" panose="020B0502040204020203" pitchFamily="34" charset="0"/>
-              </a:rPr>
-              <a:t>握手</a:t>
-            </a:r>
-            <a:endParaRPr lang="zh-CN" altLang="zh-CN" sz="7200" b="1" kern="100" dirty="0">
-              <a:effectLst/>
-              <a:latin typeface="等线 Light" panose="02010600030101010101" pitchFamily="2" charset="-122"/>
-              <a:ea typeface="等线 Light" panose="02010600030101010101" pitchFamily="2" charset="-122"/>
-              <a:cs typeface="Times New Roman" panose="02020603050405020304" pitchFamily="18" charset="0"/>
-            </a:endParaRPr>
-          </a:p>
-        </p:txBody>
-      </p:sp>
-      <p:pic>
-        <p:nvPicPr>
-          <p:cNvPr id="5" name="图片 4" descr="TCP 三次握手">
-            <a:extLst>
-              <a:ext uri="{FF2B5EF4-FFF2-40B4-BE49-F238E27FC236}">
-                <a16:creationId xmlns:a16="http://schemas.microsoft.com/office/drawing/2014/main" id="{4DDE699E-91E9-168F-E7C2-4C21CFCDAAE9}"/>
-              </a:ext>
-            </a:extLst>
-          </p:cNvPr>
-          <p:cNvPicPr>
-            <a:picLocks noChangeAspect="1"/>
-          </p:cNvPicPr>
-          <p:nvPr/>
-        </p:nvPicPr>
-        <p:blipFill>
-          <a:blip r:embed="rId2" cstate="print">
-            <a:extLst>
-              <a:ext uri="{28A0092B-C50C-407E-A947-70E740481C1C}">
-                <a14:useLocalDpi xmlns:a14="http://schemas.microsoft.com/office/drawing/2010/main" val="0"/>
-              </a:ext>
-            </a:extLst>
-          </a:blip>
-          <a:srcRect/>
-          <a:stretch>
-            <a:fillRect/>
-          </a:stretch>
-        </p:blipFill>
-        <p:spPr bwMode="auto">
-          <a:xfrm>
-            <a:off x="238125" y="1514654"/>
-            <a:ext cx="5492420" cy="4581346"/>
-          </a:xfrm>
-          <a:prstGeom prst="rect">
-            <a:avLst/>
-          </a:prstGeom>
-          <a:noFill/>
-          <a:ln>
-            <a:noFill/>
-          </a:ln>
-        </p:spPr>
-      </p:pic>
-      <p:sp>
-        <p:nvSpPr>
-          <p:cNvPr id="6" name="文本框 5">
-            <a:extLst>
-              <a:ext uri="{FF2B5EF4-FFF2-40B4-BE49-F238E27FC236}">
-                <a16:creationId xmlns:a16="http://schemas.microsoft.com/office/drawing/2014/main" id="{6CC82442-9E3F-C331-491A-C3FEBC20E6EC}"/>
-              </a:ext>
-            </a:extLst>
-          </p:cNvPr>
-          <p:cNvSpPr txBox="1"/>
-          <p:nvPr/>
-        </p:nvSpPr>
-        <p:spPr>
-          <a:xfrm>
-            <a:off x="7734300" y="0"/>
-            <a:ext cx="3683637" cy="1200329"/>
-          </a:xfrm>
-          <a:prstGeom prst="rect">
-            <a:avLst/>
-          </a:prstGeom>
-          <a:noFill/>
-        </p:spPr>
-        <p:txBody>
-          <a:bodyPr wrap="none" rtlCol="0">
-            <a:spAutoFit/>
-          </a:bodyPr>
-          <a:lstStyle/>
-          <a:p>
-            <a:r>
-              <a:rPr lang="en-US" altLang="zh-CN" sz="7200" b="1" kern="100" dirty="0">
-                <a:solidFill>
-                  <a:srgbClr val="2C3E50"/>
-                </a:solidFill>
-                <a:effectLst/>
-                <a:latin typeface="Segoe UI" panose="020B0502040204020203" pitchFamily="34" charset="0"/>
-                <a:ea typeface="等线 Light" panose="02010600030101010101" pitchFamily="2" charset="-122"/>
-                <a:cs typeface="Segoe UI" panose="020B0502040204020203" pitchFamily="34" charset="0"/>
-              </a:rPr>
-              <a:t>TCP</a:t>
-            </a:r>
-            <a:r>
-              <a:rPr lang="zh-CN" altLang="en-US" sz="7200" b="1" kern="100" dirty="0">
-                <a:solidFill>
-                  <a:srgbClr val="2C3E50"/>
-                </a:solidFill>
-                <a:effectLst/>
-                <a:latin typeface="Segoe UI" panose="020B0502040204020203" pitchFamily="34" charset="0"/>
-                <a:ea typeface="等线 Light" panose="02010600030101010101" pitchFamily="2" charset="-122"/>
-                <a:cs typeface="Segoe UI" panose="020B0502040204020203" pitchFamily="34" charset="0"/>
-              </a:rPr>
-              <a:t>挥手</a:t>
-            </a:r>
-            <a:endParaRPr lang="zh-CN" altLang="zh-CN" sz="7200" b="1" kern="100" dirty="0">
-              <a:effectLst/>
-              <a:latin typeface="等线 Light" panose="02010600030101010101" pitchFamily="2" charset="-122"/>
-              <a:ea typeface="等线 Light" panose="02010600030101010101" pitchFamily="2" charset="-122"/>
-              <a:cs typeface="Times New Roman" panose="02020603050405020304" pitchFamily="18" charset="0"/>
-            </a:endParaRPr>
-          </a:p>
-        </p:txBody>
-      </p:sp>
-      <p:pic>
-        <p:nvPicPr>
-          <p:cNvPr id="7" name="图片 6" descr="客户端主动关闭连接 —— TCP 四次挥手">
-            <a:extLst>
-              <a:ext uri="{FF2B5EF4-FFF2-40B4-BE49-F238E27FC236}">
-                <a16:creationId xmlns:a16="http://schemas.microsoft.com/office/drawing/2014/main" id="{C60CFA4E-491D-BC17-12E0-5448CCD673B3}"/>
-              </a:ext>
-            </a:extLst>
-          </p:cNvPr>
-          <p:cNvPicPr>
-            <a:picLocks noChangeAspect="1"/>
-          </p:cNvPicPr>
-          <p:nvPr/>
-        </p:nvPicPr>
-        <p:blipFill>
-          <a:blip r:embed="rId3" cstate="print">
-            <a:extLst>
-              <a:ext uri="{28A0092B-C50C-407E-A947-70E740481C1C}">
-                <a14:useLocalDpi xmlns:a14="http://schemas.microsoft.com/office/drawing/2010/main" val="0"/>
-              </a:ext>
-            </a:extLst>
-          </a:blip>
-          <a:srcRect/>
-          <a:stretch>
-            <a:fillRect/>
-          </a:stretch>
-        </p:blipFill>
-        <p:spPr bwMode="auto">
-          <a:xfrm>
-            <a:off x="6905625" y="1224243"/>
-            <a:ext cx="4895850" cy="5162168"/>
-          </a:xfrm>
-          <a:prstGeom prst="rect">
-            <a:avLst/>
-          </a:prstGeom>
-          <a:noFill/>
-          <a:ln>
-            <a:noFill/>
-          </a:ln>
-        </p:spPr>
-      </p:pic>
-    </p:spTree>
-    <p:extLst>
-      <p:ext uri="{BB962C8B-B14F-4D97-AF65-F5344CB8AC3E}">
-        <p14:creationId xmlns:p14="http://schemas.microsoft.com/office/powerpoint/2010/main" val="3162184158"/>
-      </p:ext>
-    </p:extLst>
-  </p:cSld>
-  <p:clrMapOvr>
-    <a:masterClrMapping/>
-  </p:clrMapOvr>
-</p:sld>
-</file>
-
-<file path=ppt/slides/slide5.xml><?xml version="1.0" encoding="utf-8"?>
-<p:sld xmlns:a="http://schemas.openxmlformats.org/drawingml/2006/main" xmlns:r="http://schemas.openxmlformats.org/officeDocument/2006/relationships" xmlns:p="http://schemas.openxmlformats.org/presentationml/2006/main">
-  <p:cSld>
-    <p:spTree>
-      <p:nvGrpSpPr>
-        <p:cNvPr id="1" name=""/>
-        <p:cNvGrpSpPr/>
-        <p:nvPr/>
-      </p:nvGrpSpPr>
-      <p:grpSpPr>
-        <a:xfrm>
-          <a:off x="0" y="0"/>
-          <a:ext cx="0" cy="0"/>
-          <a:chOff x="0" y="0"/>
-          <a:chExt cx="0" cy="0"/>
-        </a:xfrm>
-      </p:grpSpPr>
-      <p:sp>
-        <p:nvSpPr>
-          <p:cNvPr id="4" name="文本框 3">
-            <a:extLst>
-              <a:ext uri="{FF2B5EF4-FFF2-40B4-BE49-F238E27FC236}">
-                <a16:creationId xmlns:a16="http://schemas.microsoft.com/office/drawing/2014/main" id="{6ADABC66-9042-0D0B-7C98-FFAA73B72D76}"/>
-              </a:ext>
-            </a:extLst>
-          </p:cNvPr>
-          <p:cNvSpPr txBox="1"/>
-          <p:nvPr/>
-        </p:nvSpPr>
-        <p:spPr>
-          <a:xfrm>
-            <a:off x="0" y="0"/>
-            <a:ext cx="3078920" cy="1200329"/>
-          </a:xfrm>
-          <a:prstGeom prst="rect">
-            <a:avLst/>
-          </a:prstGeom>
-          <a:noFill/>
-        </p:spPr>
-        <p:txBody>
-          <a:bodyPr wrap="none" rtlCol="0">
-            <a:spAutoFit/>
-          </a:bodyPr>
-          <a:lstStyle/>
-          <a:p>
-            <a:r>
-              <a:rPr lang="en-US" altLang="zh-CN" sz="7200" b="1" kern="100" dirty="0">
-                <a:solidFill>
-                  <a:srgbClr val="2C3E50"/>
-                </a:solidFill>
-                <a:effectLst/>
-                <a:latin typeface="Segoe UI" panose="020B0502040204020203" pitchFamily="34" charset="0"/>
-                <a:ea typeface="等线 Light" panose="02010600030101010101" pitchFamily="2" charset="-122"/>
-                <a:cs typeface="Segoe UI" panose="020B0502040204020203" pitchFamily="34" charset="0"/>
-              </a:rPr>
-              <a:t>HTTPS</a:t>
-            </a:r>
-            <a:endParaRPr lang="zh-CN" altLang="zh-CN" sz="7200" b="1" kern="100" dirty="0">
-              <a:effectLst/>
-              <a:latin typeface="等线 Light" panose="02010600030101010101" pitchFamily="2" charset="-122"/>
-              <a:ea typeface="等线 Light" panose="02010600030101010101" pitchFamily="2" charset="-122"/>
-              <a:cs typeface="Times New Roman" panose="02020603050405020304" pitchFamily="18" charset="0"/>
-            </a:endParaRPr>
-          </a:p>
-        </p:txBody>
-      </p:sp>
-      <p:sp>
-        <p:nvSpPr>
-          <p:cNvPr id="6" name="文本框 5">
-            <a:extLst>
-              <a:ext uri="{FF2B5EF4-FFF2-40B4-BE49-F238E27FC236}">
-                <a16:creationId xmlns:a16="http://schemas.microsoft.com/office/drawing/2014/main" id="{FF160A5A-97CB-B91F-D505-9B08AEED53AC}"/>
-              </a:ext>
-            </a:extLst>
-          </p:cNvPr>
-          <p:cNvSpPr txBox="1"/>
-          <p:nvPr/>
-        </p:nvSpPr>
-        <p:spPr>
-          <a:xfrm>
-            <a:off x="0" y="1095672"/>
-            <a:ext cx="4210050" cy="1384995"/>
-          </a:xfrm>
-          <a:prstGeom prst="rect">
-            <a:avLst/>
-          </a:prstGeom>
-          <a:noFill/>
-        </p:spPr>
-        <p:txBody>
-          <a:bodyPr wrap="square">
-            <a:spAutoFit/>
-          </a:bodyPr>
-          <a:lstStyle/>
-          <a:p>
-            <a:pPr algn="just"/>
-            <a:r>
-              <a:rPr lang="zh-CN" altLang="zh-CN" sz="2800" b="1" kern="100" dirty="0">
-                <a:solidFill>
-                  <a:srgbClr val="304FFE"/>
-                </a:solidFill>
-                <a:effectLst/>
-                <a:highlight>
-                  <a:srgbClr val="FFFFFF"/>
-                </a:highlight>
-                <a:latin typeface="Segoe UI" panose="020B0502040204020203" pitchFamily="34" charset="0"/>
-                <a:ea typeface="等线" panose="02010600030101010101" pitchFamily="2" charset="-122"/>
-                <a:cs typeface="Segoe UI" panose="020B0502040204020203" pitchFamily="34" charset="0"/>
-              </a:rPr>
-              <a:t>窃听风险</a:t>
-            </a:r>
-            <a:r>
-              <a:rPr lang="zh-CN" altLang="zh-CN" sz="2800" b="1" kern="100" dirty="0">
-                <a:solidFill>
-                  <a:srgbClr val="000000"/>
-                </a:solidFill>
-                <a:effectLst/>
-                <a:highlight>
-                  <a:srgbClr val="FFFFFF"/>
-                </a:highlight>
-                <a:latin typeface="Segoe UI" panose="020B0502040204020203" pitchFamily="34" charset="0"/>
-                <a:ea typeface="等线" panose="02010600030101010101" pitchFamily="2" charset="-122"/>
-                <a:cs typeface="Segoe UI" panose="020B0502040204020203" pitchFamily="34" charset="0"/>
-              </a:rPr>
-              <a:t>：通过</a:t>
-            </a:r>
-            <a:r>
-              <a:rPr lang="zh-CN" altLang="zh-CN" sz="2800" b="1" kern="100" dirty="0">
-                <a:solidFill>
-                  <a:srgbClr val="304FFE"/>
-                </a:solidFill>
-                <a:effectLst/>
-                <a:highlight>
-                  <a:srgbClr val="FFFFFF"/>
-                </a:highlight>
-                <a:latin typeface="Segoe UI" panose="020B0502040204020203" pitchFamily="34" charset="0"/>
-                <a:ea typeface="等线" panose="02010600030101010101" pitchFamily="2" charset="-122"/>
-                <a:cs typeface="Segoe UI" panose="020B0502040204020203" pitchFamily="34" charset="0"/>
-              </a:rPr>
-              <a:t>信息加密</a:t>
-            </a:r>
-            <a:endParaRPr lang="zh-CN" altLang="zh-CN" sz="2800" kern="100" dirty="0">
-              <a:effectLst/>
-              <a:latin typeface="等线" panose="02010600030101010101" pitchFamily="2" charset="-122"/>
-              <a:ea typeface="等线" panose="02010600030101010101" pitchFamily="2" charset="-122"/>
-              <a:cs typeface="Times New Roman" panose="02020603050405020304" pitchFamily="18" charset="0"/>
-            </a:endParaRPr>
-          </a:p>
-          <a:p>
-            <a:pPr algn="just"/>
-            <a:r>
-              <a:rPr lang="zh-CN" altLang="zh-CN" sz="2800" b="1" kern="100" dirty="0">
-                <a:solidFill>
-                  <a:srgbClr val="304FFE"/>
-                </a:solidFill>
-                <a:effectLst/>
-                <a:highlight>
-                  <a:srgbClr val="FFFFFF"/>
-                </a:highlight>
-                <a:latin typeface="Segoe UI" panose="020B0502040204020203" pitchFamily="34" charset="0"/>
-                <a:ea typeface="等线" panose="02010600030101010101" pitchFamily="2" charset="-122"/>
-                <a:cs typeface="Segoe UI" panose="020B0502040204020203" pitchFamily="34" charset="0"/>
-              </a:rPr>
-              <a:t>篡改风险</a:t>
-            </a:r>
-            <a:r>
-              <a:rPr lang="zh-CN" altLang="zh-CN" sz="2800" b="1" kern="100" dirty="0">
-                <a:solidFill>
-                  <a:srgbClr val="000000"/>
-                </a:solidFill>
-                <a:effectLst/>
-                <a:highlight>
-                  <a:srgbClr val="FFFFFF"/>
-                </a:highlight>
-                <a:latin typeface="Segoe UI" panose="020B0502040204020203" pitchFamily="34" charset="0"/>
-                <a:ea typeface="等线" panose="02010600030101010101" pitchFamily="2" charset="-122"/>
-                <a:cs typeface="Segoe UI" panose="020B0502040204020203" pitchFamily="34" charset="0"/>
-              </a:rPr>
-              <a:t>：通过</a:t>
-            </a:r>
-            <a:r>
-              <a:rPr lang="zh-CN" altLang="zh-CN" sz="2800" b="1" kern="100" dirty="0">
-                <a:solidFill>
-                  <a:srgbClr val="304FFE"/>
-                </a:solidFill>
-                <a:effectLst/>
-                <a:highlight>
-                  <a:srgbClr val="FFFFFF"/>
-                </a:highlight>
-                <a:latin typeface="Segoe UI" panose="020B0502040204020203" pitchFamily="34" charset="0"/>
-                <a:ea typeface="等线" panose="02010600030101010101" pitchFamily="2" charset="-122"/>
-                <a:cs typeface="Segoe UI" panose="020B0502040204020203" pitchFamily="34" charset="0"/>
-              </a:rPr>
-              <a:t>校验机制</a:t>
-            </a:r>
-            <a:endParaRPr lang="zh-CN" altLang="zh-CN" sz="2800" kern="100" dirty="0">
-              <a:effectLst/>
-              <a:latin typeface="等线" panose="02010600030101010101" pitchFamily="2" charset="-122"/>
-              <a:ea typeface="等线" panose="02010600030101010101" pitchFamily="2" charset="-122"/>
-              <a:cs typeface="Times New Roman" panose="02020603050405020304" pitchFamily="18" charset="0"/>
-            </a:endParaRPr>
-          </a:p>
-          <a:p>
-            <a:pPr algn="just"/>
-            <a:r>
-              <a:rPr lang="zh-CN" altLang="zh-CN" sz="2800" b="1" kern="100" dirty="0">
-                <a:solidFill>
-                  <a:srgbClr val="304FFE"/>
-                </a:solidFill>
-                <a:effectLst/>
-                <a:highlight>
-                  <a:srgbClr val="FFFFFF"/>
-                </a:highlight>
-                <a:latin typeface="Segoe UI" panose="020B0502040204020203" pitchFamily="34" charset="0"/>
-                <a:ea typeface="等线" panose="02010600030101010101" pitchFamily="2" charset="-122"/>
-                <a:cs typeface="Segoe UI" panose="020B0502040204020203" pitchFamily="34" charset="0"/>
-              </a:rPr>
-              <a:t>冒充风险</a:t>
-            </a:r>
-            <a:r>
-              <a:rPr lang="zh-CN" altLang="zh-CN" sz="2800" b="1" kern="100" dirty="0">
-                <a:solidFill>
-                  <a:srgbClr val="000000"/>
-                </a:solidFill>
-                <a:effectLst/>
-                <a:highlight>
-                  <a:srgbClr val="FFFFFF"/>
-                </a:highlight>
-                <a:latin typeface="Segoe UI" panose="020B0502040204020203" pitchFamily="34" charset="0"/>
-                <a:ea typeface="等线" panose="02010600030101010101" pitchFamily="2" charset="-122"/>
-                <a:cs typeface="Segoe UI" panose="020B0502040204020203" pitchFamily="34" charset="0"/>
-              </a:rPr>
-              <a:t>：通过</a:t>
-            </a:r>
-            <a:r>
-              <a:rPr lang="zh-CN" altLang="zh-CN" sz="2800" b="1" kern="100" dirty="0">
-                <a:solidFill>
-                  <a:srgbClr val="304FFE"/>
-                </a:solidFill>
-                <a:effectLst/>
-                <a:highlight>
-                  <a:srgbClr val="FFFFFF"/>
-                </a:highlight>
-                <a:latin typeface="Segoe UI" panose="020B0502040204020203" pitchFamily="34" charset="0"/>
-                <a:ea typeface="等线" panose="02010600030101010101" pitchFamily="2" charset="-122"/>
-                <a:cs typeface="Segoe UI" panose="020B0502040204020203" pitchFamily="34" charset="0"/>
-              </a:rPr>
-              <a:t>身份证书</a:t>
-            </a:r>
-            <a:endParaRPr lang="zh-CN" altLang="zh-CN" sz="2800" kern="100" dirty="0">
-              <a:effectLst/>
-              <a:latin typeface="等线" panose="02010600030101010101" pitchFamily="2" charset="-122"/>
-              <a:ea typeface="等线" panose="02010600030101010101" pitchFamily="2" charset="-122"/>
-              <a:cs typeface="Times New Roman" panose="02020603050405020304" pitchFamily="18" charset="0"/>
-            </a:endParaRPr>
-          </a:p>
-        </p:txBody>
-      </p:sp>
-    </p:spTree>
-    <p:extLst>
-      <p:ext uri="{BB962C8B-B14F-4D97-AF65-F5344CB8AC3E}">
-        <p14:creationId xmlns:p14="http://schemas.microsoft.com/office/powerpoint/2010/main" val="3109401557"/>
       </p:ext>
     </p:extLst>
   </p:cSld>
